--- a/ProjectNewDesign.pptx
+++ b/ProjectNewDesign.pptx
@@ -4037,13 +4037,8 @@
             <a:pPr algn="ctr"/>
             <a:r>
               <a:rPr lang="ru-RU" sz="2400" dirty="0"/>
-              <a:t>Институт информационных технологий, математики и </a:t>
+              <a:t>Институт информационных технологий, математики и механики</a:t>
             </a:r>
-            <a:r>
-              <a:rPr lang="ru-RU" sz="2400" dirty="0"/>
-              <a:t>механики</a:t>
-            </a:r>
-            <a:endParaRPr lang="ru-RU" sz="2400" dirty="0"/>
           </a:p>
         </p:txBody>
       </p:sp>
@@ -4131,7 +4126,6 @@
               <a:rPr lang="ru-RU" sz="2400" dirty="0"/>
               <a:t>Нижний Новгород, 2017</a:t>
             </a:r>
-            <a:endParaRPr lang="ru-RU" sz="2400" dirty="0"/>
           </a:p>
         </p:txBody>
       </p:sp>
@@ -4385,11 +4379,6 @@
                 </a:rPr>
                 <a:t>21</a:t>
               </a:r>
-              <a:endParaRPr lang="ru-RU" sz="900" dirty="0">
-                <a:solidFill>
-                  <a:srgbClr val="FFC78F"/>
-                </a:solidFill>
-              </a:endParaRPr>
             </a:p>
           </p:txBody>
         </p:sp>
@@ -6410,11 +6399,6 @@
                 </a:rPr>
                 <a:t>43</a:t>
               </a:r>
-              <a:endParaRPr lang="ru-RU" sz="900" dirty="0">
-                <a:solidFill>
-                  <a:srgbClr val="FFC78F"/>
-                </a:solidFill>
-              </a:endParaRPr>
             </a:p>
           </p:txBody>
         </p:sp>
@@ -6483,11 +6467,6 @@
                 </a:rPr>
                 <a:t>0</a:t>
               </a:r>
-              <a:endParaRPr lang="ru-RU" sz="900" dirty="0">
-                <a:solidFill>
-                  <a:srgbClr val="FFC78F"/>
-                </a:solidFill>
-              </a:endParaRPr>
             </a:p>
           </p:txBody>
         </p:sp>
@@ -6556,11 +6535,6 @@
                 </a:rPr>
                 <a:t>0</a:t>
               </a:r>
-              <a:endParaRPr lang="ru-RU" sz="900" dirty="0">
-                <a:solidFill>
-                  <a:srgbClr val="FFC78F"/>
-                </a:solidFill>
-              </a:endParaRPr>
             </a:p>
           </p:txBody>
         </p:sp>
@@ -6629,11 +6603,6 @@
                 </a:rPr>
                 <a:t>0</a:t>
               </a:r>
-              <a:endParaRPr lang="ru-RU" sz="900" dirty="0">
-                <a:solidFill>
-                  <a:srgbClr val="FFC78F"/>
-                </a:solidFill>
-              </a:endParaRPr>
             </a:p>
           </p:txBody>
         </p:sp>
@@ -6702,11 +6671,6 @@
                 </a:rPr>
                 <a:t>0</a:t>
               </a:r>
-              <a:endParaRPr lang="ru-RU" sz="900" dirty="0">
-                <a:solidFill>
-                  <a:srgbClr val="FFC78F"/>
-                </a:solidFill>
-              </a:endParaRPr>
             </a:p>
           </p:txBody>
         </p:sp>
@@ -6775,11 +6739,6 @@
                 </a:rPr>
                 <a:t>31</a:t>
               </a:r>
-              <a:endParaRPr lang="ru-RU" sz="900" dirty="0">
-                <a:solidFill>
-                  <a:srgbClr val="FFC78F"/>
-                </a:solidFill>
-              </a:endParaRPr>
             </a:p>
           </p:txBody>
         </p:sp>
@@ -6848,11 +6807,6 @@
                 </a:rPr>
                 <a:t>17</a:t>
               </a:r>
-              <a:endParaRPr lang="ru-RU" sz="900" dirty="0">
-                <a:solidFill>
-                  <a:srgbClr val="FFC78F"/>
-                </a:solidFill>
-              </a:endParaRPr>
             </a:p>
           </p:txBody>
         </p:sp>
@@ -6921,11 +6875,6 @@
                 </a:rPr>
                 <a:t>20</a:t>
               </a:r>
-              <a:endParaRPr lang="ru-RU" sz="900" dirty="0">
-                <a:solidFill>
-                  <a:srgbClr val="FFC78F"/>
-                </a:solidFill>
-              </a:endParaRPr>
             </a:p>
           </p:txBody>
         </p:sp>
@@ -6994,11 +6943,6 @@
                 </a:rPr>
                 <a:t>8</a:t>
               </a:r>
-              <a:endParaRPr lang="ru-RU" sz="900" dirty="0">
-                <a:solidFill>
-                  <a:srgbClr val="FFC78F"/>
-                </a:solidFill>
-              </a:endParaRPr>
             </a:p>
           </p:txBody>
         </p:sp>
@@ -7067,11 +7011,6 @@
                 </a:rPr>
                 <a:t>-9</a:t>
               </a:r>
-              <a:endParaRPr lang="ru-RU" sz="900" dirty="0">
-                <a:solidFill>
-                  <a:srgbClr val="FFC78F"/>
-                </a:solidFill>
-              </a:endParaRPr>
             </a:p>
           </p:txBody>
         </p:sp>
@@ -7140,11 +7079,6 @@
                 </a:rPr>
                 <a:t>23</a:t>
               </a:r>
-              <a:endParaRPr lang="ru-RU" sz="900" dirty="0">
-                <a:solidFill>
-                  <a:srgbClr val="FFC78F"/>
-                </a:solidFill>
-              </a:endParaRPr>
             </a:p>
           </p:txBody>
         </p:sp>
@@ -7213,11 +7147,6 @@
                 </a:rPr>
                 <a:t>43</a:t>
               </a:r>
-              <a:endParaRPr lang="ru-RU" sz="900" dirty="0">
-                <a:solidFill>
-                  <a:srgbClr val="FFC78F"/>
-                </a:solidFill>
-              </a:endParaRPr>
             </a:p>
           </p:txBody>
         </p:sp>
@@ -7286,11 +7215,6 @@
                 </a:rPr>
                 <a:t>32</a:t>
               </a:r>
-              <a:endParaRPr lang="ru-RU" sz="900" dirty="0">
-                <a:solidFill>
-                  <a:srgbClr val="FFC78F"/>
-                </a:solidFill>
-              </a:endParaRPr>
             </a:p>
           </p:txBody>
         </p:sp>
@@ -7359,11 +7283,6 @@
                 </a:rPr>
                 <a:t>42</a:t>
               </a:r>
-              <a:endParaRPr lang="ru-RU" sz="900" dirty="0">
-                <a:solidFill>
-                  <a:srgbClr val="FFC78F"/>
-                </a:solidFill>
-              </a:endParaRPr>
             </a:p>
           </p:txBody>
         </p:sp>
@@ -7432,11 +7351,6 @@
                 </a:rPr>
                 <a:t>32</a:t>
               </a:r>
-              <a:endParaRPr lang="ru-RU" sz="900" dirty="0">
-                <a:solidFill>
-                  <a:srgbClr val="FFC78F"/>
-                </a:solidFill>
-              </a:endParaRPr>
             </a:p>
           </p:txBody>
         </p:sp>
@@ -7505,11 +7419,6 @@
                 </a:rPr>
                 <a:t>32</a:t>
               </a:r>
-              <a:endParaRPr lang="ru-RU" sz="900" dirty="0">
-                <a:solidFill>
-                  <a:srgbClr val="FFC78F"/>
-                </a:solidFill>
-              </a:endParaRPr>
             </a:p>
           </p:txBody>
         </p:sp>
@@ -7578,11 +7487,6 @@
                 </a:rPr>
                 <a:t>43</a:t>
               </a:r>
-              <a:endParaRPr lang="ru-RU" sz="900" dirty="0">
-                <a:solidFill>
-                  <a:srgbClr val="FFC78F"/>
-                </a:solidFill>
-              </a:endParaRPr>
             </a:p>
           </p:txBody>
         </p:sp>
@@ -7651,11 +7555,6 @@
                 </a:rPr>
                 <a:t>0</a:t>
               </a:r>
-              <a:endParaRPr lang="ru-RU" sz="900" dirty="0">
-                <a:solidFill>
-                  <a:srgbClr val="FFC78F"/>
-                </a:solidFill>
-              </a:endParaRPr>
             </a:p>
           </p:txBody>
         </p:sp>
@@ -7724,11 +7623,6 @@
                 </a:rPr>
                 <a:t>7</a:t>
               </a:r>
-              <a:endParaRPr lang="ru-RU" sz="900" dirty="0">
-                <a:solidFill>
-                  <a:srgbClr val="FFC78F"/>
-                </a:solidFill>
-              </a:endParaRPr>
             </a:p>
           </p:txBody>
         </p:sp>
@@ -7797,11 +7691,6 @@
                 </a:rPr>
                 <a:t>23</a:t>
               </a:r>
-              <a:endParaRPr lang="ru-RU" sz="900" dirty="0">
-                <a:solidFill>
-                  <a:srgbClr val="FFC78F"/>
-                </a:solidFill>
-              </a:endParaRPr>
             </a:p>
           </p:txBody>
         </p:sp>
@@ -7870,11 +7759,6 @@
                 </a:rPr>
                 <a:t>13</a:t>
               </a:r>
-              <a:endParaRPr lang="ru-RU" sz="900" dirty="0">
-                <a:solidFill>
-                  <a:srgbClr val="FFC78F"/>
-                </a:solidFill>
-              </a:endParaRPr>
             </a:p>
           </p:txBody>
         </p:sp>
@@ -7943,11 +7827,6 @@
                 </a:rPr>
                 <a:t>25</a:t>
               </a:r>
-              <a:endParaRPr lang="ru-RU" sz="900" dirty="0">
-                <a:solidFill>
-                  <a:srgbClr val="FFC78F"/>
-                </a:solidFill>
-              </a:endParaRPr>
             </a:p>
           </p:txBody>
         </p:sp>
@@ -8016,11 +7895,6 @@
                 </a:rPr>
                 <a:t>17</a:t>
               </a:r>
-              <a:endParaRPr lang="ru-RU" sz="900" dirty="0">
-                <a:solidFill>
-                  <a:srgbClr val="FFC78F"/>
-                </a:solidFill>
-              </a:endParaRPr>
             </a:p>
           </p:txBody>
         </p:sp>
@@ -8089,11 +7963,6 @@
                 </a:rPr>
                 <a:t>13</a:t>
               </a:r>
-              <a:endParaRPr lang="ru-RU" sz="900" dirty="0">
-                <a:solidFill>
-                  <a:srgbClr val="FFC78F"/>
-                </a:solidFill>
-              </a:endParaRPr>
             </a:p>
           </p:txBody>
         </p:sp>
@@ -8162,11 +8031,6 @@
                 </a:rPr>
                 <a:t>7</a:t>
               </a:r>
-              <a:endParaRPr lang="ru-RU" sz="900" dirty="0">
-                <a:solidFill>
-                  <a:srgbClr val="FFC78F"/>
-                </a:solidFill>
-              </a:endParaRPr>
             </a:p>
           </p:txBody>
         </p:sp>
@@ -8235,11 +8099,6 @@
                 </a:rPr>
                 <a:t>0</a:t>
               </a:r>
-              <a:endParaRPr lang="ru-RU" sz="900" dirty="0">
-                <a:solidFill>
-                  <a:srgbClr val="FFC78F"/>
-                </a:solidFill>
-              </a:endParaRPr>
             </a:p>
           </p:txBody>
         </p:sp>
@@ -8308,11 +8167,6 @@
                 </a:rPr>
                 <a:t>0</a:t>
               </a:r>
-              <a:endParaRPr lang="ru-RU" sz="900" dirty="0">
-                <a:solidFill>
-                  <a:srgbClr val="FFC78F"/>
-                </a:solidFill>
-              </a:endParaRPr>
             </a:p>
           </p:txBody>
         </p:sp>
@@ -8381,11 +8235,6 @@
                 </a:rPr>
                 <a:t>0</a:t>
               </a:r>
-              <a:endParaRPr lang="ru-RU" sz="900" dirty="0">
-                <a:solidFill>
-                  <a:srgbClr val="FFC78F"/>
-                </a:solidFill>
-              </a:endParaRPr>
             </a:p>
           </p:txBody>
         </p:sp>
@@ -8454,11 +8303,6 @@
                 </a:rPr>
                 <a:t>20</a:t>
               </a:r>
-              <a:endParaRPr lang="ru-RU" sz="900" dirty="0">
-                <a:solidFill>
-                  <a:srgbClr val="FFC78F"/>
-                </a:solidFill>
-              </a:endParaRPr>
             </a:p>
           </p:txBody>
         </p:sp>
@@ -8527,11 +8371,6 @@
                 </a:rPr>
                 <a:t>20</a:t>
               </a:r>
-              <a:endParaRPr lang="ru-RU" sz="900" dirty="0">
-                <a:solidFill>
-                  <a:srgbClr val="FFC78F"/>
-                </a:solidFill>
-              </a:endParaRPr>
             </a:p>
           </p:txBody>
         </p:sp>
@@ -8600,11 +8439,6 @@
                 </a:rPr>
                 <a:t>-9</a:t>
               </a:r>
-              <a:endParaRPr lang="ru-RU" sz="900" dirty="0">
-                <a:solidFill>
-                  <a:srgbClr val="FFC78F"/>
-                </a:solidFill>
-              </a:endParaRPr>
             </a:p>
           </p:txBody>
         </p:sp>
@@ -8635,7 +8469,6 @@
               <a:rPr lang="ru-RU" sz="1200" dirty="0"/>
               <a:t>Ценность полей для белой шашки</a:t>
             </a:r>
-            <a:endParaRPr lang="ru-RU" sz="1200" dirty="0"/>
           </a:p>
         </p:txBody>
       </p:sp>
@@ -8665,7 +8498,6 @@
               <a:rPr lang="ru-RU" sz="1200" dirty="0"/>
               <a:t>Ценность полей для дамки</a:t>
             </a:r>
-            <a:endParaRPr lang="ru-RU" sz="1200" dirty="0"/>
           </a:p>
         </p:txBody>
       </p:sp>
@@ -8786,11 +8618,6 @@
                   </a:rPr>
                   <a:t>0</a:t>
                 </a:r>
-                <a:endParaRPr lang="ru-RU" sz="900" dirty="0">
-                  <a:solidFill>
-                    <a:srgbClr val="FFD9B3"/>
-                  </a:solidFill>
-                </a:endParaRPr>
               </a:p>
             </p:txBody>
           </p:sp>
@@ -10811,11 +10638,6 @@
                   </a:rPr>
                   <a:t>0</a:t>
                 </a:r>
-                <a:endParaRPr lang="ru-RU" sz="900" dirty="0">
-                  <a:solidFill>
-                    <a:srgbClr val="FFD9B3"/>
-                  </a:solidFill>
-                </a:endParaRPr>
               </a:p>
             </p:txBody>
           </p:sp>
@@ -10884,11 +10706,6 @@
                   </a:rPr>
                   <a:t>0</a:t>
                 </a:r>
-                <a:endParaRPr lang="ru-RU" sz="900" dirty="0">
-                  <a:solidFill>
-                    <a:srgbClr val="FFD9B3"/>
-                  </a:solidFill>
-                </a:endParaRPr>
               </a:p>
             </p:txBody>
           </p:sp>
@@ -10957,11 +10774,6 @@
                   </a:rPr>
                   <a:t>0</a:t>
                 </a:r>
-                <a:endParaRPr lang="ru-RU" sz="900" dirty="0">
-                  <a:solidFill>
-                    <a:srgbClr val="FFD9B3"/>
-                  </a:solidFill>
-                </a:endParaRPr>
               </a:p>
             </p:txBody>
           </p:sp>
@@ -11030,11 +10842,6 @@
                   </a:rPr>
                   <a:t>0</a:t>
                 </a:r>
-                <a:endParaRPr lang="ru-RU" sz="900" dirty="0">
-                  <a:solidFill>
-                    <a:srgbClr val="FFD9B3"/>
-                  </a:solidFill>
-                </a:endParaRPr>
               </a:p>
             </p:txBody>
           </p:sp>
@@ -11103,11 +10910,6 @@
                   </a:rPr>
                   <a:t>1</a:t>
                 </a:r>
-                <a:endParaRPr lang="ru-RU" sz="900" dirty="0">
-                  <a:solidFill>
-                    <a:srgbClr val="FFD9B3"/>
-                  </a:solidFill>
-                </a:endParaRPr>
               </a:p>
             </p:txBody>
           </p:sp>
@@ -11176,11 +10978,6 @@
                   </a:rPr>
                   <a:t>0</a:t>
                 </a:r>
-                <a:endParaRPr lang="ru-RU" sz="900" dirty="0">
-                  <a:solidFill>
-                    <a:srgbClr val="FFD9B3"/>
-                  </a:solidFill>
-                </a:endParaRPr>
               </a:p>
             </p:txBody>
           </p:sp>
@@ -11249,11 +11046,6 @@
                   </a:rPr>
                   <a:t>0</a:t>
                 </a:r>
-                <a:endParaRPr lang="ru-RU" sz="900" dirty="0">
-                  <a:solidFill>
-                    <a:srgbClr val="FFD9B3"/>
-                  </a:solidFill>
-                </a:endParaRPr>
               </a:p>
             </p:txBody>
           </p:sp>
@@ -11322,11 +11114,6 @@
                   </a:rPr>
                   <a:t>0</a:t>
                 </a:r>
-                <a:endParaRPr lang="ru-RU" sz="900" dirty="0">
-                  <a:solidFill>
-                    <a:srgbClr val="FFD9B3"/>
-                  </a:solidFill>
-                </a:endParaRPr>
               </a:p>
             </p:txBody>
           </p:sp>
@@ -11395,11 +11182,6 @@
                   </a:rPr>
                   <a:t>0</a:t>
                 </a:r>
-                <a:endParaRPr lang="ru-RU" sz="900" dirty="0">
-                  <a:solidFill>
-                    <a:srgbClr val="FFD9B3"/>
-                  </a:solidFill>
-                </a:endParaRPr>
               </a:p>
             </p:txBody>
           </p:sp>
@@ -11468,11 +11250,6 @@
                   </a:rPr>
                   <a:t>0</a:t>
                 </a:r>
-                <a:endParaRPr lang="ru-RU" sz="900" dirty="0">
-                  <a:solidFill>
-                    <a:srgbClr val="FFD9B3"/>
-                  </a:solidFill>
-                </a:endParaRPr>
               </a:p>
             </p:txBody>
           </p:sp>
@@ -11541,11 +11318,6 @@
                   </a:rPr>
                   <a:t>0</a:t>
                 </a:r>
-                <a:endParaRPr lang="ru-RU" sz="900" dirty="0">
-                  <a:solidFill>
-                    <a:srgbClr val="FFD9B3"/>
-                  </a:solidFill>
-                </a:endParaRPr>
               </a:p>
             </p:txBody>
           </p:sp>
@@ -11614,11 +11386,6 @@
                   </a:rPr>
                   <a:t>1</a:t>
                 </a:r>
-                <a:endParaRPr lang="ru-RU" sz="900" dirty="0">
-                  <a:solidFill>
-                    <a:srgbClr val="FFD9B3"/>
-                  </a:solidFill>
-                </a:endParaRPr>
               </a:p>
             </p:txBody>
           </p:sp>
@@ -11687,11 +11454,6 @@
                   </a:rPr>
                   <a:t>1</a:t>
                 </a:r>
-                <a:endParaRPr lang="ru-RU" sz="900" dirty="0">
-                  <a:solidFill>
-                    <a:srgbClr val="FFD9B3"/>
-                  </a:solidFill>
-                </a:endParaRPr>
               </a:p>
             </p:txBody>
           </p:sp>
@@ -11760,11 +11522,6 @@
                   </a:rPr>
                   <a:t>0</a:t>
                 </a:r>
-                <a:endParaRPr lang="ru-RU" sz="900" dirty="0">
-                  <a:solidFill>
-                    <a:srgbClr val="FFD9B3"/>
-                  </a:solidFill>
-                </a:endParaRPr>
               </a:p>
             </p:txBody>
           </p:sp>
@@ -11833,11 +11590,6 @@
                   </a:rPr>
                   <a:t>0</a:t>
                 </a:r>
-                <a:endParaRPr lang="ru-RU" sz="900" dirty="0">
-                  <a:solidFill>
-                    <a:srgbClr val="FFD9B3"/>
-                  </a:solidFill>
-                </a:endParaRPr>
               </a:p>
             </p:txBody>
           </p:sp>
@@ -11906,11 +11658,6 @@
                   </a:rPr>
                   <a:t>0</a:t>
                 </a:r>
-                <a:endParaRPr lang="ru-RU" sz="900" dirty="0">
-                  <a:solidFill>
-                    <a:srgbClr val="FFD9B3"/>
-                  </a:solidFill>
-                </a:endParaRPr>
               </a:p>
             </p:txBody>
           </p:sp>
@@ -11979,11 +11726,6 @@
                   </a:rPr>
                   <a:t>0</a:t>
                 </a:r>
-                <a:endParaRPr lang="ru-RU" sz="900" dirty="0">
-                  <a:solidFill>
-                    <a:srgbClr val="FFD9B3"/>
-                  </a:solidFill>
-                </a:endParaRPr>
               </a:p>
             </p:txBody>
           </p:sp>
@@ -12052,11 +11794,6 @@
                   </a:rPr>
                   <a:t>0</a:t>
                 </a:r>
-                <a:endParaRPr lang="ru-RU" sz="900" dirty="0">
-                  <a:solidFill>
-                    <a:srgbClr val="FFD9B3"/>
-                  </a:solidFill>
-                </a:endParaRPr>
               </a:p>
             </p:txBody>
           </p:sp>
@@ -12125,11 +11862,6 @@
                   </a:rPr>
                   <a:t>0</a:t>
                 </a:r>
-                <a:endParaRPr lang="ru-RU" sz="900" dirty="0">
-                  <a:solidFill>
-                    <a:srgbClr val="FFD9B3"/>
-                  </a:solidFill>
-                </a:endParaRPr>
               </a:p>
             </p:txBody>
           </p:sp>
@@ -12198,11 +11930,6 @@
                   </a:rPr>
                   <a:t>1</a:t>
                 </a:r>
-                <a:endParaRPr lang="ru-RU" sz="900" dirty="0">
-                  <a:solidFill>
-                    <a:srgbClr val="FFD9B3"/>
-                  </a:solidFill>
-                </a:endParaRPr>
               </a:p>
             </p:txBody>
           </p:sp>
@@ -12271,11 +11998,6 @@
                   </a:rPr>
                   <a:t>1</a:t>
                 </a:r>
-                <a:endParaRPr lang="ru-RU" sz="900" dirty="0">
-                  <a:solidFill>
-                    <a:srgbClr val="FFD9B3"/>
-                  </a:solidFill>
-                </a:endParaRPr>
               </a:p>
             </p:txBody>
           </p:sp>
@@ -12344,11 +12066,6 @@
                   </a:rPr>
                   <a:t>0</a:t>
                 </a:r>
-                <a:endParaRPr lang="ru-RU" sz="900" dirty="0">
-                  <a:solidFill>
-                    <a:srgbClr val="FFD9B3"/>
-                  </a:solidFill>
-                </a:endParaRPr>
               </a:p>
             </p:txBody>
           </p:sp>
@@ -12417,11 +12134,6 @@
                   </a:rPr>
                   <a:t>0</a:t>
                 </a:r>
-                <a:endParaRPr lang="ru-RU" sz="900" dirty="0">
-                  <a:solidFill>
-                    <a:srgbClr val="FFD9B3"/>
-                  </a:solidFill>
-                </a:endParaRPr>
               </a:p>
             </p:txBody>
           </p:sp>
@@ -12490,11 +12202,6 @@
                   </a:rPr>
                   <a:t>0</a:t>
                 </a:r>
-                <a:endParaRPr lang="ru-RU" sz="900" dirty="0">
-                  <a:solidFill>
-                    <a:srgbClr val="FFD9B3"/>
-                  </a:solidFill>
-                </a:endParaRPr>
               </a:p>
             </p:txBody>
           </p:sp>
@@ -12563,11 +12270,6 @@
                   </a:rPr>
                   <a:t>1</a:t>
                 </a:r>
-                <a:endParaRPr lang="ru-RU" sz="900" dirty="0">
-                  <a:solidFill>
-                    <a:srgbClr val="FFD9B3"/>
-                  </a:solidFill>
-                </a:endParaRPr>
               </a:p>
             </p:txBody>
           </p:sp>
@@ -12636,11 +12338,6 @@
                   </a:rPr>
                   <a:t>0</a:t>
                 </a:r>
-                <a:endParaRPr lang="ru-RU" sz="900" dirty="0">
-                  <a:solidFill>
-                    <a:srgbClr val="FFD9B3"/>
-                  </a:solidFill>
-                </a:endParaRPr>
               </a:p>
             </p:txBody>
           </p:sp>
@@ -12709,11 +12406,6 @@
                   </a:rPr>
                   <a:t>1</a:t>
                 </a:r>
-                <a:endParaRPr lang="ru-RU" sz="900" dirty="0">
-                  <a:solidFill>
-                    <a:srgbClr val="FFD9B3"/>
-                  </a:solidFill>
-                </a:endParaRPr>
               </a:p>
             </p:txBody>
           </p:sp>
@@ -12782,11 +12474,6 @@
                   </a:rPr>
                   <a:t>0</a:t>
                 </a:r>
-                <a:endParaRPr lang="ru-RU" sz="900" dirty="0">
-                  <a:solidFill>
-                    <a:srgbClr val="FFD9B3"/>
-                  </a:solidFill>
-                </a:endParaRPr>
               </a:p>
             </p:txBody>
           </p:sp>
@@ -12855,11 +12542,6 @@
                   </a:rPr>
                   <a:t>0</a:t>
                 </a:r>
-                <a:endParaRPr lang="ru-RU" sz="900" dirty="0">
-                  <a:solidFill>
-                    <a:srgbClr val="FFD9B3"/>
-                  </a:solidFill>
-                </a:endParaRPr>
               </a:p>
             </p:txBody>
           </p:sp>
@@ -12928,11 +12610,6 @@
                   </a:rPr>
                   <a:t>0</a:t>
                 </a:r>
-                <a:endParaRPr lang="ru-RU" sz="900" dirty="0">
-                  <a:solidFill>
-                    <a:srgbClr val="FFD9B3"/>
-                  </a:solidFill>
-                </a:endParaRPr>
               </a:p>
             </p:txBody>
           </p:sp>
@@ -13001,11 +12678,6 @@
                   </a:rPr>
                   <a:t>1</a:t>
                 </a:r>
-                <a:endParaRPr lang="ru-RU" sz="900" dirty="0">
-                  <a:solidFill>
-                    <a:srgbClr val="FFD9B3"/>
-                  </a:solidFill>
-                </a:endParaRPr>
               </a:p>
             </p:txBody>
           </p:sp>
@@ -13228,7 +12900,6 @@
               <a:rPr lang="ru-RU" sz="1400" dirty="0"/>
               <a:t>текущая глубина рекурсии.</a:t>
             </a:r>
-            <a:endParaRPr lang="ru-RU" sz="1400" dirty="0"/>
           </a:p>
         </p:txBody>
       </p:sp>
@@ -13266,7 +12937,6 @@
               <a:rPr lang="ru-RU" sz="1400" dirty="0"/>
               <a:t> оценка лучшего хода.</a:t>
             </a:r>
-            <a:endParaRPr lang="ru-RU" sz="1400" dirty="0"/>
           </a:p>
         </p:txBody>
       </p:sp>
@@ -13395,13 +13065,6 @@
                 </a:rPr>
                 <a:t>да</a:t>
               </a:r>
-              <a:endParaRPr lang="ru-RU" sz="1600" dirty="0">
-                <a:solidFill>
-                  <a:schemeClr val="accent1">
-                    <a:lumMod val="75000"/>
-                  </a:schemeClr>
-                </a:solidFill>
-              </a:endParaRPr>
             </a:p>
           </p:txBody>
         </p:sp>
@@ -13472,13 +13135,6 @@
                 </a:rPr>
                 <a:t>нет</a:t>
               </a:r>
-              <a:endParaRPr lang="ru-RU" sz="1600" dirty="0">
-                <a:solidFill>
-                  <a:schemeClr val="accent1">
-                    <a:lumMod val="75000"/>
-                  </a:schemeClr>
-                </a:solidFill>
-              </a:endParaRPr>
             </a:p>
           </p:txBody>
         </p:sp>
@@ -13522,7 +13178,6 @@
                 <a:rPr lang="ru-RU" sz="1400" dirty="0"/>
                 <a:t>Вызови оценочную функцию</a:t>
               </a:r>
-              <a:endParaRPr lang="ru-RU" sz="1400" dirty="0"/>
             </a:p>
           </p:txBody>
         </p:sp>
@@ -13691,7 +13346,6 @@
                 <a:rPr lang="ru-RU" sz="1400" dirty="0"/>
                 <a:t>Есть еще ходы?</a:t>
               </a:r>
-              <a:endParaRPr lang="ru-RU" sz="1400" dirty="0"/>
             </a:p>
           </p:txBody>
         </p:sp>
@@ -13727,13 +13381,6 @@
                 </a:rPr>
                 <a:t>нет</a:t>
               </a:r>
-              <a:endParaRPr lang="ru-RU" sz="1600" dirty="0">
-                <a:solidFill>
-                  <a:schemeClr val="accent1">
-                    <a:lumMod val="75000"/>
-                  </a:schemeClr>
-                </a:solidFill>
-              </a:endParaRPr>
             </a:p>
           </p:txBody>
         </p:sp>
@@ -13769,13 +13416,6 @@
                 </a:rPr>
                 <a:t>да</a:t>
               </a:r>
-              <a:endParaRPr lang="ru-RU" sz="1600" dirty="0">
-                <a:solidFill>
-                  <a:schemeClr val="accent1">
-                    <a:lumMod val="75000"/>
-                  </a:schemeClr>
-                </a:solidFill>
-              </a:endParaRPr>
             </a:p>
           </p:txBody>
         </p:sp>
@@ -13819,7 +13459,6 @@
                 <a:rPr lang="ru-RU" sz="1400" dirty="0"/>
                 <a:t>Сгенерируй все ходы</a:t>
               </a:r>
-              <a:endParaRPr lang="ru-RU" sz="1400" dirty="0"/>
             </a:p>
           </p:txBody>
         </p:sp>
@@ -13863,7 +13502,6 @@
                 <a:rPr lang="ru-RU" sz="1400" dirty="0"/>
                 <a:t>Сделай ход</a:t>
               </a:r>
-              <a:endParaRPr lang="ru-RU" sz="1400" dirty="0"/>
             </a:p>
           </p:txBody>
         </p:sp>
@@ -13955,7 +13593,6 @@
                 <a:rPr lang="ru-RU" sz="1400" dirty="0"/>
                 <a:t>Отмени ход</a:t>
               </a:r>
-              <a:endParaRPr lang="ru-RU" sz="1400" dirty="0"/>
             </a:p>
           </p:txBody>
         </p:sp>
@@ -14111,13 +13748,6 @@
                 </a:rPr>
                 <a:t>нет</a:t>
               </a:r>
-              <a:endParaRPr lang="ru-RU" sz="1600" dirty="0">
-                <a:solidFill>
-                  <a:schemeClr val="accent1">
-                    <a:lumMod val="75000"/>
-                  </a:schemeClr>
-                </a:solidFill>
-              </a:endParaRPr>
             </a:p>
           </p:txBody>
         </p:sp>
@@ -14200,13 +13830,6 @@
                   </a:rPr>
                   <a:t>да</a:t>
                 </a:r>
-                <a:endParaRPr lang="ru-RU" sz="1600" dirty="0">
-                  <a:solidFill>
-                    <a:schemeClr val="accent1">
-                      <a:lumMod val="75000"/>
-                    </a:schemeClr>
-                  </a:solidFill>
-                </a:endParaRPr>
               </a:p>
             </p:txBody>
           </p:sp>
@@ -14407,7 +14030,6 @@
                 <a:rPr lang="ru-RU" sz="1400" dirty="0"/>
                 <a:t>Конец</a:t>
               </a:r>
-              <a:endParaRPr lang="ru-RU" sz="1400" dirty="0"/>
             </a:p>
           </p:txBody>
         </p:sp>
@@ -15424,7 +15046,6 @@
               <a:rPr lang="ru-RU" i="1" dirty="0"/>
               <a:t>Далее просчитывать нет смысла, т.к. результаты все равно не будут записаны</a:t>
             </a:r>
-            <a:endParaRPr lang="ru-RU" i="1" dirty="0"/>
           </a:p>
         </p:txBody>
       </p:sp>
@@ -15501,7 +15122,6 @@
               <a:rPr lang="ru-RU" i="1" dirty="0"/>
               <a:t> – максимум для 1 игрока </a:t>
             </a:r>
-            <a:endParaRPr lang="ru-RU" i="1" dirty="0"/>
           </a:p>
         </p:txBody>
       </p:sp>
@@ -15578,7 +15198,6 @@
               <a:rPr lang="ru-RU" i="1" dirty="0"/>
               <a:t> – максимум для 2 игрока </a:t>
             </a:r>
-            <a:endParaRPr lang="ru-RU" i="1" dirty="0"/>
           </a:p>
         </p:txBody>
       </p:sp>
@@ -15608,7 +15227,6 @@
               <a:rPr lang="ru-RU" dirty="0"/>
               <a:t>Исследование показало, что перебор с отсечениями работает в среднем в … раз быстрее. </a:t>
             </a:r>
-            <a:endParaRPr lang="ru-RU" dirty="0"/>
           </a:p>
         </p:txBody>
       </p:sp>
@@ -15638,7 +15256,6 @@
               <a:rPr lang="ru-RU" dirty="0"/>
               <a:t>Результат остается таким же, как и в алгоритме полного перебора.</a:t>
             </a:r>
-            <a:endParaRPr lang="ru-RU" dirty="0"/>
           </a:p>
         </p:txBody>
       </p:sp>
@@ -15771,7 +15388,6 @@
               <a:rPr lang="ru-RU" dirty="0"/>
               <a:t>В некоторых ситуациях, например, в случае размена, прекращение вычислений по достижении максимальной глубины рекурсии может привести к крайне неверной оценке позиции.</a:t>
             </a:r>
-            <a:endParaRPr lang="ru-RU" dirty="0"/>
           </a:p>
         </p:txBody>
       </p:sp>
@@ -15801,7 +15417,6 @@
               <a:rPr lang="ru-RU" i="1" u="sng" dirty="0"/>
               <a:t>Пример:</a:t>
             </a:r>
-            <a:endParaRPr lang="ru-RU" i="1" u="sng" dirty="0"/>
           </a:p>
         </p:txBody>
       </p:sp>
@@ -15839,7 +15454,6 @@
               <a:rPr lang="ru-RU" sz="1600" dirty="0"/>
               <a:t>, поскольку он приводит к полному уничтожению противника. Однако бот не увидит преимуществ такого хода. </a:t>
             </a:r>
-            <a:endParaRPr lang="ru-RU" sz="1600" dirty="0"/>
           </a:p>
         </p:txBody>
       </p:sp>
@@ -19882,7 +19496,6 @@
               <a:rPr lang="ru-RU" dirty="0"/>
               <a:t>Чтобы избежать подобных ситуаций, отдельные ветки стоит просчитывать на большую глубину. В шашках форсированными вариантами являются взятия.</a:t>
             </a:r>
-            <a:endParaRPr lang="ru-RU" dirty="0"/>
           </a:p>
         </p:txBody>
       </p:sp>
@@ -20598,7 +20211,6 @@
               <a:rPr lang="ru-RU" dirty="0"/>
               <a:t>)</a:t>
             </a:r>
-            <a:endParaRPr lang="ru-RU" dirty="0"/>
           </a:p>
         </p:txBody>
       </p:sp>
@@ -21350,7 +20962,6 @@
               <a:rPr lang="ru-RU" dirty="0"/>
               <a:t>отсечение</a:t>
             </a:r>
-            <a:endParaRPr lang="ru-RU" dirty="0"/>
           </a:p>
         </p:txBody>
       </p:sp>
@@ -21518,13 +21129,6 @@
                 </a:rPr>
                 <a:t>да</a:t>
               </a:r>
-              <a:endParaRPr lang="ru-RU" sz="1400" dirty="0">
-                <a:solidFill>
-                  <a:schemeClr val="accent1">
-                    <a:lumMod val="75000"/>
-                  </a:schemeClr>
-                </a:solidFill>
-              </a:endParaRPr>
             </a:p>
           </p:txBody>
         </p:sp>
@@ -21596,13 +21200,6 @@
                 </a:rPr>
                 <a:t>нет</a:t>
               </a:r>
-              <a:endParaRPr lang="ru-RU" sz="1400" dirty="0">
-                <a:solidFill>
-                  <a:schemeClr val="accent1">
-                    <a:lumMod val="75000"/>
-                  </a:schemeClr>
-                </a:solidFill>
-              </a:endParaRPr>
             </a:p>
           </p:txBody>
         </p:sp>
@@ -21646,7 +21243,6 @@
                 <a:rPr lang="ru-RU" sz="1400" dirty="0"/>
                 <a:t>Вызови оценочную функцию</a:t>
               </a:r>
-              <a:endParaRPr lang="ru-RU" sz="1400" dirty="0"/>
             </a:p>
           </p:txBody>
         </p:sp>
@@ -21774,7 +21370,6 @@
                 <a:rPr lang="ru-RU" sz="1400" dirty="0"/>
                 <a:t>Есть еще ходы?</a:t>
               </a:r>
-              <a:endParaRPr lang="ru-RU" sz="1400" dirty="0"/>
             </a:p>
           </p:txBody>
         </p:sp>
@@ -21810,13 +21405,6 @@
                 </a:rPr>
                 <a:t>нет</a:t>
               </a:r>
-              <a:endParaRPr lang="ru-RU" sz="1400" dirty="0">
-                <a:solidFill>
-                  <a:schemeClr val="accent1">
-                    <a:lumMod val="75000"/>
-                  </a:schemeClr>
-                </a:solidFill>
-              </a:endParaRPr>
             </a:p>
           </p:txBody>
         </p:sp>
@@ -21852,13 +21440,6 @@
                 </a:rPr>
                 <a:t>да</a:t>
               </a:r>
-              <a:endParaRPr lang="ru-RU" sz="1400" dirty="0">
-                <a:solidFill>
-                  <a:schemeClr val="accent1">
-                    <a:lumMod val="75000"/>
-                  </a:schemeClr>
-                </a:solidFill>
-              </a:endParaRPr>
             </a:p>
           </p:txBody>
         </p:sp>
@@ -21902,7 +21483,6 @@
                 <a:rPr lang="ru-RU" sz="1400" dirty="0"/>
                 <a:t>Сгенерируй все ходы</a:t>
               </a:r>
-              <a:endParaRPr lang="ru-RU" sz="1400" dirty="0"/>
             </a:p>
           </p:txBody>
         </p:sp>
@@ -21946,7 +21526,6 @@
                 <a:rPr lang="ru-RU" sz="1400" dirty="0"/>
                 <a:t>Сделай ход</a:t>
               </a:r>
-              <a:endParaRPr lang="ru-RU" sz="1400" dirty="0"/>
             </a:p>
           </p:txBody>
         </p:sp>
@@ -22046,7 +21625,6 @@
                 <a:rPr lang="ru-RU" sz="1400" dirty="0"/>
                 <a:t>Отмени ход</a:t>
               </a:r>
-              <a:endParaRPr lang="ru-RU" sz="1400" dirty="0"/>
             </a:p>
           </p:txBody>
         </p:sp>
@@ -22205,13 +21783,6 @@
                 </a:rPr>
                 <a:t>нет</a:t>
               </a:r>
-              <a:endParaRPr lang="ru-RU" sz="1400" dirty="0">
-                <a:solidFill>
-                  <a:schemeClr val="accent1">
-                    <a:lumMod val="75000"/>
-                  </a:schemeClr>
-                </a:solidFill>
-              </a:endParaRPr>
             </a:p>
           </p:txBody>
         </p:sp>
@@ -22282,13 +21853,6 @@
                 </a:rPr>
                 <a:t>да</a:t>
               </a:r>
-              <a:endParaRPr lang="ru-RU" sz="1400" dirty="0">
-                <a:solidFill>
-                  <a:schemeClr val="accent1">
-                    <a:lumMod val="75000"/>
-                  </a:schemeClr>
-                </a:solidFill>
-              </a:endParaRPr>
             </a:p>
           </p:txBody>
         </p:sp>
@@ -22428,7 +21992,6 @@
                 <a:rPr lang="ru-RU" sz="1400" dirty="0"/>
                 <a:t>Конец</a:t>
               </a:r>
-              <a:endParaRPr lang="ru-RU" sz="1400" dirty="0"/>
             </a:p>
           </p:txBody>
         </p:sp>
@@ -22710,13 +22273,6 @@
                 </a:rPr>
                 <a:t>нет</a:t>
               </a:r>
-              <a:endParaRPr lang="ru-RU" sz="1400" dirty="0">
-                <a:solidFill>
-                  <a:schemeClr val="accent1">
-                    <a:lumMod val="75000"/>
-                  </a:schemeClr>
-                </a:solidFill>
-              </a:endParaRPr>
             </a:p>
           </p:txBody>
         </p:sp>
@@ -22824,11 +22380,7 @@
               </a:r>
               <a:r>
                 <a:rPr lang="en-US" sz="1400" dirty="0"/>
-                <a:t>a</a:t>
-              </a:r>
-              <a:r>
-                <a:rPr lang="en-US" sz="1400" dirty="0"/>
-                <a:t>lpha</a:t>
+                <a:t>alpha</a:t>
               </a:r>
               <a:endParaRPr lang="ru-RU" sz="1400" dirty="0"/>
             </a:p>
@@ -22901,13 +22453,6 @@
                 </a:rPr>
                 <a:t>да</a:t>
               </a:r>
-              <a:endParaRPr lang="ru-RU" sz="1400" dirty="0">
-                <a:solidFill>
-                  <a:schemeClr val="accent1">
-                    <a:lumMod val="75000"/>
-                  </a:schemeClr>
-                </a:solidFill>
-              </a:endParaRPr>
             </a:p>
           </p:txBody>
         </p:sp>
@@ -29375,7 +28920,6 @@
               <a:rPr lang="ru-RU" sz="2400" dirty="0"/>
               <a:t>Простейшая оценочная функция просто суммирует вес всех белых шашек и вычитает из полученного результата сумму всех черных шашек.</a:t>
             </a:r>
-            <a:endParaRPr lang="ru-RU" sz="2400" dirty="0"/>
           </a:p>
         </p:txBody>
       </p:sp>
@@ -33673,7 +33217,7 @@
         </p:nvSpPr>
         <p:spPr>
           <a:xfrm>
-            <a:off x="6216910" y="3378735"/>
+            <a:off x="6210065" y="3469271"/>
             <a:ext cx="450764" cy="408627"/>
           </a:xfrm>
           <a:prstGeom prst="rect">
@@ -33697,13 +33241,6 @@
               </a:rPr>
               <a:t>да</a:t>
             </a:r>
-            <a:endParaRPr lang="ru-RU" sz="2000" dirty="0">
-              <a:solidFill>
-                <a:schemeClr val="accent1">
-                  <a:lumMod val="75000"/>
-                </a:schemeClr>
-              </a:solidFill>
-            </a:endParaRPr>
           </a:p>
         </p:txBody>
       </p:sp>
@@ -33939,13 +33476,6 @@
                 </a:rPr>
                 <a:t>нет</a:t>
               </a:r>
-              <a:endParaRPr lang="ru-RU" sz="1900" dirty="0">
-                <a:solidFill>
-                  <a:schemeClr val="accent1">
-                    <a:lumMod val="75000"/>
-                  </a:schemeClr>
-                </a:solidFill>
-              </a:endParaRPr>
             </a:p>
           </p:txBody>
         </p:sp>
@@ -33995,13 +33525,6 @@
                   </a:rPr>
                   <a:t>да</a:t>
                 </a:r>
-                <a:endParaRPr lang="ru-RU" sz="1900" dirty="0">
-                  <a:solidFill>
-                    <a:schemeClr val="accent1">
-                      <a:lumMod val="75000"/>
-                    </a:schemeClr>
-                  </a:solidFill>
-                </a:endParaRPr>
               </a:p>
             </p:txBody>
           </p:sp>
@@ -34087,13 +33610,6 @@
                     </a:rPr>
                     <a:t>нет</a:t>
                   </a:r>
-                  <a:endParaRPr lang="ru-RU" sz="1900" dirty="0">
-                    <a:solidFill>
-                      <a:schemeClr val="accent1">
-                        <a:lumMod val="75000"/>
-                      </a:schemeClr>
-                    </a:solidFill>
-                  </a:endParaRPr>
                 </a:p>
               </p:txBody>
             </p:sp>
@@ -34129,13 +33645,6 @@
                     </a:rPr>
                     <a:t>да</a:t>
                   </a:r>
-                  <a:endParaRPr lang="ru-RU" sz="1900" dirty="0">
-                    <a:solidFill>
-                      <a:schemeClr val="accent1">
-                        <a:lumMod val="75000"/>
-                      </a:schemeClr>
-                    </a:solidFill>
-                  </a:endParaRPr>
                 </a:p>
               </p:txBody>
             </p:sp>
@@ -34171,13 +33680,6 @@
                     </a:rPr>
                     <a:t>нет</a:t>
                   </a:r>
-                  <a:endParaRPr lang="ru-RU" sz="1900" dirty="0">
-                    <a:solidFill>
-                      <a:schemeClr val="accent1">
-                        <a:lumMod val="75000"/>
-                      </a:schemeClr>
-                    </a:solidFill>
-                  </a:endParaRPr>
                 </a:p>
               </p:txBody>
             </p:sp>
@@ -34279,7 +33781,6 @@
                       <a:rPr lang="ru-RU" sz="1900" dirty="0"/>
                       <a:t>Вызови оценочную функцию</a:t>
                     </a:r>
-                    <a:endParaRPr lang="ru-RU" sz="1900" dirty="0"/>
                   </a:p>
                 </p:txBody>
               </p:sp>
@@ -34423,7 +33924,6 @@
                       <a:rPr lang="ru-RU" sz="1900" dirty="0"/>
                       <a:t>Конец</a:t>
                     </a:r>
-                    <a:endParaRPr lang="ru-RU" sz="1900" dirty="0"/>
                   </a:p>
                 </p:txBody>
               </p:sp>
@@ -34525,7 +34025,6 @@
                         <a:rPr lang="ru-RU" sz="1900" dirty="0"/>
                         <a:t>Сгенерируй все ходы</a:t>
                       </a:r>
-                      <a:endParaRPr lang="ru-RU" sz="1900" dirty="0"/>
                     </a:p>
                   </p:txBody>
                 </p:sp>
@@ -34628,7 +34127,6 @@
                         <a:rPr lang="ru-RU" sz="1900" dirty="0"/>
                         <a:t>Сделай ход</a:t>
                       </a:r>
-                      <a:endParaRPr lang="ru-RU" sz="1900" dirty="0"/>
                     </a:p>
                   </p:txBody>
                 </p:sp>
@@ -34672,7 +34170,6 @@
                         <a:rPr lang="ru-RU" sz="1900" dirty="0"/>
                         <a:t>Отмени ход</a:t>
                       </a:r>
-                      <a:endParaRPr lang="ru-RU" sz="1900" dirty="0"/>
                     </a:p>
                   </p:txBody>
                 </p:sp>
@@ -40796,7 +40293,6 @@
               <a:rPr lang="ru-RU" i="1" u="sng" dirty="0"/>
               <a:t>Пример:</a:t>
             </a:r>
-            <a:endParaRPr lang="ru-RU" i="1" u="sng" dirty="0"/>
           </a:p>
         </p:txBody>
       </p:sp>
@@ -44839,7 +44335,6 @@
               <a:rPr lang="ru-RU" dirty="0"/>
               <a:t>Простейшая оценочная функция просто суммирует вес всех белых шашек и вычитает из полученного результата сумму всех черных шашек. Если установить вес шашки равный, например, 50, а вес дамки равный 350, то для белого игрока при расстановке шашек как на позиции слева такая оценочная функция вернет число 250.</a:t>
             </a:r>
-            <a:endParaRPr lang="ru-RU" dirty="0"/>
           </a:p>
         </p:txBody>
       </p:sp>

--- a/ProjectNewDesign.pptx
+++ b/ProjectNewDesign.pptx
@@ -5,7 +5,7 @@
     <p:sldMasterId id="2147483672" r:id="rId1"/>
   </p:sldMasterIdLst>
   <p:notesMasterIdLst>
-    <p:notesMasterId r:id="rId19"/>
+    <p:notesMasterId r:id="rId18"/>
   </p:notesMasterIdLst>
   <p:sldIdLst>
     <p:sldId id="263" r:id="rId2"/>
@@ -13,18 +13,17 @@
     <p:sldId id="264" r:id="rId4"/>
     <p:sldId id="281" r:id="rId5"/>
     <p:sldId id="282" r:id="rId6"/>
-    <p:sldId id="284" r:id="rId7"/>
-    <p:sldId id="285" r:id="rId8"/>
-    <p:sldId id="286" r:id="rId9"/>
-    <p:sldId id="287" r:id="rId10"/>
-    <p:sldId id="288" r:id="rId11"/>
-    <p:sldId id="289" r:id="rId12"/>
-    <p:sldId id="290" r:id="rId13"/>
-    <p:sldId id="291" r:id="rId14"/>
-    <p:sldId id="292" r:id="rId15"/>
-    <p:sldId id="293" r:id="rId16"/>
-    <p:sldId id="294" r:id="rId17"/>
-    <p:sldId id="278" r:id="rId18"/>
+    <p:sldId id="285" r:id="rId7"/>
+    <p:sldId id="286" r:id="rId8"/>
+    <p:sldId id="287" r:id="rId9"/>
+    <p:sldId id="289" r:id="rId10"/>
+    <p:sldId id="290" r:id="rId11"/>
+    <p:sldId id="291" r:id="rId12"/>
+    <p:sldId id="292" r:id="rId13"/>
+    <p:sldId id="293" r:id="rId14"/>
+    <p:sldId id="294" r:id="rId15"/>
+    <p:sldId id="284" r:id="rId16"/>
+    <p:sldId id="278" r:id="rId17"/>
   </p:sldIdLst>
   <p:sldSz cx="12192000" cy="6858000"/>
   <p:notesSz cx="6858000" cy="9144000"/>
@@ -1007,7 +1006,7 @@
           <a:p>
             <a:fld id="{97D81060-8C41-4E01-9F71-78E8A2AC4189}" type="slidenum">
               <a:rPr lang="ru-RU" smtClean="0"/>
-              <a:t>6</a:t>
+              <a:t>15</a:t>
             </a:fld>
             <a:endParaRPr lang="ru-RU"/>
           </a:p>
@@ -4175,7 +4174,7 @@
           <a:bodyPr/>
           <a:lstStyle/>
           <a:p>
-            <a:fld id="{AFFE4005-E508-43E6-AF38-95EF22B60425}" type="datetime1">
+            <a:fld id="{D9792337-99BE-4281-B388-6F1154F9F1CE}" type="datetime1">
               <a:rPr lang="ru-RU" smtClean="0"/>
               <a:t>18.05.2017</a:t>
             </a:fld>
@@ -4254,7 +4253,7 @@
                   <a:schemeClr val="accent1"/>
                 </a:solidFill>
               </a:rPr>
-              <a:t>Вычислительное ядро</a:t>
+              <a:t>Демонстрация</a:t>
             </a:r>
             <a:endParaRPr lang="ru-RU" b="1" dirty="0">
               <a:solidFill>
@@ -4267,7 +4266,7 @@
     </p:spTree>
     <p:extLst>
       <p:ext uri="{BB962C8B-B14F-4D97-AF65-F5344CB8AC3E}">
-        <p14:creationId xmlns:p14="http://schemas.microsoft.com/office/powerpoint/2010/main" val="1529977034"/>
+        <p14:creationId xmlns:p14="http://schemas.microsoft.com/office/powerpoint/2010/main" val="3363561672"/>
       </p:ext>
     </p:extLst>
   </p:cSld>
@@ -4303,7 +4302,7 @@
       </p:grpSpPr>
       <p:sp>
         <p:nvSpPr>
-          <p:cNvPr id="16" name="Дата 15"/>
+          <p:cNvPr id="2" name="Дата 1"/>
           <p:cNvSpPr>
             <a:spLocks noGrp="1"/>
           </p:cNvSpPr>
@@ -4316,7 +4315,7 @@
           <a:bodyPr/>
           <a:lstStyle/>
           <a:p>
-            <a:fld id="{F89A6227-B18F-46FB-9E98-DC6F79D027C6}" type="datetime1">
+            <a:fld id="{1A8722FA-3154-47FD-B63A-A9C57C600D81}" type="datetime1">
               <a:rPr lang="ru-RU" smtClean="0"/>
               <a:t>18.05.2017</a:t>
             </a:fld>
@@ -4326,7 +4325,7 @@
       </p:sp>
       <p:sp>
         <p:nvSpPr>
-          <p:cNvPr id="18" name="Номер слайда 17"/>
+          <p:cNvPr id="3" name="Номер слайда 2"/>
           <p:cNvSpPr>
             <a:spLocks noGrp="1"/>
           </p:cNvSpPr>
@@ -4350,650 +4349,7 @@
       </p:sp>
       <p:sp>
         <p:nvSpPr>
-          <p:cNvPr id="3" name="Прямоугольник 2"/>
-          <p:cNvSpPr/>
-          <p:nvPr/>
-        </p:nvSpPr>
-        <p:spPr>
-          <a:xfrm>
-            <a:off x="551385" y="1572496"/>
-            <a:ext cx="9206559" cy="461665"/>
-          </a:xfrm>
-          <a:prstGeom prst="rect">
-            <a:avLst/>
-          </a:prstGeom>
-        </p:spPr>
-        <p:txBody>
-          <a:bodyPr wrap="none">
-            <a:spAutoFit/>
-          </a:bodyPr>
-          <a:lstStyle/>
-          <a:p>
-            <a:r>
-              <a:rPr lang="ru-RU" sz="2400" dirty="0"/>
-              <a:t>Графическая часть выполнена по схеме </a:t>
-            </a:r>
-            <a:r>
-              <a:rPr lang="en-US" sz="2400" dirty="0"/>
-              <a:t>MVC</a:t>
-            </a:r>
-            <a:r>
-              <a:rPr lang="ru-RU" sz="2400" dirty="0"/>
-              <a:t> (</a:t>
-            </a:r>
-            <a:r>
-              <a:rPr lang="en-US" sz="2400" dirty="0"/>
-              <a:t>Model</a:t>
-            </a:r>
-            <a:r>
-              <a:rPr lang="ru-RU" sz="2400" dirty="0"/>
-              <a:t>, </a:t>
-            </a:r>
-            <a:r>
-              <a:rPr lang="en-US" sz="2400" dirty="0"/>
-              <a:t>View</a:t>
-            </a:r>
-            <a:r>
-              <a:rPr lang="ru-RU" sz="2400" dirty="0"/>
-              <a:t>, </a:t>
-            </a:r>
-            <a:r>
-              <a:rPr lang="en-US" sz="2400" dirty="0"/>
-              <a:t>Controller</a:t>
-            </a:r>
-            <a:r>
-              <a:rPr lang="ru-RU" sz="2400" dirty="0"/>
-              <a:t>)</a:t>
-            </a:r>
-          </a:p>
-        </p:txBody>
-      </p:sp>
-      <p:sp>
-        <p:nvSpPr>
-          <p:cNvPr id="2062" name="Rectangle 14"/>
-          <p:cNvSpPr>
-            <a:spLocks noChangeArrowheads="1"/>
-          </p:cNvSpPr>
-          <p:nvPr/>
-        </p:nvSpPr>
-        <p:spPr bwMode="auto">
-          <a:xfrm>
-            <a:off x="1524001" y="-184666"/>
-            <a:ext cx="184731" cy="369332"/>
-          </a:xfrm>
-          <a:prstGeom prst="rect">
-            <a:avLst/>
-          </a:prstGeom>
-          <a:noFill/>
-          <a:ln w="9525">
-            <a:noFill/>
-            <a:miter lim="800000"/>
-            <a:headEnd/>
-            <a:tailEnd/>
-          </a:ln>
-          <a:effectLst/>
-        </p:spPr>
-        <p:txBody>
-          <a:bodyPr vert="horz" wrap="none" lIns="91440" tIns="45720" rIns="91440" bIns="45720" numCol="1" anchor="ctr" anchorCtr="0" compatLnSpc="1">
-            <a:prstTxWarp prst="textNoShape">
-              <a:avLst/>
-            </a:prstTxWarp>
-            <a:spAutoFit/>
-          </a:bodyPr>
-          <a:lstStyle/>
-          <a:p>
-            <a:endParaRPr lang="ru-RU"/>
-          </a:p>
-        </p:txBody>
-      </p:sp>
-      <p:grpSp>
-        <p:nvGrpSpPr>
-          <p:cNvPr id="2049" name="Группа 63"/>
-          <p:cNvGrpSpPr>
-            <a:grpSpLocks/>
-          </p:cNvGrpSpPr>
-          <p:nvPr/>
-        </p:nvGrpSpPr>
-        <p:grpSpPr bwMode="auto">
-          <a:xfrm>
-            <a:off x="2309786" y="3071810"/>
-            <a:ext cx="7024804" cy="2455870"/>
-            <a:chOff x="0" y="0"/>
-            <a:chExt cx="41639" cy="14552"/>
-          </a:xfrm>
-        </p:grpSpPr>
-        <p:sp>
-          <p:nvSpPr>
-            <p:cNvPr id="4" name="Блок-схема: процесс 2"/>
-            <p:cNvSpPr>
-              <a:spLocks noChangeArrowheads="1"/>
-            </p:cNvSpPr>
-            <p:nvPr/>
-          </p:nvSpPr>
-          <p:spPr bwMode="auto">
-            <a:xfrm>
-              <a:off x="30117" y="9401"/>
-              <a:ext cx="11522" cy="5151"/>
-            </a:xfrm>
-            <a:prstGeom prst="flowChartProcess">
-              <a:avLst/>
-            </a:prstGeom>
-            <a:solidFill>
-              <a:srgbClr val="4F81BD"/>
-            </a:solidFill>
-            <a:ln w="25400">
-              <a:solidFill>
-                <a:srgbClr val="243F60"/>
-              </a:solidFill>
-              <a:miter lim="800000"/>
-              <a:headEnd/>
-              <a:tailEnd/>
-            </a:ln>
-          </p:spPr>
-          <p:txBody>
-            <a:bodyPr vert="horz" wrap="square" lIns="91440" tIns="45720" rIns="91440" bIns="45720" numCol="1" anchor="ctr" anchorCtr="0" compatLnSpc="1">
-              <a:prstTxWarp prst="textNoShape">
-                <a:avLst/>
-              </a:prstTxWarp>
-            </a:bodyPr>
-            <a:lstStyle/>
-            <a:p>
-              <a:pPr algn="ctr" fontAlgn="base">
-                <a:spcBef>
-                  <a:spcPct val="0"/>
-                </a:spcBef>
-                <a:spcAft>
-                  <a:spcPct val="0"/>
-                </a:spcAft>
-              </a:pPr>
-              <a:r>
-                <a:rPr lang="en-US" sz="2000" dirty="0">
-                  <a:solidFill>
-                    <a:srgbClr val="FFFFFF"/>
-                  </a:solidFill>
-                  <a:latin typeface="Calibri" pitchFamily="34" charset="0"/>
-                  <a:ea typeface="Times New Roman" pitchFamily="18" charset="0"/>
-                  <a:cs typeface="Times New Roman" pitchFamily="18" charset="0"/>
-                </a:rPr>
-                <a:t>View</a:t>
-              </a:r>
-              <a:endParaRPr lang="en-US" sz="2000" dirty="0">
-                <a:latin typeface="Arial" pitchFamily="34" charset="0"/>
-                <a:cs typeface="Arial" pitchFamily="34" charset="0"/>
-              </a:endParaRPr>
-            </a:p>
-          </p:txBody>
-        </p:sp>
-        <p:sp>
-          <p:nvSpPr>
-            <p:cNvPr id="5" name="Блок-схема: процесс 3"/>
-            <p:cNvSpPr>
-              <a:spLocks noChangeArrowheads="1"/>
-            </p:cNvSpPr>
-            <p:nvPr/>
-          </p:nvSpPr>
-          <p:spPr bwMode="auto">
-            <a:xfrm>
-              <a:off x="15244" y="0"/>
-              <a:ext cx="11521" cy="5150"/>
-            </a:xfrm>
-            <a:prstGeom prst="flowChartProcess">
-              <a:avLst/>
-            </a:prstGeom>
-            <a:solidFill>
-              <a:srgbClr val="4F81BD"/>
-            </a:solidFill>
-            <a:ln w="25400">
-              <a:solidFill>
-                <a:srgbClr val="243F60"/>
-              </a:solidFill>
-              <a:miter lim="800000"/>
-              <a:headEnd/>
-              <a:tailEnd/>
-            </a:ln>
-          </p:spPr>
-          <p:txBody>
-            <a:bodyPr vert="horz" wrap="square" lIns="91440" tIns="45720" rIns="91440" bIns="45720" numCol="1" anchor="ctr" anchorCtr="0" compatLnSpc="1">
-              <a:prstTxWarp prst="textNoShape">
-                <a:avLst/>
-              </a:prstTxWarp>
-            </a:bodyPr>
-            <a:lstStyle/>
-            <a:p>
-              <a:pPr algn="ctr" fontAlgn="base">
-                <a:spcBef>
-                  <a:spcPct val="0"/>
-                </a:spcBef>
-                <a:spcAft>
-                  <a:spcPct val="0"/>
-                </a:spcAft>
-              </a:pPr>
-              <a:r>
-                <a:rPr lang="en-US" sz="2000" dirty="0">
-                  <a:solidFill>
-                    <a:srgbClr val="FFFFFF"/>
-                  </a:solidFill>
-                  <a:latin typeface="Calibri" pitchFamily="34" charset="0"/>
-                  <a:ea typeface="Times New Roman" pitchFamily="18" charset="0"/>
-                  <a:cs typeface="Times New Roman" pitchFamily="18" charset="0"/>
-                </a:rPr>
-                <a:t>Controller</a:t>
-              </a:r>
-              <a:endParaRPr lang="en-US" sz="2000" dirty="0">
-                <a:latin typeface="Arial" pitchFamily="34" charset="0"/>
-                <a:cs typeface="Arial" pitchFamily="34" charset="0"/>
-              </a:endParaRPr>
-            </a:p>
-          </p:txBody>
-        </p:sp>
-        <p:sp>
-          <p:nvSpPr>
-            <p:cNvPr id="6" name="Блок-схема: процесс 4"/>
-            <p:cNvSpPr>
-              <a:spLocks noChangeArrowheads="1"/>
-            </p:cNvSpPr>
-            <p:nvPr/>
-          </p:nvSpPr>
-          <p:spPr bwMode="auto">
-            <a:xfrm>
-              <a:off x="0" y="9401"/>
-              <a:ext cx="11521" cy="5151"/>
-            </a:xfrm>
-            <a:prstGeom prst="flowChartProcess">
-              <a:avLst/>
-            </a:prstGeom>
-            <a:solidFill>
-              <a:srgbClr val="4F81BD"/>
-            </a:solidFill>
-            <a:ln w="25400">
-              <a:solidFill>
-                <a:srgbClr val="243F60"/>
-              </a:solidFill>
-              <a:miter lim="800000"/>
-              <a:headEnd/>
-              <a:tailEnd/>
-            </a:ln>
-          </p:spPr>
-          <p:txBody>
-            <a:bodyPr vert="horz" wrap="square" lIns="91440" tIns="45720" rIns="91440" bIns="45720" numCol="1" anchor="ctr" anchorCtr="0" compatLnSpc="1">
-              <a:prstTxWarp prst="textNoShape">
-                <a:avLst/>
-              </a:prstTxWarp>
-            </a:bodyPr>
-            <a:lstStyle/>
-            <a:p>
-              <a:pPr algn="ctr" fontAlgn="base">
-                <a:spcBef>
-                  <a:spcPct val="0"/>
-                </a:spcBef>
-                <a:spcAft>
-                  <a:spcPct val="0"/>
-                </a:spcAft>
-              </a:pPr>
-              <a:r>
-                <a:rPr lang="en-US" sz="2000" dirty="0">
-                  <a:solidFill>
-                    <a:srgbClr val="FFFFFF"/>
-                  </a:solidFill>
-                  <a:latin typeface="Calibri" pitchFamily="34" charset="0"/>
-                  <a:ea typeface="Times New Roman" pitchFamily="18" charset="0"/>
-                  <a:cs typeface="Times New Roman" pitchFamily="18" charset="0"/>
-                </a:rPr>
-                <a:t>Model</a:t>
-              </a:r>
-              <a:endParaRPr lang="en-US" sz="2000" dirty="0">
-                <a:latin typeface="Arial" pitchFamily="34" charset="0"/>
-                <a:cs typeface="Arial" pitchFamily="34" charset="0"/>
-              </a:endParaRPr>
-            </a:p>
-          </p:txBody>
-        </p:sp>
-        <p:grpSp>
-          <p:nvGrpSpPr>
-            <p:cNvPr id="7" name="Группа 5"/>
-            <p:cNvGrpSpPr>
-              <a:grpSpLocks/>
-            </p:cNvGrpSpPr>
-            <p:nvPr/>
-          </p:nvGrpSpPr>
-          <p:grpSpPr bwMode="auto">
-            <a:xfrm>
-              <a:off x="11521" y="9736"/>
-              <a:ext cx="18596" cy="2240"/>
-              <a:chOff x="11521" y="9736"/>
-              <a:chExt cx="18596" cy="2240"/>
-            </a:xfrm>
-          </p:grpSpPr>
-          <p:sp>
-            <p:nvSpPr>
-              <p:cNvPr id="14" name="Прямая со стрелкой 12"/>
-              <p:cNvSpPr>
-                <a:spLocks noChangeShapeType="1"/>
-              </p:cNvSpPr>
-              <p:nvPr/>
-            </p:nvSpPr>
-            <p:spPr bwMode="auto">
-              <a:xfrm>
-                <a:off x="11521" y="11976"/>
-                <a:ext cx="18596" cy="0"/>
-              </a:xfrm>
-              <a:prstGeom prst="straightConnector1">
-                <a:avLst/>
-              </a:prstGeom>
-              <a:noFill/>
-              <a:ln w="25400">
-                <a:solidFill>
-                  <a:srgbClr val="8DB3E2"/>
-                </a:solidFill>
-                <a:round/>
-                <a:headEnd type="none" w="lg" len="lg"/>
-                <a:tailEnd type="triangle" w="lg" len="lg"/>
-              </a:ln>
-            </p:spPr>
-            <p:txBody>
-              <a:bodyPr vert="horz" wrap="square" lIns="91440" tIns="45720" rIns="91440" bIns="45720" numCol="1" anchor="t" anchorCtr="0" compatLnSpc="1">
-                <a:prstTxWarp prst="textNoShape">
-                  <a:avLst/>
-                </a:prstTxWarp>
-              </a:bodyPr>
-              <a:lstStyle/>
-              <a:p>
-                <a:endParaRPr lang="ru-RU"/>
-              </a:p>
-            </p:txBody>
-          </p:sp>
-          <p:sp>
-            <p:nvSpPr>
-              <p:cNvPr id="15" name="TextBox 41"/>
-              <p:cNvSpPr txBox="1">
-                <a:spLocks noChangeArrowheads="1"/>
-              </p:cNvSpPr>
-              <p:nvPr/>
-            </p:nvSpPr>
-            <p:spPr bwMode="auto">
-              <a:xfrm>
-                <a:off x="17785" y="9736"/>
-                <a:ext cx="7536" cy="2188"/>
-              </a:xfrm>
-              <a:prstGeom prst="rect">
-                <a:avLst/>
-              </a:prstGeom>
-              <a:noFill/>
-              <a:ln w="9525">
-                <a:noFill/>
-                <a:miter lim="800000"/>
-                <a:headEnd/>
-                <a:tailEnd/>
-              </a:ln>
-            </p:spPr>
-            <p:txBody>
-              <a:bodyPr vert="horz" wrap="none" lIns="91440" tIns="45720" rIns="91440" bIns="45720" numCol="1" anchor="t" anchorCtr="0" compatLnSpc="1">
-                <a:prstTxWarp prst="textNoShape">
-                  <a:avLst/>
-                </a:prstTxWarp>
-                <a:spAutoFit/>
-              </a:bodyPr>
-              <a:lstStyle/>
-              <a:p>
-                <a:pPr fontAlgn="base">
-                  <a:spcBef>
-                    <a:spcPct val="0"/>
-                  </a:spcBef>
-                  <a:spcAft>
-                    <a:spcPct val="0"/>
-                  </a:spcAft>
-                </a:pPr>
-                <a:r>
-                  <a:rPr lang="en-US" dirty="0">
-                    <a:solidFill>
-                      <a:srgbClr val="000000"/>
-                    </a:solidFill>
-                    <a:latin typeface="Calibri" pitchFamily="34" charset="0"/>
-                    <a:ea typeface="Times New Roman" pitchFamily="18" charset="0"/>
-                    <a:cs typeface="Times New Roman" pitchFamily="18" charset="0"/>
-                  </a:rPr>
-                  <a:t>I’m update!</a:t>
-                </a:r>
-                <a:endParaRPr lang="en-US" dirty="0">
-                  <a:latin typeface="Arial" pitchFamily="34" charset="0"/>
-                  <a:cs typeface="Arial" pitchFamily="34" charset="0"/>
-                </a:endParaRPr>
-              </a:p>
-            </p:txBody>
-          </p:sp>
-        </p:grpSp>
-        <p:grpSp>
-          <p:nvGrpSpPr>
-            <p:cNvPr id="8" name="Группа 6"/>
-            <p:cNvGrpSpPr>
-              <a:grpSpLocks/>
-            </p:cNvGrpSpPr>
-            <p:nvPr/>
-          </p:nvGrpSpPr>
-          <p:grpSpPr bwMode="auto">
-            <a:xfrm>
-              <a:off x="26677" y="2540"/>
-              <a:ext cx="13841" cy="6861"/>
-              <a:chOff x="26677" y="2540"/>
-              <a:chExt cx="13840" cy="6861"/>
-            </a:xfrm>
-          </p:grpSpPr>
-          <p:sp>
-            <p:nvSpPr>
-              <p:cNvPr id="12" name="Прямая со стрелкой 10"/>
-              <p:cNvSpPr>
-                <a:spLocks noChangeShapeType="1"/>
-              </p:cNvSpPr>
-              <p:nvPr/>
-            </p:nvSpPr>
-            <p:spPr bwMode="auto">
-              <a:xfrm flipH="1" flipV="1">
-                <a:off x="26677" y="2540"/>
-                <a:ext cx="9201" cy="6861"/>
-              </a:xfrm>
-              <a:prstGeom prst="straightConnector1">
-                <a:avLst/>
-              </a:prstGeom>
-              <a:noFill/>
-              <a:ln w="25400">
-                <a:solidFill>
-                  <a:srgbClr val="8DB3E2"/>
-                </a:solidFill>
-                <a:round/>
-                <a:headEnd type="none" w="lg" len="lg"/>
-                <a:tailEnd type="triangle" w="lg" len="lg"/>
-              </a:ln>
-            </p:spPr>
-            <p:txBody>
-              <a:bodyPr vert="horz" wrap="square" lIns="91440" tIns="45720" rIns="91440" bIns="45720" numCol="1" anchor="t" anchorCtr="0" compatLnSpc="1">
-                <a:prstTxWarp prst="textNoShape">
-                  <a:avLst/>
-                </a:prstTxWarp>
-              </a:bodyPr>
-              <a:lstStyle/>
-              <a:p>
-                <a:endParaRPr lang="ru-RU"/>
-              </a:p>
-            </p:txBody>
-          </p:sp>
-          <p:sp>
-            <p:nvSpPr>
-              <p:cNvPr id="13" name="TextBox 42"/>
-              <p:cNvSpPr txBox="1">
-                <a:spLocks noChangeArrowheads="1"/>
-              </p:cNvSpPr>
-              <p:nvPr/>
-            </p:nvSpPr>
-            <p:spPr bwMode="auto">
-              <a:xfrm rot="2269527">
-                <a:off x="27526" y="5797"/>
-                <a:ext cx="12991" cy="2188"/>
-              </a:xfrm>
-              <a:prstGeom prst="rect">
-                <a:avLst/>
-              </a:prstGeom>
-              <a:noFill/>
-              <a:ln w="9525">
-                <a:noFill/>
-                <a:miter lim="800000"/>
-                <a:headEnd/>
-                <a:tailEnd/>
-              </a:ln>
-            </p:spPr>
-            <p:txBody>
-              <a:bodyPr vert="horz" wrap="square" lIns="91440" tIns="45720" rIns="91440" bIns="45720" numCol="1" anchor="t" anchorCtr="0" compatLnSpc="1">
-                <a:prstTxWarp prst="textNoShape">
-                  <a:avLst/>
-                </a:prstTxWarp>
-                <a:spAutoFit/>
-              </a:bodyPr>
-              <a:lstStyle/>
-              <a:p>
-                <a:pPr fontAlgn="base">
-                  <a:spcBef>
-                    <a:spcPct val="0"/>
-                  </a:spcBef>
-                  <a:spcAft>
-                    <a:spcPct val="0"/>
-                  </a:spcAft>
-                </a:pPr>
-                <a:r>
-                  <a:rPr lang="en-US" dirty="0">
-                    <a:solidFill>
-                      <a:srgbClr val="000000"/>
-                    </a:solidFill>
-                    <a:latin typeface="Calibri" pitchFamily="34" charset="0"/>
-                    <a:ea typeface="Times New Roman" pitchFamily="18" charset="0"/>
-                    <a:cs typeface="Times New Roman" pitchFamily="18" charset="0"/>
-                  </a:rPr>
-                  <a:t>user’s change</a:t>
-                </a:r>
-                <a:endParaRPr lang="en-US" dirty="0">
-                  <a:latin typeface="Arial" pitchFamily="34" charset="0"/>
-                  <a:cs typeface="Arial" pitchFamily="34" charset="0"/>
-                </a:endParaRPr>
-              </a:p>
-            </p:txBody>
-          </p:sp>
-        </p:grpSp>
-        <p:grpSp>
-          <p:nvGrpSpPr>
-            <p:cNvPr id="9" name="Группа 7"/>
-            <p:cNvGrpSpPr>
-              <a:grpSpLocks/>
-            </p:cNvGrpSpPr>
-            <p:nvPr/>
-          </p:nvGrpSpPr>
-          <p:grpSpPr bwMode="auto">
-            <a:xfrm>
-              <a:off x="5928" y="2540"/>
-              <a:ext cx="9316" cy="6826"/>
-              <a:chOff x="5928" y="2540"/>
-              <a:chExt cx="9315" cy="6826"/>
-            </a:xfrm>
-          </p:grpSpPr>
-          <p:sp>
-            <p:nvSpPr>
-              <p:cNvPr id="10" name="Прямая со стрелкой 8"/>
-              <p:cNvSpPr>
-                <a:spLocks noChangeShapeType="1"/>
-              </p:cNvSpPr>
-              <p:nvPr/>
-            </p:nvSpPr>
-            <p:spPr bwMode="auto">
-              <a:xfrm flipH="1">
-                <a:off x="5928" y="2540"/>
-                <a:ext cx="9315" cy="6826"/>
-              </a:xfrm>
-              <a:prstGeom prst="straightConnector1">
-                <a:avLst/>
-              </a:prstGeom>
-              <a:noFill/>
-              <a:ln w="25400">
-                <a:solidFill>
-                  <a:srgbClr val="8DB3E2"/>
-                </a:solidFill>
-                <a:round/>
-                <a:headEnd type="none" w="lg" len="lg"/>
-                <a:tailEnd type="triangle" w="lg" len="lg"/>
-              </a:ln>
-            </p:spPr>
-            <p:txBody>
-              <a:bodyPr vert="horz" wrap="square" lIns="91440" tIns="45720" rIns="91440" bIns="45720" numCol="1" anchor="t" anchorCtr="0" compatLnSpc="1">
-                <a:prstTxWarp prst="textNoShape">
-                  <a:avLst/>
-                </a:prstTxWarp>
-              </a:bodyPr>
-              <a:lstStyle/>
-              <a:p>
-                <a:endParaRPr lang="ru-RU"/>
-              </a:p>
-            </p:txBody>
-          </p:sp>
-          <p:sp>
-            <p:nvSpPr>
-              <p:cNvPr id="11" name="TextBox 51"/>
-              <p:cNvSpPr txBox="1">
-                <a:spLocks noChangeArrowheads="1"/>
-              </p:cNvSpPr>
-              <p:nvPr/>
-            </p:nvSpPr>
-            <p:spPr bwMode="auto">
-              <a:xfrm rot="19545239">
-                <a:off x="6706" y="3725"/>
-                <a:ext cx="7896" cy="2188"/>
-              </a:xfrm>
-              <a:prstGeom prst="rect">
-                <a:avLst/>
-              </a:prstGeom>
-              <a:noFill/>
-              <a:ln w="9525">
-                <a:noFill/>
-                <a:miter lim="800000"/>
-                <a:headEnd/>
-                <a:tailEnd/>
-              </a:ln>
-            </p:spPr>
-            <p:txBody>
-              <a:bodyPr vert="horz" wrap="none" lIns="91440" tIns="45720" rIns="91440" bIns="45720" numCol="1" anchor="t" anchorCtr="0" compatLnSpc="1">
-                <a:prstTxWarp prst="textNoShape">
-                  <a:avLst/>
-                </a:prstTxWarp>
-                <a:spAutoFit/>
-              </a:bodyPr>
-              <a:lstStyle/>
-              <a:p>
-                <a:pPr fontAlgn="base">
-                  <a:spcBef>
-                    <a:spcPct val="0"/>
-                  </a:spcBef>
-                  <a:spcAft>
-                    <a:spcPct val="0"/>
-                  </a:spcAft>
-                </a:pPr>
-                <a:r>
-                  <a:rPr lang="en-US" dirty="0">
-                    <a:solidFill>
-                      <a:srgbClr val="000000"/>
-                    </a:solidFill>
-                    <a:latin typeface="Calibri" pitchFamily="34" charset="0"/>
-                    <a:ea typeface="Times New Roman" pitchFamily="18" charset="0"/>
-                    <a:cs typeface="Times New Roman" pitchFamily="18" charset="0"/>
-                  </a:rPr>
-                  <a:t>change date</a:t>
-                </a:r>
-                <a:endParaRPr lang="en-US" dirty="0">
-                  <a:latin typeface="Arial" pitchFamily="34" charset="0"/>
-                  <a:cs typeface="Arial" pitchFamily="34" charset="0"/>
-                </a:endParaRPr>
-              </a:p>
-            </p:txBody>
-          </p:sp>
-        </p:grpSp>
-      </p:grpSp>
-      <p:sp>
-        <p:nvSpPr>
-          <p:cNvPr id="20" name="Заголовок 1"/>
+          <p:cNvPr id="5" name="Заголовок 1"/>
           <p:cNvSpPr txBox="1">
             <a:spLocks/>
           </p:cNvSpPr>
@@ -5038,7 +4394,7 @@
                   <a:schemeClr val="accent1"/>
                 </a:solidFill>
               </a:rPr>
-              <a:t>Графическая оболочка</a:t>
+              <a:t>Апробация</a:t>
             </a:r>
             <a:endParaRPr lang="ru-RU" b="1" dirty="0">
               <a:solidFill>
@@ -5051,7 +4407,7 @@
     </p:spTree>
     <p:extLst>
       <p:ext uri="{BB962C8B-B14F-4D97-AF65-F5344CB8AC3E}">
-        <p14:creationId xmlns:p14="http://schemas.microsoft.com/office/powerpoint/2010/main" val="3147499432"/>
+        <p14:creationId xmlns:p14="http://schemas.microsoft.com/office/powerpoint/2010/main" val="3465242814"/>
       </p:ext>
     </p:extLst>
   </p:cSld>
@@ -5087,7 +4443,7 @@
       </p:grpSpPr>
       <p:sp>
         <p:nvSpPr>
-          <p:cNvPr id="3" name="Дата 2"/>
+          <p:cNvPr id="2" name="Дата 1"/>
           <p:cNvSpPr>
             <a:spLocks noGrp="1"/>
           </p:cNvSpPr>
@@ -5100,7 +4456,7 @@
           <a:bodyPr/>
           <a:lstStyle/>
           <a:p>
-            <a:fld id="{D9792337-99BE-4281-B388-6F1154F9F1CE}" type="datetime1">
+            <a:fld id="{1A8722FA-3154-47FD-B63A-A9C57C600D81}" type="datetime1">
               <a:rPr lang="ru-RU" smtClean="0"/>
               <a:t>18.05.2017</a:t>
             </a:fld>
@@ -5110,7 +4466,7 @@
       </p:sp>
       <p:sp>
         <p:nvSpPr>
-          <p:cNvPr id="5" name="Номер слайда 4"/>
+          <p:cNvPr id="3" name="Номер слайда 2"/>
           <p:cNvSpPr>
             <a:spLocks noGrp="1"/>
           </p:cNvSpPr>
@@ -5134,7 +4490,7 @@
       </p:sp>
       <p:sp>
         <p:nvSpPr>
-          <p:cNvPr id="6" name="Заголовок 1"/>
+          <p:cNvPr id="5" name="Заголовок 1"/>
           <p:cNvSpPr txBox="1">
             <a:spLocks/>
           </p:cNvSpPr>
@@ -5179,7 +4535,7 @@
                   <a:schemeClr val="accent1"/>
                 </a:solidFill>
               </a:rPr>
-              <a:t>Демонстрация</a:t>
+              <a:t>Заключение</a:t>
             </a:r>
             <a:endParaRPr lang="ru-RU" b="1" dirty="0">
               <a:solidFill>
@@ -5192,7 +4548,7 @@
     </p:spTree>
     <p:extLst>
       <p:ext uri="{BB962C8B-B14F-4D97-AF65-F5344CB8AC3E}">
-        <p14:creationId xmlns:p14="http://schemas.microsoft.com/office/powerpoint/2010/main" val="3363561672"/>
+        <p14:creationId xmlns:p14="http://schemas.microsoft.com/office/powerpoint/2010/main" val="2251323331"/>
       </p:ext>
     </p:extLst>
   </p:cSld>
@@ -5320,7 +4676,7 @@
                   <a:schemeClr val="accent1"/>
                 </a:solidFill>
               </a:rPr>
-              <a:t>Апробация</a:t>
+              <a:t>Список литературы</a:t>
             </a:r>
             <a:endParaRPr lang="ru-RU" b="1" dirty="0">
               <a:solidFill>
@@ -5330,10 +4686,728 @@
           </a:p>
         </p:txBody>
       </p:sp>
+      <p:sp>
+        <p:nvSpPr>
+          <p:cNvPr id="4" name="Прямоугольник 3"/>
+          <p:cNvSpPr/>
+          <p:nvPr/>
+        </p:nvSpPr>
+        <p:spPr>
+          <a:xfrm>
+            <a:off x="407368" y="1196752"/>
+            <a:ext cx="11593288" cy="4893647"/>
+          </a:xfrm>
+          <a:prstGeom prst="rect">
+            <a:avLst/>
+          </a:prstGeom>
+        </p:spPr>
+        <p:txBody>
+          <a:bodyPr wrap="square">
+            <a:spAutoFit/>
+          </a:bodyPr>
+          <a:lstStyle/>
+          <a:p>
+            <a:pPr marL="342900" lvl="0" indent="-342900">
+              <a:lnSpc>
+                <a:spcPct val="150000"/>
+              </a:lnSpc>
+              <a:spcAft>
+                <a:spcPts val="0"/>
+              </a:spcAft>
+              <a:buFont typeface="+mj-lt"/>
+              <a:buAutoNum type="arabicPeriod"/>
+            </a:pPr>
+            <a:r>
+              <a:rPr lang="ru-RU" sz="1600" i="1" dirty="0">
+                <a:latin typeface="Times New Roman" panose="02020603050405020304" pitchFamily="18" charset="0"/>
+                <a:ea typeface="Calibri" panose="020F0502020204030204" pitchFamily="34" charset="0"/>
+                <a:cs typeface="Times New Roman" panose="02020603050405020304" pitchFamily="18" charset="0"/>
+              </a:rPr>
+              <a:t>Адельсон-Вельский Г.М., Арлазаров В.Л., Битман А.Р., Донской М.В.</a:t>
+            </a:r>
+            <a:r>
+              <a:rPr lang="ru-RU" sz="1600" dirty="0">
+                <a:latin typeface="Times New Roman" panose="02020603050405020304" pitchFamily="18" charset="0"/>
+                <a:ea typeface="Calibri" panose="020F0502020204030204" pitchFamily="34" charset="0"/>
+                <a:cs typeface="Times New Roman" panose="02020603050405020304" pitchFamily="18" charset="0"/>
+              </a:rPr>
+              <a:t> Машина играет в шахматы. – М.: Наука, 1983.</a:t>
+            </a:r>
+          </a:p>
+          <a:p>
+            <a:pPr marL="342900" lvl="0" indent="-342900">
+              <a:lnSpc>
+                <a:spcPct val="150000"/>
+              </a:lnSpc>
+              <a:spcAft>
+                <a:spcPts val="0"/>
+              </a:spcAft>
+              <a:buFont typeface="+mj-lt"/>
+              <a:buAutoNum type="arabicPeriod"/>
+            </a:pPr>
+            <a:r>
+              <a:rPr lang="ru-RU" sz="1600" dirty="0" smtClean="0">
+                <a:latin typeface="Times New Roman" panose="02020603050405020304" pitchFamily="18" charset="0"/>
+                <a:ea typeface="Calibri" panose="020F0502020204030204" pitchFamily="34" charset="0"/>
+                <a:cs typeface="Times New Roman" panose="02020603050405020304" pitchFamily="18" charset="0"/>
+              </a:rPr>
+              <a:t>Русские шашки // Федерация шашек </a:t>
+            </a:r>
+            <a:r>
+              <a:rPr lang="ru-RU" sz="1600" dirty="0" err="1" smtClean="0">
+                <a:latin typeface="Times New Roman" panose="02020603050405020304" pitchFamily="18" charset="0"/>
+                <a:ea typeface="Calibri" panose="020F0502020204030204" pitchFamily="34" charset="0"/>
+                <a:cs typeface="Times New Roman" panose="02020603050405020304" pitchFamily="18" charset="0"/>
+              </a:rPr>
+              <a:t>Росии</a:t>
+            </a:r>
+            <a:r>
+              <a:rPr lang="ru-RU" sz="1600" dirty="0" smtClean="0">
+                <a:latin typeface="Times New Roman" panose="02020603050405020304" pitchFamily="18" charset="0"/>
+                <a:ea typeface="Calibri" panose="020F0502020204030204" pitchFamily="34" charset="0"/>
+                <a:cs typeface="Times New Roman" panose="02020603050405020304" pitchFamily="18" charset="0"/>
+              </a:rPr>
+              <a:t>:[</a:t>
+            </a:r>
+            <a:r>
+              <a:rPr lang="ru-RU" sz="1600" dirty="0">
+                <a:latin typeface="Times New Roman" panose="02020603050405020304" pitchFamily="18" charset="0"/>
+                <a:ea typeface="Calibri" panose="020F0502020204030204" pitchFamily="34" charset="0"/>
+                <a:cs typeface="Times New Roman" panose="02020603050405020304" pitchFamily="18" charset="0"/>
+              </a:rPr>
+              <a:t>http://shashki.ru/variations/draughts64]</a:t>
+            </a:r>
+          </a:p>
+          <a:p>
+            <a:pPr marL="342900" lvl="0" indent="-342900">
+              <a:lnSpc>
+                <a:spcPct val="150000"/>
+              </a:lnSpc>
+              <a:spcAft>
+                <a:spcPts val="0"/>
+              </a:spcAft>
+              <a:buFont typeface="+mj-lt"/>
+              <a:buAutoNum type="arabicPeriod"/>
+            </a:pPr>
+            <a:r>
+              <a:rPr lang="ru-RU" sz="1600" i="1" dirty="0">
+                <a:latin typeface="Times New Roman" panose="02020603050405020304" pitchFamily="18" charset="0"/>
+                <a:ea typeface="Calibri" panose="020F0502020204030204" pitchFamily="34" charset="0"/>
+                <a:cs typeface="Times New Roman" panose="02020603050405020304" pitchFamily="18" charset="0"/>
+              </a:rPr>
+              <a:t>Бернхардсон Э.</a:t>
+            </a:r>
+            <a:r>
+              <a:rPr lang="ru-RU" sz="1600" spc="-55" dirty="0">
+                <a:latin typeface="Times New Roman" panose="02020603050405020304" pitchFamily="18" charset="0"/>
+                <a:ea typeface="Calibri" panose="020F0502020204030204" pitchFamily="34" charset="0"/>
+                <a:cs typeface="Times New Roman" panose="02020603050405020304" pitchFamily="18" charset="0"/>
+              </a:rPr>
+              <a:t>Глубокое обучение для… шахмат: </a:t>
+            </a:r>
+            <a:r>
+              <a:rPr lang="ru-RU" sz="1600" dirty="0">
+                <a:latin typeface="Times New Roman" panose="02020603050405020304" pitchFamily="18" charset="0"/>
+                <a:ea typeface="Calibri" panose="020F0502020204030204" pitchFamily="34" charset="0"/>
+                <a:cs typeface="Times New Roman" panose="02020603050405020304" pitchFamily="18" charset="0"/>
+              </a:rPr>
+              <a:t>[</a:t>
+            </a:r>
+            <a:r>
+              <a:rPr lang="en-US" sz="1600" dirty="0">
+                <a:latin typeface="Times New Roman" panose="02020603050405020304" pitchFamily="18" charset="0"/>
+                <a:ea typeface="Calibri" panose="020F0502020204030204" pitchFamily="34" charset="0"/>
+                <a:cs typeface="Times New Roman" panose="02020603050405020304" pitchFamily="18" charset="0"/>
+              </a:rPr>
+              <a:t>http</a:t>
+            </a:r>
+            <a:r>
+              <a:rPr lang="ru-RU" sz="1600" dirty="0">
+                <a:latin typeface="Times New Roman" panose="02020603050405020304" pitchFamily="18" charset="0"/>
+                <a:ea typeface="Calibri" panose="020F0502020204030204" pitchFamily="34" charset="0"/>
+                <a:cs typeface="Times New Roman" panose="02020603050405020304" pitchFamily="18" charset="0"/>
+              </a:rPr>
+              <a:t>://</a:t>
+            </a:r>
+            <a:r>
+              <a:rPr lang="en-US" sz="1600" dirty="0">
+                <a:latin typeface="Times New Roman" panose="02020603050405020304" pitchFamily="18" charset="0"/>
+                <a:ea typeface="Calibri" panose="020F0502020204030204" pitchFamily="34" charset="0"/>
+                <a:cs typeface="Times New Roman" panose="02020603050405020304" pitchFamily="18" charset="0"/>
+              </a:rPr>
+              <a:t>datareview</a:t>
+            </a:r>
+            <a:r>
+              <a:rPr lang="ru-RU" sz="1600" dirty="0">
+                <a:latin typeface="Times New Roman" panose="02020603050405020304" pitchFamily="18" charset="0"/>
+                <a:ea typeface="Calibri" panose="020F0502020204030204" pitchFamily="34" charset="0"/>
+                <a:cs typeface="Times New Roman" panose="02020603050405020304" pitchFamily="18" charset="0"/>
+              </a:rPr>
+              <a:t>.</a:t>
+            </a:r>
+            <a:r>
+              <a:rPr lang="en-US" sz="1600" dirty="0">
+                <a:latin typeface="Times New Roman" panose="02020603050405020304" pitchFamily="18" charset="0"/>
+                <a:ea typeface="Calibri" panose="020F0502020204030204" pitchFamily="34" charset="0"/>
+                <a:cs typeface="Times New Roman" panose="02020603050405020304" pitchFamily="18" charset="0"/>
+              </a:rPr>
+              <a:t>info</a:t>
+            </a:r>
+            <a:r>
+              <a:rPr lang="ru-RU" sz="1600" dirty="0">
+                <a:latin typeface="Times New Roman" panose="02020603050405020304" pitchFamily="18" charset="0"/>
+                <a:ea typeface="Calibri" panose="020F0502020204030204" pitchFamily="34" charset="0"/>
+                <a:cs typeface="Times New Roman" panose="02020603050405020304" pitchFamily="18" charset="0"/>
+              </a:rPr>
+              <a:t>/</a:t>
+            </a:r>
+            <a:r>
+              <a:rPr lang="en-US" sz="1600" dirty="0">
+                <a:latin typeface="Times New Roman" panose="02020603050405020304" pitchFamily="18" charset="0"/>
+                <a:ea typeface="Calibri" panose="020F0502020204030204" pitchFamily="34" charset="0"/>
+                <a:cs typeface="Times New Roman" panose="02020603050405020304" pitchFamily="18" charset="0"/>
+              </a:rPr>
+              <a:t>article</a:t>
+            </a:r>
+            <a:r>
+              <a:rPr lang="ru-RU" sz="1600" dirty="0">
+                <a:latin typeface="Times New Roman" panose="02020603050405020304" pitchFamily="18" charset="0"/>
+                <a:ea typeface="Calibri" panose="020F0502020204030204" pitchFamily="34" charset="0"/>
+                <a:cs typeface="Times New Roman" panose="02020603050405020304" pitchFamily="18" charset="0"/>
+              </a:rPr>
+              <a:t>/</a:t>
+            </a:r>
+            <a:r>
+              <a:rPr lang="en-US" sz="1600" dirty="0">
+                <a:latin typeface="Times New Roman" panose="02020603050405020304" pitchFamily="18" charset="0"/>
+                <a:ea typeface="Calibri" panose="020F0502020204030204" pitchFamily="34" charset="0"/>
+                <a:cs typeface="Times New Roman" panose="02020603050405020304" pitchFamily="18" charset="0"/>
+              </a:rPr>
+              <a:t>glubokoe</a:t>
+            </a:r>
+            <a:r>
+              <a:rPr lang="ru-RU" sz="1600" dirty="0">
+                <a:latin typeface="Times New Roman" panose="02020603050405020304" pitchFamily="18" charset="0"/>
+                <a:ea typeface="Calibri" panose="020F0502020204030204" pitchFamily="34" charset="0"/>
+                <a:cs typeface="Times New Roman" panose="02020603050405020304" pitchFamily="18" charset="0"/>
+              </a:rPr>
+              <a:t>-</a:t>
+            </a:r>
+            <a:r>
+              <a:rPr lang="en-US" sz="1600" dirty="0">
+                <a:latin typeface="Times New Roman" panose="02020603050405020304" pitchFamily="18" charset="0"/>
+                <a:ea typeface="Calibri" panose="020F0502020204030204" pitchFamily="34" charset="0"/>
+                <a:cs typeface="Times New Roman" panose="02020603050405020304" pitchFamily="18" charset="0"/>
+              </a:rPr>
+              <a:t>obuchenie</a:t>
+            </a:r>
+            <a:r>
+              <a:rPr lang="ru-RU" sz="1600" dirty="0">
+                <a:latin typeface="Times New Roman" panose="02020603050405020304" pitchFamily="18" charset="0"/>
+                <a:ea typeface="Calibri" panose="020F0502020204030204" pitchFamily="34" charset="0"/>
+                <a:cs typeface="Times New Roman" panose="02020603050405020304" pitchFamily="18" charset="0"/>
+              </a:rPr>
+              <a:t>-</a:t>
+            </a:r>
+            <a:r>
+              <a:rPr lang="en-US" sz="1600" dirty="0">
+                <a:latin typeface="Times New Roman" panose="02020603050405020304" pitchFamily="18" charset="0"/>
+                <a:ea typeface="Calibri" panose="020F0502020204030204" pitchFamily="34" charset="0"/>
+                <a:cs typeface="Times New Roman" panose="02020603050405020304" pitchFamily="18" charset="0"/>
+              </a:rPr>
+              <a:t>dlya</a:t>
+            </a:r>
+            <a:r>
+              <a:rPr lang="ru-RU" sz="1600" dirty="0">
+                <a:latin typeface="Times New Roman" panose="02020603050405020304" pitchFamily="18" charset="0"/>
+                <a:ea typeface="Calibri" panose="020F0502020204030204" pitchFamily="34" charset="0"/>
+                <a:cs typeface="Times New Roman" panose="02020603050405020304" pitchFamily="18" charset="0"/>
+              </a:rPr>
+              <a:t>-</a:t>
+            </a:r>
+            <a:r>
+              <a:rPr lang="en-US" sz="1600" dirty="0">
+                <a:latin typeface="Times New Roman" panose="02020603050405020304" pitchFamily="18" charset="0"/>
+                <a:ea typeface="Calibri" panose="020F0502020204030204" pitchFamily="34" charset="0"/>
+                <a:cs typeface="Times New Roman" panose="02020603050405020304" pitchFamily="18" charset="0"/>
+              </a:rPr>
+              <a:t>shahmat</a:t>
+            </a:r>
+            <a:r>
+              <a:rPr lang="ru-RU" sz="1600" dirty="0">
+                <a:latin typeface="Times New Roman" panose="02020603050405020304" pitchFamily="18" charset="0"/>
+                <a:ea typeface="Calibri" panose="020F0502020204030204" pitchFamily="34" charset="0"/>
+                <a:cs typeface="Times New Roman" panose="02020603050405020304" pitchFamily="18" charset="0"/>
+              </a:rPr>
+              <a:t>], </a:t>
+            </a:r>
+            <a:r>
+              <a:rPr lang="ru-RU" sz="1600" cap="all" dirty="0">
+                <a:latin typeface="Times New Roman" panose="02020603050405020304" pitchFamily="18" charset="0"/>
+                <a:ea typeface="Calibri" panose="020F0502020204030204" pitchFamily="34" charset="0"/>
+                <a:cs typeface="Times New Roman" panose="02020603050405020304" pitchFamily="18" charset="0"/>
+              </a:rPr>
+              <a:t>11.02.2016.</a:t>
+            </a:r>
+            <a:endParaRPr lang="ru-RU" sz="1600" dirty="0">
+              <a:latin typeface="Times New Roman" panose="02020603050405020304" pitchFamily="18" charset="0"/>
+              <a:ea typeface="Calibri" panose="020F0502020204030204" pitchFamily="34" charset="0"/>
+              <a:cs typeface="Times New Roman" panose="02020603050405020304" pitchFamily="18" charset="0"/>
+            </a:endParaRPr>
+          </a:p>
+          <a:p>
+            <a:pPr marL="342900" lvl="0" indent="-342900">
+              <a:lnSpc>
+                <a:spcPct val="150000"/>
+              </a:lnSpc>
+              <a:spcAft>
+                <a:spcPts val="0"/>
+              </a:spcAft>
+              <a:buFont typeface="+mj-lt"/>
+              <a:buAutoNum type="arabicPeriod"/>
+            </a:pPr>
+            <a:r>
+              <a:rPr lang="en-US" sz="1600" i="1" dirty="0">
+                <a:latin typeface="Times New Roman" panose="02020603050405020304" pitchFamily="18" charset="0"/>
+                <a:ea typeface="Calibri" panose="020F0502020204030204" pitchFamily="34" charset="0"/>
+                <a:cs typeface="Times New Roman" panose="02020603050405020304" pitchFamily="18" charset="0"/>
+              </a:rPr>
+              <a:t>Schaeffer J., Burch N., Björnsson Y., Kishimoto A., Müller M., Lake R., Lu P., Sutphen S. </a:t>
+            </a:r>
+            <a:r>
+              <a:rPr lang="en-US" sz="1600" dirty="0">
+                <a:latin typeface="Times New Roman" panose="02020603050405020304" pitchFamily="18" charset="0"/>
+                <a:ea typeface="Calibri" panose="020F0502020204030204" pitchFamily="34" charset="0"/>
+                <a:cs typeface="Times New Roman" panose="02020603050405020304" pitchFamily="18" charset="0"/>
+              </a:rPr>
+              <a:t>Checkers Is Solved //American Association for the Advancement of Science, 1200 New York Avenue NW, Washington, DC 2005.</a:t>
+            </a:r>
+            <a:endParaRPr lang="ru-RU" sz="1600" dirty="0">
+              <a:latin typeface="Times New Roman" panose="02020603050405020304" pitchFamily="18" charset="0"/>
+              <a:ea typeface="Calibri" panose="020F0502020204030204" pitchFamily="34" charset="0"/>
+              <a:cs typeface="Times New Roman" panose="02020603050405020304" pitchFamily="18" charset="0"/>
+            </a:endParaRPr>
+          </a:p>
+          <a:p>
+            <a:pPr marL="342900" lvl="0" indent="-342900">
+              <a:lnSpc>
+                <a:spcPct val="150000"/>
+              </a:lnSpc>
+              <a:spcAft>
+                <a:spcPts val="0"/>
+              </a:spcAft>
+              <a:buFont typeface="+mj-lt"/>
+              <a:buAutoNum type="arabicPeriod"/>
+            </a:pPr>
+            <a:r>
+              <a:rPr lang="ru-RU" sz="1600" i="1" dirty="0">
+                <a:latin typeface="Times New Roman" panose="02020603050405020304" pitchFamily="18" charset="0"/>
+                <a:ea typeface="Calibri" panose="020F0502020204030204" pitchFamily="34" charset="0"/>
+                <a:cs typeface="Times New Roman" panose="02020603050405020304" pitchFamily="18" charset="0"/>
+              </a:rPr>
+              <a:t>Корнилов Е.Н.</a:t>
+            </a:r>
+            <a:r>
+              <a:rPr lang="ru-RU" sz="1600" dirty="0">
+                <a:latin typeface="Times New Roman" panose="02020603050405020304" pitchFamily="18" charset="0"/>
+                <a:ea typeface="Calibri" panose="020F0502020204030204" pitchFamily="34" charset="0"/>
+                <a:cs typeface="Times New Roman" panose="02020603050405020304" pitchFamily="18" charset="0"/>
+              </a:rPr>
+              <a:t> Программирование шахмат и других логических задач.– </a:t>
+            </a:r>
+            <a:r>
+              <a:rPr lang="ru-RU" sz="1600" dirty="0" err="1">
+                <a:latin typeface="Times New Roman" panose="02020603050405020304" pitchFamily="18" charset="0"/>
+                <a:ea typeface="Calibri" panose="020F0502020204030204" pitchFamily="34" charset="0"/>
+                <a:cs typeface="Times New Roman" panose="02020603050405020304" pitchFamily="18" charset="0"/>
+              </a:rPr>
+              <a:t>СПб.:</a:t>
+            </a:r>
+            <a:r>
+              <a:rPr lang="ru-RU" sz="1600" dirty="0" err="1">
+                <a:solidFill>
+                  <a:srgbClr val="000000"/>
+                </a:solidFill>
+                <a:latin typeface="Times New Roman" panose="02020603050405020304" pitchFamily="18" charset="0"/>
+                <a:ea typeface="Calibri" panose="020F0502020204030204" pitchFamily="34" charset="0"/>
+                <a:cs typeface="Times New Roman" panose="02020603050405020304" pitchFamily="18" charset="0"/>
+              </a:rPr>
+              <a:t>БХВ-Петербург</a:t>
+            </a:r>
+            <a:r>
+              <a:rPr lang="ru-RU" sz="1600" dirty="0">
+                <a:solidFill>
+                  <a:srgbClr val="000000"/>
+                </a:solidFill>
+                <a:latin typeface="Times New Roman" panose="02020603050405020304" pitchFamily="18" charset="0"/>
+                <a:ea typeface="Calibri" panose="020F0502020204030204" pitchFamily="34" charset="0"/>
+                <a:cs typeface="Times New Roman" panose="02020603050405020304" pitchFamily="18" charset="0"/>
+              </a:rPr>
+              <a:t>, 2005.</a:t>
+            </a:r>
+            <a:endParaRPr lang="ru-RU" sz="1600" dirty="0">
+              <a:latin typeface="Times New Roman" panose="02020603050405020304" pitchFamily="18" charset="0"/>
+              <a:ea typeface="Calibri" panose="020F0502020204030204" pitchFamily="34" charset="0"/>
+              <a:cs typeface="Times New Roman" panose="02020603050405020304" pitchFamily="18" charset="0"/>
+            </a:endParaRPr>
+          </a:p>
+          <a:p>
+            <a:pPr marL="342900" lvl="0" indent="-342900">
+              <a:lnSpc>
+                <a:spcPct val="150000"/>
+              </a:lnSpc>
+              <a:spcAft>
+                <a:spcPts val="0"/>
+              </a:spcAft>
+              <a:buFont typeface="+mj-lt"/>
+              <a:buAutoNum type="arabicPeriod"/>
+            </a:pPr>
+            <a:r>
+              <a:rPr lang="ru-RU" sz="1600" i="1" dirty="0">
+                <a:latin typeface="Times New Roman" panose="02020603050405020304" pitchFamily="18" charset="0"/>
+                <a:ea typeface="Calibri" panose="020F0502020204030204" pitchFamily="34" charset="0"/>
+                <a:cs typeface="Times New Roman" panose="02020603050405020304" pitchFamily="18" charset="0"/>
+              </a:rPr>
+              <a:t>Фримен Э., Фримен Э.</a:t>
+            </a:r>
+            <a:r>
+              <a:rPr lang="ru-RU" sz="1600" dirty="0">
+                <a:latin typeface="Times New Roman" panose="02020603050405020304" pitchFamily="18" charset="0"/>
+                <a:ea typeface="Calibri" panose="020F0502020204030204" pitchFamily="34" charset="0"/>
+                <a:cs typeface="Times New Roman" panose="02020603050405020304" pitchFamily="18" charset="0"/>
+              </a:rPr>
+              <a:t> Паттерны проектирования. – СПб.: Питер, 2011.</a:t>
+            </a:r>
+          </a:p>
+          <a:p>
+            <a:pPr marL="342900" lvl="0" indent="-342900">
+              <a:lnSpc>
+                <a:spcPct val="150000"/>
+              </a:lnSpc>
+              <a:spcAft>
+                <a:spcPts val="0"/>
+              </a:spcAft>
+              <a:buFont typeface="+mj-lt"/>
+              <a:buAutoNum type="arabicPeriod"/>
+            </a:pPr>
+            <a:r>
+              <a:rPr lang="en-US" sz="1600" dirty="0">
+                <a:solidFill>
+                  <a:srgbClr val="222222"/>
+                </a:solidFill>
+                <a:latin typeface="Times New Roman" panose="02020603050405020304" pitchFamily="18" charset="0"/>
+                <a:ea typeface="Calibri" panose="020F0502020204030204" pitchFamily="34" charset="0"/>
+                <a:cs typeface="Times New Roman" panose="02020603050405020304" pitchFamily="18" charset="0"/>
+              </a:rPr>
+              <a:t>I</a:t>
+            </a:r>
+            <a:r>
+              <a:rPr lang="ru-RU" sz="1600" dirty="0">
+                <a:solidFill>
+                  <a:srgbClr val="222222"/>
+                </a:solidFill>
+                <a:latin typeface="Times New Roman" panose="02020603050405020304" pitchFamily="18" charset="0"/>
+                <a:ea typeface="Calibri" panose="020F0502020204030204" pitchFamily="34" charset="0"/>
+                <a:cs typeface="Times New Roman" panose="02020603050405020304" pitchFamily="18" charset="0"/>
+              </a:rPr>
+              <a:t> чемпионат мира по русским шашкам среди компьютерных программ: [</a:t>
+            </a:r>
+            <a:r>
+              <a:rPr lang="en-US" sz="1600" dirty="0">
+                <a:solidFill>
+                  <a:srgbClr val="222222"/>
+                </a:solidFill>
+                <a:latin typeface="Times New Roman" panose="02020603050405020304" pitchFamily="18" charset="0"/>
+                <a:ea typeface="Calibri" panose="020F0502020204030204" pitchFamily="34" charset="0"/>
+                <a:cs typeface="Times New Roman" panose="02020603050405020304" pitchFamily="18" charset="0"/>
+              </a:rPr>
+              <a:t>https</a:t>
+            </a:r>
+            <a:r>
+              <a:rPr lang="ru-RU" sz="1600" dirty="0">
+                <a:solidFill>
+                  <a:srgbClr val="222222"/>
+                </a:solidFill>
+                <a:latin typeface="Times New Roman" panose="02020603050405020304" pitchFamily="18" charset="0"/>
+                <a:ea typeface="Calibri" panose="020F0502020204030204" pitchFamily="34" charset="0"/>
+                <a:cs typeface="Times New Roman" panose="02020603050405020304" pitchFamily="18" charset="0"/>
+              </a:rPr>
+              <a:t>://</a:t>
+            </a:r>
+            <a:r>
+              <a:rPr lang="en-US" sz="1600" dirty="0">
+                <a:solidFill>
+                  <a:srgbClr val="222222"/>
+                </a:solidFill>
+                <a:latin typeface="Times New Roman" panose="02020603050405020304" pitchFamily="18" charset="0"/>
+                <a:ea typeface="Calibri" panose="020F0502020204030204" pitchFamily="34" charset="0"/>
+                <a:cs typeface="Times New Roman" panose="02020603050405020304" pitchFamily="18" charset="0"/>
+              </a:rPr>
+              <a:t>ru</a:t>
+            </a:r>
+            <a:r>
+              <a:rPr lang="ru-RU" sz="1600" dirty="0">
+                <a:solidFill>
+                  <a:srgbClr val="222222"/>
+                </a:solidFill>
+                <a:latin typeface="Times New Roman" panose="02020603050405020304" pitchFamily="18" charset="0"/>
+                <a:ea typeface="Calibri" panose="020F0502020204030204" pitchFamily="34" charset="0"/>
+                <a:cs typeface="Times New Roman" panose="02020603050405020304" pitchFamily="18" charset="0"/>
+              </a:rPr>
+              <a:t>.</a:t>
+            </a:r>
+            <a:r>
+              <a:rPr lang="en-US" sz="1600" dirty="0">
+                <a:solidFill>
+                  <a:srgbClr val="222222"/>
+                </a:solidFill>
+                <a:latin typeface="Times New Roman" panose="02020603050405020304" pitchFamily="18" charset="0"/>
+                <a:ea typeface="Calibri" panose="020F0502020204030204" pitchFamily="34" charset="0"/>
+                <a:cs typeface="Times New Roman" panose="02020603050405020304" pitchFamily="18" charset="0"/>
+              </a:rPr>
+              <a:t>wikipedia</a:t>
+            </a:r>
+            <a:r>
+              <a:rPr lang="ru-RU" sz="1600" dirty="0">
+                <a:solidFill>
+                  <a:srgbClr val="222222"/>
+                </a:solidFill>
+                <a:latin typeface="Times New Roman" panose="02020603050405020304" pitchFamily="18" charset="0"/>
+                <a:ea typeface="Calibri" panose="020F0502020204030204" pitchFamily="34" charset="0"/>
+                <a:cs typeface="Times New Roman" panose="02020603050405020304" pitchFamily="18" charset="0"/>
+              </a:rPr>
+              <a:t>.</a:t>
+            </a:r>
+            <a:r>
+              <a:rPr lang="en-US" sz="1600" dirty="0">
+                <a:solidFill>
+                  <a:srgbClr val="222222"/>
+                </a:solidFill>
+                <a:latin typeface="Times New Roman" panose="02020603050405020304" pitchFamily="18" charset="0"/>
+                <a:ea typeface="Calibri" panose="020F0502020204030204" pitchFamily="34" charset="0"/>
+                <a:cs typeface="Times New Roman" panose="02020603050405020304" pitchFamily="18" charset="0"/>
+              </a:rPr>
+              <a:t>org</a:t>
+            </a:r>
+            <a:r>
+              <a:rPr lang="ru-RU" sz="1600" dirty="0">
+                <a:solidFill>
+                  <a:srgbClr val="222222"/>
+                </a:solidFill>
+                <a:latin typeface="Times New Roman" panose="02020603050405020304" pitchFamily="18" charset="0"/>
+                <a:ea typeface="Calibri" panose="020F0502020204030204" pitchFamily="34" charset="0"/>
+                <a:cs typeface="Times New Roman" panose="02020603050405020304" pitchFamily="18" charset="0"/>
+              </a:rPr>
+              <a:t>/</a:t>
+            </a:r>
+            <a:r>
+              <a:rPr lang="en-US" sz="1600" dirty="0">
+                <a:solidFill>
+                  <a:srgbClr val="222222"/>
+                </a:solidFill>
+                <a:latin typeface="Times New Roman" panose="02020603050405020304" pitchFamily="18" charset="0"/>
+                <a:ea typeface="Calibri" panose="020F0502020204030204" pitchFamily="34" charset="0"/>
+                <a:cs typeface="Times New Roman" panose="02020603050405020304" pitchFamily="18" charset="0"/>
+              </a:rPr>
+              <a:t>wiki</a:t>
+            </a:r>
+            <a:r>
+              <a:rPr lang="ru-RU" sz="1600" dirty="0">
+                <a:solidFill>
+                  <a:srgbClr val="222222"/>
+                </a:solidFill>
+                <a:latin typeface="Times New Roman" panose="02020603050405020304" pitchFamily="18" charset="0"/>
+                <a:ea typeface="Calibri" panose="020F0502020204030204" pitchFamily="34" charset="0"/>
+                <a:cs typeface="Times New Roman" panose="02020603050405020304" pitchFamily="18" charset="0"/>
+              </a:rPr>
+              <a:t>/Чемпионат_мира_по_русским_шашкам_среди_компьютерных_программ_2008].</a:t>
+            </a:r>
+            <a:endParaRPr lang="ru-RU" sz="1600" dirty="0">
+              <a:latin typeface="Times New Roman" panose="02020603050405020304" pitchFamily="18" charset="0"/>
+              <a:ea typeface="Calibri" panose="020F0502020204030204" pitchFamily="34" charset="0"/>
+              <a:cs typeface="Times New Roman" panose="02020603050405020304" pitchFamily="18" charset="0"/>
+            </a:endParaRPr>
+          </a:p>
+          <a:p>
+            <a:pPr marL="342900" lvl="0" indent="-342900">
+              <a:lnSpc>
+                <a:spcPct val="150000"/>
+              </a:lnSpc>
+              <a:spcAft>
+                <a:spcPts val="0"/>
+              </a:spcAft>
+              <a:buFont typeface="+mj-lt"/>
+              <a:buAutoNum type="arabicPeriod"/>
+            </a:pPr>
+            <a:r>
+              <a:rPr lang="ru-RU" sz="1600" i="1" dirty="0">
+                <a:latin typeface="Times New Roman" panose="02020603050405020304" pitchFamily="18" charset="0"/>
+                <a:ea typeface="Calibri" panose="020F0502020204030204" pitchFamily="34" charset="0"/>
+                <a:cs typeface="Times New Roman" panose="02020603050405020304" pitchFamily="18" charset="0"/>
+              </a:rPr>
+              <a:t>Ваныкина Г., Сундукова Т. </a:t>
+            </a:r>
+            <a:r>
+              <a:rPr lang="ru-RU" sz="1600" dirty="0" smtClean="0">
+                <a:latin typeface="Times New Roman" panose="02020603050405020304" pitchFamily="18" charset="0"/>
+                <a:ea typeface="Calibri" panose="020F0502020204030204" pitchFamily="34" charset="0"/>
+                <a:cs typeface="Times New Roman" panose="02020603050405020304" pitchFamily="18" charset="0"/>
+              </a:rPr>
+              <a:t>Структуры и алгоритмы компьютерной обработки данных: [</a:t>
+            </a:r>
+            <a:r>
+              <a:rPr lang="en-US" sz="1600" dirty="0">
+                <a:latin typeface="Times New Roman" panose="02020603050405020304" pitchFamily="18" charset="0"/>
+                <a:ea typeface="Calibri" panose="020F0502020204030204" pitchFamily="34" charset="0"/>
+                <a:cs typeface="Times New Roman" panose="02020603050405020304" pitchFamily="18" charset="0"/>
+              </a:rPr>
+              <a:t>http</a:t>
+            </a:r>
+            <a:r>
+              <a:rPr lang="ru-RU" sz="1600" dirty="0">
+                <a:latin typeface="Times New Roman" panose="02020603050405020304" pitchFamily="18" charset="0"/>
+                <a:ea typeface="Calibri" panose="020F0502020204030204" pitchFamily="34" charset="0"/>
+                <a:cs typeface="Times New Roman" panose="02020603050405020304" pitchFamily="18" charset="0"/>
+              </a:rPr>
+              <a:t>://</a:t>
+            </a:r>
+            <a:r>
+              <a:rPr lang="en-US" sz="1600" dirty="0">
+                <a:latin typeface="Times New Roman" panose="02020603050405020304" pitchFamily="18" charset="0"/>
+                <a:ea typeface="Calibri" panose="020F0502020204030204" pitchFamily="34" charset="0"/>
+                <a:cs typeface="Times New Roman" panose="02020603050405020304" pitchFamily="18" charset="0"/>
+              </a:rPr>
+              <a:t>www</a:t>
+            </a:r>
+            <a:r>
+              <a:rPr lang="ru-RU" sz="1600" dirty="0">
+                <a:latin typeface="Times New Roman" panose="02020603050405020304" pitchFamily="18" charset="0"/>
+                <a:ea typeface="Calibri" panose="020F0502020204030204" pitchFamily="34" charset="0"/>
+                <a:cs typeface="Times New Roman" panose="02020603050405020304" pitchFamily="18" charset="0"/>
+              </a:rPr>
+              <a:t>.</a:t>
+            </a:r>
+            <a:r>
+              <a:rPr lang="en-US" sz="1600" dirty="0">
+                <a:latin typeface="Times New Roman" panose="02020603050405020304" pitchFamily="18" charset="0"/>
+                <a:ea typeface="Calibri" panose="020F0502020204030204" pitchFamily="34" charset="0"/>
+                <a:cs typeface="Times New Roman" panose="02020603050405020304" pitchFamily="18" charset="0"/>
+              </a:rPr>
+              <a:t>intuit</a:t>
+            </a:r>
+            <a:r>
+              <a:rPr lang="ru-RU" sz="1600" dirty="0">
+                <a:latin typeface="Times New Roman" panose="02020603050405020304" pitchFamily="18" charset="0"/>
+                <a:ea typeface="Calibri" panose="020F0502020204030204" pitchFamily="34" charset="0"/>
+                <a:cs typeface="Times New Roman" panose="02020603050405020304" pitchFamily="18" charset="0"/>
+              </a:rPr>
+              <a:t>.</a:t>
+            </a:r>
+            <a:r>
+              <a:rPr lang="en-US" sz="1600" dirty="0">
+                <a:latin typeface="Times New Roman" panose="02020603050405020304" pitchFamily="18" charset="0"/>
+                <a:ea typeface="Calibri" panose="020F0502020204030204" pitchFamily="34" charset="0"/>
+                <a:cs typeface="Times New Roman" panose="02020603050405020304" pitchFamily="18" charset="0"/>
+              </a:rPr>
+              <a:t>ru</a:t>
+            </a:r>
+            <a:r>
+              <a:rPr lang="ru-RU" sz="1600" dirty="0">
+                <a:latin typeface="Times New Roman" panose="02020603050405020304" pitchFamily="18" charset="0"/>
+                <a:ea typeface="Calibri" panose="020F0502020204030204" pitchFamily="34" charset="0"/>
+                <a:cs typeface="Times New Roman" panose="02020603050405020304" pitchFamily="18" charset="0"/>
+              </a:rPr>
+              <a:t>/</a:t>
+            </a:r>
+            <a:r>
+              <a:rPr lang="en-US" sz="1600" dirty="0">
+                <a:latin typeface="Times New Roman" panose="02020603050405020304" pitchFamily="18" charset="0"/>
+                <a:ea typeface="Calibri" panose="020F0502020204030204" pitchFamily="34" charset="0"/>
+                <a:cs typeface="Times New Roman" panose="02020603050405020304" pitchFamily="18" charset="0"/>
+              </a:rPr>
+              <a:t>studies</a:t>
+            </a:r>
+            <a:r>
+              <a:rPr lang="ru-RU" sz="1600" dirty="0">
+                <a:latin typeface="Times New Roman" panose="02020603050405020304" pitchFamily="18" charset="0"/>
+                <a:ea typeface="Calibri" panose="020F0502020204030204" pitchFamily="34" charset="0"/>
+                <a:cs typeface="Times New Roman" panose="02020603050405020304" pitchFamily="18" charset="0"/>
+              </a:rPr>
+              <a:t>/</a:t>
+            </a:r>
+            <a:r>
+              <a:rPr lang="en-US" sz="1600" dirty="0">
+                <a:latin typeface="Times New Roman" panose="02020603050405020304" pitchFamily="18" charset="0"/>
+                <a:ea typeface="Calibri" panose="020F0502020204030204" pitchFamily="34" charset="0"/>
+                <a:cs typeface="Times New Roman" panose="02020603050405020304" pitchFamily="18" charset="0"/>
+              </a:rPr>
+              <a:t>courses</a:t>
+            </a:r>
+            <a:r>
+              <a:rPr lang="ru-RU" sz="1600" dirty="0">
+                <a:latin typeface="Times New Roman" panose="02020603050405020304" pitchFamily="18" charset="0"/>
+                <a:ea typeface="Calibri" panose="020F0502020204030204" pitchFamily="34" charset="0"/>
+                <a:cs typeface="Times New Roman" panose="02020603050405020304" pitchFamily="18" charset="0"/>
+              </a:rPr>
+              <a:t>/648/504/</a:t>
+            </a:r>
+            <a:r>
+              <a:rPr lang="en-US" sz="1600" dirty="0">
+                <a:latin typeface="Times New Roman" panose="02020603050405020304" pitchFamily="18" charset="0"/>
+                <a:ea typeface="Calibri" panose="020F0502020204030204" pitchFamily="34" charset="0"/>
+                <a:cs typeface="Times New Roman" panose="02020603050405020304" pitchFamily="18" charset="0"/>
+              </a:rPr>
+              <a:t>info</a:t>
+            </a:r>
+            <a:r>
+              <a:rPr lang="ru-RU" sz="1600" dirty="0">
+                <a:latin typeface="Times New Roman" panose="02020603050405020304" pitchFamily="18" charset="0"/>
+                <a:ea typeface="Calibri" panose="020F0502020204030204" pitchFamily="34" charset="0"/>
+                <a:cs typeface="Times New Roman" panose="02020603050405020304" pitchFamily="18" charset="0"/>
+              </a:rPr>
+              <a:t>].</a:t>
+            </a:r>
+          </a:p>
+          <a:p>
+            <a:pPr marL="342900" lvl="0" indent="-342900">
+              <a:lnSpc>
+                <a:spcPct val="150000"/>
+              </a:lnSpc>
+              <a:spcAft>
+                <a:spcPts val="0"/>
+              </a:spcAft>
+              <a:buFont typeface="+mj-lt"/>
+              <a:buAutoNum type="arabicPeriod"/>
+            </a:pPr>
+            <a:r>
+              <a:rPr lang="ru-RU" sz="1600" i="1" dirty="0">
+                <a:latin typeface="Times New Roman" panose="02020603050405020304" pitchFamily="18" charset="0"/>
+                <a:ea typeface="Calibri" panose="020F0502020204030204" pitchFamily="34" charset="0"/>
+                <a:cs typeface="Times New Roman" panose="02020603050405020304" pitchFamily="18" charset="0"/>
+              </a:rPr>
+              <a:t>Гергель В.П., Лабутина А. А.</a:t>
+            </a:r>
+            <a:r>
+              <a:rPr lang="ru-RU" sz="1600" dirty="0">
+                <a:latin typeface="Times New Roman" panose="02020603050405020304" pitchFamily="18" charset="0"/>
+                <a:ea typeface="Calibri" panose="020F0502020204030204" pitchFamily="34" charset="0"/>
+                <a:cs typeface="Times New Roman" panose="02020603050405020304" pitchFamily="18" charset="0"/>
+              </a:rPr>
+              <a:t> Учебно-образовательный комплекс по методам программирования // Нижний Новгород: ННГУ им. Н.И. Лобачевского. – 2007.</a:t>
+            </a:r>
+            <a:endParaRPr lang="ru-RU" sz="1600" dirty="0">
+              <a:effectLst/>
+              <a:latin typeface="Times New Roman" panose="02020603050405020304" pitchFamily="18" charset="0"/>
+              <a:ea typeface="Calibri" panose="020F0502020204030204" pitchFamily="34" charset="0"/>
+              <a:cs typeface="Times New Roman" panose="02020603050405020304" pitchFamily="18" charset="0"/>
+            </a:endParaRPr>
+          </a:p>
+        </p:txBody>
+      </p:sp>
     </p:spTree>
     <p:extLst>
       <p:ext uri="{BB962C8B-B14F-4D97-AF65-F5344CB8AC3E}">
-        <p14:creationId xmlns:p14="http://schemas.microsoft.com/office/powerpoint/2010/main" val="3465242814"/>
+        <p14:creationId xmlns:p14="http://schemas.microsoft.com/office/powerpoint/2010/main" val="3002490462"/>
       </p:ext>
     </p:extLst>
   </p:cSld>
@@ -5416,1006 +5490,6 @@
       </p:sp>
       <p:sp>
         <p:nvSpPr>
-          <p:cNvPr id="5" name="Заголовок 1"/>
-          <p:cNvSpPr txBox="1">
-            <a:spLocks/>
-          </p:cNvSpPr>
-          <p:nvPr/>
-        </p:nvSpPr>
-        <p:spPr>
-          <a:xfrm>
-            <a:off x="551385" y="116632"/>
-            <a:ext cx="8568952" cy="1080120"/>
-          </a:xfrm>
-          <a:prstGeom prst="rect">
-            <a:avLst/>
-          </a:prstGeom>
-        </p:spPr>
-        <p:txBody>
-          <a:bodyPr vert="horz" lIns="91440" tIns="45720" rIns="91440" bIns="45720" rtlCol="0" anchor="ctr">
-            <a:normAutofit/>
-          </a:bodyPr>
-          <a:lstStyle>
-            <a:lvl1pPr algn="l" defTabSz="685800" rtl="0" eaLnBrk="1" latinLnBrk="0" hangingPunct="1">
-              <a:lnSpc>
-                <a:spcPct val="90000"/>
-              </a:lnSpc>
-              <a:spcBef>
-                <a:spcPct val="0"/>
-              </a:spcBef>
-              <a:buNone/>
-              <a:defRPr sz="3300" kern="1200">
-                <a:solidFill>
-                  <a:schemeClr val="tx1"/>
-                </a:solidFill>
-                <a:latin typeface="+mj-lt"/>
-                <a:ea typeface="+mj-ea"/>
-                <a:cs typeface="+mj-cs"/>
-              </a:defRPr>
-            </a:lvl1pPr>
-          </a:lstStyle>
-          <a:p>
-            <a:r>
-              <a:rPr lang="ru-RU" b="1" dirty="0" smtClean="0">
-                <a:solidFill>
-                  <a:schemeClr val="accent1"/>
-                </a:solidFill>
-              </a:rPr>
-              <a:t>Заключение</a:t>
-            </a:r>
-            <a:endParaRPr lang="ru-RU" b="1" dirty="0">
-              <a:solidFill>
-                <a:schemeClr val="accent1"/>
-              </a:solidFill>
-            </a:endParaRPr>
-          </a:p>
-        </p:txBody>
-      </p:sp>
-    </p:spTree>
-    <p:extLst>
-      <p:ext uri="{BB962C8B-B14F-4D97-AF65-F5344CB8AC3E}">
-        <p14:creationId xmlns:p14="http://schemas.microsoft.com/office/powerpoint/2010/main" val="2251323331"/>
-      </p:ext>
-    </p:extLst>
-  </p:cSld>
-  <p:clrMapOvr>
-    <a:masterClrMapping/>
-  </p:clrMapOvr>
-  <p:timing>
-    <p:tnLst>
-      <p:par>
-        <p:cTn id="1" dur="indefinite" restart="never" nodeType="tmRoot"/>
-      </p:par>
-    </p:tnLst>
-  </p:timing>
-</p:sld>
-</file>
-
-<file path=ppt/slides/slide15.xml><?xml version="1.0" encoding="utf-8"?>
-<p:sld xmlns:a="http://schemas.openxmlformats.org/drawingml/2006/main" xmlns:r="http://schemas.openxmlformats.org/officeDocument/2006/relationships" xmlns:p="http://schemas.openxmlformats.org/presentationml/2006/main">
-  <p:cSld>
-    <p:spTree>
-      <p:nvGrpSpPr>
-        <p:cNvPr id="1" name=""/>
-        <p:cNvGrpSpPr/>
-        <p:nvPr/>
-      </p:nvGrpSpPr>
-      <p:grpSpPr>
-        <a:xfrm>
-          <a:off x="0" y="0"/>
-          <a:ext cx="0" cy="0"/>
-          <a:chOff x="0" y="0"/>
-          <a:chExt cx="0" cy="0"/>
-        </a:xfrm>
-      </p:grpSpPr>
-      <p:sp>
-        <p:nvSpPr>
-          <p:cNvPr id="2" name="Дата 1"/>
-          <p:cNvSpPr>
-            <a:spLocks noGrp="1"/>
-          </p:cNvSpPr>
-          <p:nvPr>
-            <p:ph type="dt" sz="half" idx="10"/>
-          </p:nvPr>
-        </p:nvSpPr>
-        <p:spPr/>
-        <p:txBody>
-          <a:bodyPr/>
-          <a:lstStyle/>
-          <a:p>
-            <a:fld id="{1A8722FA-3154-47FD-B63A-A9C57C600D81}" type="datetime1">
-              <a:rPr lang="ru-RU" smtClean="0"/>
-              <a:t>18.05.2017</a:t>
-            </a:fld>
-            <a:endParaRPr lang="ru-RU"/>
-          </a:p>
-        </p:txBody>
-      </p:sp>
-      <p:sp>
-        <p:nvSpPr>
-          <p:cNvPr id="3" name="Номер слайда 2"/>
-          <p:cNvSpPr>
-            <a:spLocks noGrp="1"/>
-          </p:cNvSpPr>
-          <p:nvPr>
-            <p:ph type="sldNum" sz="quarter" idx="12"/>
-          </p:nvPr>
-        </p:nvSpPr>
-        <p:spPr/>
-        <p:txBody>
-          <a:bodyPr/>
-          <a:lstStyle/>
-          <a:p>
-            <a:fld id="{725C68B6-61C2-468F-89AB-4B9F7531AA68}" type="slidenum">
-              <a:rPr lang="ru-RU" smtClean="0"/>
-              <a:pPr/>
-              <a:t>15</a:t>
-            </a:fld>
-            <a:endParaRPr lang="ru-RU"/>
-          </a:p>
-        </p:txBody>
-      </p:sp>
-      <p:sp>
-        <p:nvSpPr>
-          <p:cNvPr id="5" name="Заголовок 1"/>
-          <p:cNvSpPr txBox="1">
-            <a:spLocks/>
-          </p:cNvSpPr>
-          <p:nvPr/>
-        </p:nvSpPr>
-        <p:spPr>
-          <a:xfrm>
-            <a:off x="551385" y="116632"/>
-            <a:ext cx="8568952" cy="1080120"/>
-          </a:xfrm>
-          <a:prstGeom prst="rect">
-            <a:avLst/>
-          </a:prstGeom>
-        </p:spPr>
-        <p:txBody>
-          <a:bodyPr vert="horz" lIns="91440" tIns="45720" rIns="91440" bIns="45720" rtlCol="0" anchor="ctr">
-            <a:normAutofit/>
-          </a:bodyPr>
-          <a:lstStyle>
-            <a:lvl1pPr algn="l" defTabSz="685800" rtl="0" eaLnBrk="1" latinLnBrk="0" hangingPunct="1">
-              <a:lnSpc>
-                <a:spcPct val="90000"/>
-              </a:lnSpc>
-              <a:spcBef>
-                <a:spcPct val="0"/>
-              </a:spcBef>
-              <a:buNone/>
-              <a:defRPr sz="3300" kern="1200">
-                <a:solidFill>
-                  <a:schemeClr val="tx1"/>
-                </a:solidFill>
-                <a:latin typeface="+mj-lt"/>
-                <a:ea typeface="+mj-ea"/>
-                <a:cs typeface="+mj-cs"/>
-              </a:defRPr>
-            </a:lvl1pPr>
-          </a:lstStyle>
-          <a:p>
-            <a:r>
-              <a:rPr lang="ru-RU" b="1" dirty="0" smtClean="0">
-                <a:solidFill>
-                  <a:schemeClr val="accent1"/>
-                </a:solidFill>
-              </a:rPr>
-              <a:t>Список литературы</a:t>
-            </a:r>
-            <a:endParaRPr lang="ru-RU" b="1" dirty="0">
-              <a:solidFill>
-                <a:schemeClr val="accent1"/>
-              </a:solidFill>
-            </a:endParaRPr>
-          </a:p>
-        </p:txBody>
-      </p:sp>
-      <p:sp>
-        <p:nvSpPr>
-          <p:cNvPr id="4" name="Прямоугольник 3"/>
-          <p:cNvSpPr/>
-          <p:nvPr/>
-        </p:nvSpPr>
-        <p:spPr>
-          <a:xfrm>
-            <a:off x="407368" y="1196752"/>
-            <a:ext cx="11593288" cy="4893647"/>
-          </a:xfrm>
-          <a:prstGeom prst="rect">
-            <a:avLst/>
-          </a:prstGeom>
-        </p:spPr>
-        <p:txBody>
-          <a:bodyPr wrap="square">
-            <a:spAutoFit/>
-          </a:bodyPr>
-          <a:lstStyle/>
-          <a:p>
-            <a:pPr marL="342900" lvl="0" indent="-342900">
-              <a:lnSpc>
-                <a:spcPct val="150000"/>
-              </a:lnSpc>
-              <a:spcAft>
-                <a:spcPts val="0"/>
-              </a:spcAft>
-              <a:buFont typeface="+mj-lt"/>
-              <a:buAutoNum type="arabicPeriod"/>
-            </a:pPr>
-            <a:r>
-              <a:rPr lang="ru-RU" sz="1600" i="1" dirty="0">
-                <a:latin typeface="Times New Roman" panose="02020603050405020304" pitchFamily="18" charset="0"/>
-                <a:ea typeface="Calibri" panose="020F0502020204030204" pitchFamily="34" charset="0"/>
-                <a:cs typeface="Times New Roman" panose="02020603050405020304" pitchFamily="18" charset="0"/>
-              </a:rPr>
-              <a:t>Адельсон-Вельский Г.М., Арлазаров В.Л., Битман А.Р., Донской М.В.</a:t>
-            </a:r>
-            <a:r>
-              <a:rPr lang="ru-RU" sz="1600" dirty="0">
-                <a:latin typeface="Times New Roman" panose="02020603050405020304" pitchFamily="18" charset="0"/>
-                <a:ea typeface="Calibri" panose="020F0502020204030204" pitchFamily="34" charset="0"/>
-                <a:cs typeface="Times New Roman" panose="02020603050405020304" pitchFamily="18" charset="0"/>
-              </a:rPr>
-              <a:t> Машина играет в шахматы. – М.: Наука, 1983.</a:t>
-            </a:r>
-          </a:p>
-          <a:p>
-            <a:pPr marL="342900" lvl="0" indent="-342900">
-              <a:lnSpc>
-                <a:spcPct val="150000"/>
-              </a:lnSpc>
-              <a:spcAft>
-                <a:spcPts val="0"/>
-              </a:spcAft>
-              <a:buFont typeface="+mj-lt"/>
-              <a:buAutoNum type="arabicPeriod"/>
-            </a:pPr>
-            <a:r>
-              <a:rPr lang="ru-RU" sz="1600" dirty="0" smtClean="0">
-                <a:latin typeface="Times New Roman" panose="02020603050405020304" pitchFamily="18" charset="0"/>
-                <a:ea typeface="Calibri" panose="020F0502020204030204" pitchFamily="34" charset="0"/>
-                <a:cs typeface="Times New Roman" panose="02020603050405020304" pitchFamily="18" charset="0"/>
-              </a:rPr>
-              <a:t>Русские шашки // Федерация шашек </a:t>
-            </a:r>
-            <a:r>
-              <a:rPr lang="ru-RU" sz="1600" dirty="0" err="1" smtClean="0">
-                <a:latin typeface="Times New Roman" panose="02020603050405020304" pitchFamily="18" charset="0"/>
-                <a:ea typeface="Calibri" panose="020F0502020204030204" pitchFamily="34" charset="0"/>
-                <a:cs typeface="Times New Roman" panose="02020603050405020304" pitchFamily="18" charset="0"/>
-              </a:rPr>
-              <a:t>Росии</a:t>
-            </a:r>
-            <a:r>
-              <a:rPr lang="ru-RU" sz="1600" dirty="0" smtClean="0">
-                <a:latin typeface="Times New Roman" panose="02020603050405020304" pitchFamily="18" charset="0"/>
-                <a:ea typeface="Calibri" panose="020F0502020204030204" pitchFamily="34" charset="0"/>
-                <a:cs typeface="Times New Roman" panose="02020603050405020304" pitchFamily="18" charset="0"/>
-              </a:rPr>
-              <a:t>:[</a:t>
-            </a:r>
-            <a:r>
-              <a:rPr lang="ru-RU" sz="1600" dirty="0">
-                <a:latin typeface="Times New Roman" panose="02020603050405020304" pitchFamily="18" charset="0"/>
-                <a:ea typeface="Calibri" panose="020F0502020204030204" pitchFamily="34" charset="0"/>
-                <a:cs typeface="Times New Roman" panose="02020603050405020304" pitchFamily="18" charset="0"/>
-              </a:rPr>
-              <a:t>http://shashki.ru/variations/draughts64]</a:t>
-            </a:r>
-          </a:p>
-          <a:p>
-            <a:pPr marL="342900" lvl="0" indent="-342900">
-              <a:lnSpc>
-                <a:spcPct val="150000"/>
-              </a:lnSpc>
-              <a:spcAft>
-                <a:spcPts val="0"/>
-              </a:spcAft>
-              <a:buFont typeface="+mj-lt"/>
-              <a:buAutoNum type="arabicPeriod"/>
-            </a:pPr>
-            <a:r>
-              <a:rPr lang="ru-RU" sz="1600" i="1" dirty="0">
-                <a:latin typeface="Times New Roman" panose="02020603050405020304" pitchFamily="18" charset="0"/>
-                <a:ea typeface="Calibri" panose="020F0502020204030204" pitchFamily="34" charset="0"/>
-                <a:cs typeface="Times New Roman" panose="02020603050405020304" pitchFamily="18" charset="0"/>
-              </a:rPr>
-              <a:t>Бернхардсон Э.</a:t>
-            </a:r>
-            <a:r>
-              <a:rPr lang="ru-RU" sz="1600" spc="-55" dirty="0">
-                <a:latin typeface="Times New Roman" panose="02020603050405020304" pitchFamily="18" charset="0"/>
-                <a:ea typeface="Calibri" panose="020F0502020204030204" pitchFamily="34" charset="0"/>
-                <a:cs typeface="Times New Roman" panose="02020603050405020304" pitchFamily="18" charset="0"/>
-              </a:rPr>
-              <a:t>Глубокое обучение для… шахмат: </a:t>
-            </a:r>
-            <a:r>
-              <a:rPr lang="ru-RU" sz="1600" dirty="0">
-                <a:latin typeface="Times New Roman" panose="02020603050405020304" pitchFamily="18" charset="0"/>
-                <a:ea typeface="Calibri" panose="020F0502020204030204" pitchFamily="34" charset="0"/>
-                <a:cs typeface="Times New Roman" panose="02020603050405020304" pitchFamily="18" charset="0"/>
-              </a:rPr>
-              <a:t>[</a:t>
-            </a:r>
-            <a:r>
-              <a:rPr lang="en-US" sz="1600" dirty="0">
-                <a:latin typeface="Times New Roman" panose="02020603050405020304" pitchFamily="18" charset="0"/>
-                <a:ea typeface="Calibri" panose="020F0502020204030204" pitchFamily="34" charset="0"/>
-                <a:cs typeface="Times New Roman" panose="02020603050405020304" pitchFamily="18" charset="0"/>
-              </a:rPr>
-              <a:t>http</a:t>
-            </a:r>
-            <a:r>
-              <a:rPr lang="ru-RU" sz="1600" dirty="0">
-                <a:latin typeface="Times New Roman" panose="02020603050405020304" pitchFamily="18" charset="0"/>
-                <a:ea typeface="Calibri" panose="020F0502020204030204" pitchFamily="34" charset="0"/>
-                <a:cs typeface="Times New Roman" panose="02020603050405020304" pitchFamily="18" charset="0"/>
-              </a:rPr>
-              <a:t>://</a:t>
-            </a:r>
-            <a:r>
-              <a:rPr lang="en-US" sz="1600" dirty="0">
-                <a:latin typeface="Times New Roman" panose="02020603050405020304" pitchFamily="18" charset="0"/>
-                <a:ea typeface="Calibri" panose="020F0502020204030204" pitchFamily="34" charset="0"/>
-                <a:cs typeface="Times New Roman" panose="02020603050405020304" pitchFamily="18" charset="0"/>
-              </a:rPr>
-              <a:t>datareview</a:t>
-            </a:r>
-            <a:r>
-              <a:rPr lang="ru-RU" sz="1600" dirty="0">
-                <a:latin typeface="Times New Roman" panose="02020603050405020304" pitchFamily="18" charset="0"/>
-                <a:ea typeface="Calibri" panose="020F0502020204030204" pitchFamily="34" charset="0"/>
-                <a:cs typeface="Times New Roman" panose="02020603050405020304" pitchFamily="18" charset="0"/>
-              </a:rPr>
-              <a:t>.</a:t>
-            </a:r>
-            <a:r>
-              <a:rPr lang="en-US" sz="1600" dirty="0">
-                <a:latin typeface="Times New Roman" panose="02020603050405020304" pitchFamily="18" charset="0"/>
-                <a:ea typeface="Calibri" panose="020F0502020204030204" pitchFamily="34" charset="0"/>
-                <a:cs typeface="Times New Roman" panose="02020603050405020304" pitchFamily="18" charset="0"/>
-              </a:rPr>
-              <a:t>info</a:t>
-            </a:r>
-            <a:r>
-              <a:rPr lang="ru-RU" sz="1600" dirty="0">
-                <a:latin typeface="Times New Roman" panose="02020603050405020304" pitchFamily="18" charset="0"/>
-                <a:ea typeface="Calibri" panose="020F0502020204030204" pitchFamily="34" charset="0"/>
-                <a:cs typeface="Times New Roman" panose="02020603050405020304" pitchFamily="18" charset="0"/>
-              </a:rPr>
-              <a:t>/</a:t>
-            </a:r>
-            <a:r>
-              <a:rPr lang="en-US" sz="1600" dirty="0">
-                <a:latin typeface="Times New Roman" panose="02020603050405020304" pitchFamily="18" charset="0"/>
-                <a:ea typeface="Calibri" panose="020F0502020204030204" pitchFamily="34" charset="0"/>
-                <a:cs typeface="Times New Roman" panose="02020603050405020304" pitchFamily="18" charset="0"/>
-              </a:rPr>
-              <a:t>article</a:t>
-            </a:r>
-            <a:r>
-              <a:rPr lang="ru-RU" sz="1600" dirty="0">
-                <a:latin typeface="Times New Roman" panose="02020603050405020304" pitchFamily="18" charset="0"/>
-                <a:ea typeface="Calibri" panose="020F0502020204030204" pitchFamily="34" charset="0"/>
-                <a:cs typeface="Times New Roman" panose="02020603050405020304" pitchFamily="18" charset="0"/>
-              </a:rPr>
-              <a:t>/</a:t>
-            </a:r>
-            <a:r>
-              <a:rPr lang="en-US" sz="1600" dirty="0">
-                <a:latin typeface="Times New Roman" panose="02020603050405020304" pitchFamily="18" charset="0"/>
-                <a:ea typeface="Calibri" panose="020F0502020204030204" pitchFamily="34" charset="0"/>
-                <a:cs typeface="Times New Roman" panose="02020603050405020304" pitchFamily="18" charset="0"/>
-              </a:rPr>
-              <a:t>glubokoe</a:t>
-            </a:r>
-            <a:r>
-              <a:rPr lang="ru-RU" sz="1600" dirty="0">
-                <a:latin typeface="Times New Roman" panose="02020603050405020304" pitchFamily="18" charset="0"/>
-                <a:ea typeface="Calibri" panose="020F0502020204030204" pitchFamily="34" charset="0"/>
-                <a:cs typeface="Times New Roman" panose="02020603050405020304" pitchFamily="18" charset="0"/>
-              </a:rPr>
-              <a:t>-</a:t>
-            </a:r>
-            <a:r>
-              <a:rPr lang="en-US" sz="1600" dirty="0">
-                <a:latin typeface="Times New Roman" panose="02020603050405020304" pitchFamily="18" charset="0"/>
-                <a:ea typeface="Calibri" panose="020F0502020204030204" pitchFamily="34" charset="0"/>
-                <a:cs typeface="Times New Roman" panose="02020603050405020304" pitchFamily="18" charset="0"/>
-              </a:rPr>
-              <a:t>obuchenie</a:t>
-            </a:r>
-            <a:r>
-              <a:rPr lang="ru-RU" sz="1600" dirty="0">
-                <a:latin typeface="Times New Roman" panose="02020603050405020304" pitchFamily="18" charset="0"/>
-                <a:ea typeface="Calibri" panose="020F0502020204030204" pitchFamily="34" charset="0"/>
-                <a:cs typeface="Times New Roman" panose="02020603050405020304" pitchFamily="18" charset="0"/>
-              </a:rPr>
-              <a:t>-</a:t>
-            </a:r>
-            <a:r>
-              <a:rPr lang="en-US" sz="1600" dirty="0">
-                <a:latin typeface="Times New Roman" panose="02020603050405020304" pitchFamily="18" charset="0"/>
-                <a:ea typeface="Calibri" panose="020F0502020204030204" pitchFamily="34" charset="0"/>
-                <a:cs typeface="Times New Roman" panose="02020603050405020304" pitchFamily="18" charset="0"/>
-              </a:rPr>
-              <a:t>dlya</a:t>
-            </a:r>
-            <a:r>
-              <a:rPr lang="ru-RU" sz="1600" dirty="0">
-                <a:latin typeface="Times New Roman" panose="02020603050405020304" pitchFamily="18" charset="0"/>
-                <a:ea typeface="Calibri" panose="020F0502020204030204" pitchFamily="34" charset="0"/>
-                <a:cs typeface="Times New Roman" panose="02020603050405020304" pitchFamily="18" charset="0"/>
-              </a:rPr>
-              <a:t>-</a:t>
-            </a:r>
-            <a:r>
-              <a:rPr lang="en-US" sz="1600" dirty="0">
-                <a:latin typeface="Times New Roman" panose="02020603050405020304" pitchFamily="18" charset="0"/>
-                <a:ea typeface="Calibri" panose="020F0502020204030204" pitchFamily="34" charset="0"/>
-                <a:cs typeface="Times New Roman" panose="02020603050405020304" pitchFamily="18" charset="0"/>
-              </a:rPr>
-              <a:t>shahmat</a:t>
-            </a:r>
-            <a:r>
-              <a:rPr lang="ru-RU" sz="1600" dirty="0">
-                <a:latin typeface="Times New Roman" panose="02020603050405020304" pitchFamily="18" charset="0"/>
-                <a:ea typeface="Calibri" panose="020F0502020204030204" pitchFamily="34" charset="0"/>
-                <a:cs typeface="Times New Roman" panose="02020603050405020304" pitchFamily="18" charset="0"/>
-              </a:rPr>
-              <a:t>], </a:t>
-            </a:r>
-            <a:r>
-              <a:rPr lang="ru-RU" sz="1600" cap="all" dirty="0">
-                <a:latin typeface="Times New Roman" panose="02020603050405020304" pitchFamily="18" charset="0"/>
-                <a:ea typeface="Calibri" panose="020F0502020204030204" pitchFamily="34" charset="0"/>
-                <a:cs typeface="Times New Roman" panose="02020603050405020304" pitchFamily="18" charset="0"/>
-              </a:rPr>
-              <a:t>11.02.2016.</a:t>
-            </a:r>
-            <a:endParaRPr lang="ru-RU" sz="1600" dirty="0">
-              <a:latin typeface="Times New Roman" panose="02020603050405020304" pitchFamily="18" charset="0"/>
-              <a:ea typeface="Calibri" panose="020F0502020204030204" pitchFamily="34" charset="0"/>
-              <a:cs typeface="Times New Roman" panose="02020603050405020304" pitchFamily="18" charset="0"/>
-            </a:endParaRPr>
-          </a:p>
-          <a:p>
-            <a:pPr marL="342900" lvl="0" indent="-342900">
-              <a:lnSpc>
-                <a:spcPct val="150000"/>
-              </a:lnSpc>
-              <a:spcAft>
-                <a:spcPts val="0"/>
-              </a:spcAft>
-              <a:buFont typeface="+mj-lt"/>
-              <a:buAutoNum type="arabicPeriod"/>
-            </a:pPr>
-            <a:r>
-              <a:rPr lang="en-US" sz="1600" i="1" dirty="0">
-                <a:latin typeface="Times New Roman" panose="02020603050405020304" pitchFamily="18" charset="0"/>
-                <a:ea typeface="Calibri" panose="020F0502020204030204" pitchFamily="34" charset="0"/>
-                <a:cs typeface="Times New Roman" panose="02020603050405020304" pitchFamily="18" charset="0"/>
-              </a:rPr>
-              <a:t>Schaeffer J., Burch N., Björnsson Y., Kishimoto A., Müller M., Lake R., Lu P., Sutphen S. </a:t>
-            </a:r>
-            <a:r>
-              <a:rPr lang="en-US" sz="1600" dirty="0">
-                <a:latin typeface="Times New Roman" panose="02020603050405020304" pitchFamily="18" charset="0"/>
-                <a:ea typeface="Calibri" panose="020F0502020204030204" pitchFamily="34" charset="0"/>
-                <a:cs typeface="Times New Roman" panose="02020603050405020304" pitchFamily="18" charset="0"/>
-              </a:rPr>
-              <a:t>Checkers Is Solved //American Association for the Advancement of Science, 1200 New York Avenue NW, Washington, DC 2005.</a:t>
-            </a:r>
-            <a:endParaRPr lang="ru-RU" sz="1600" dirty="0">
-              <a:latin typeface="Times New Roman" panose="02020603050405020304" pitchFamily="18" charset="0"/>
-              <a:ea typeface="Calibri" panose="020F0502020204030204" pitchFamily="34" charset="0"/>
-              <a:cs typeface="Times New Roman" panose="02020603050405020304" pitchFamily="18" charset="0"/>
-            </a:endParaRPr>
-          </a:p>
-          <a:p>
-            <a:pPr marL="342900" lvl="0" indent="-342900">
-              <a:lnSpc>
-                <a:spcPct val="150000"/>
-              </a:lnSpc>
-              <a:spcAft>
-                <a:spcPts val="0"/>
-              </a:spcAft>
-              <a:buFont typeface="+mj-lt"/>
-              <a:buAutoNum type="arabicPeriod"/>
-            </a:pPr>
-            <a:r>
-              <a:rPr lang="ru-RU" sz="1600" i="1" dirty="0">
-                <a:latin typeface="Times New Roman" panose="02020603050405020304" pitchFamily="18" charset="0"/>
-                <a:ea typeface="Calibri" panose="020F0502020204030204" pitchFamily="34" charset="0"/>
-                <a:cs typeface="Times New Roman" panose="02020603050405020304" pitchFamily="18" charset="0"/>
-              </a:rPr>
-              <a:t>Корнилов Е.Н.</a:t>
-            </a:r>
-            <a:r>
-              <a:rPr lang="ru-RU" sz="1600" dirty="0">
-                <a:latin typeface="Times New Roman" panose="02020603050405020304" pitchFamily="18" charset="0"/>
-                <a:ea typeface="Calibri" panose="020F0502020204030204" pitchFamily="34" charset="0"/>
-                <a:cs typeface="Times New Roman" panose="02020603050405020304" pitchFamily="18" charset="0"/>
-              </a:rPr>
-              <a:t> Программирование шахмат и других логических задач.– </a:t>
-            </a:r>
-            <a:r>
-              <a:rPr lang="ru-RU" sz="1600" dirty="0" err="1">
-                <a:latin typeface="Times New Roman" panose="02020603050405020304" pitchFamily="18" charset="0"/>
-                <a:ea typeface="Calibri" panose="020F0502020204030204" pitchFamily="34" charset="0"/>
-                <a:cs typeface="Times New Roman" panose="02020603050405020304" pitchFamily="18" charset="0"/>
-              </a:rPr>
-              <a:t>СПб.:</a:t>
-            </a:r>
-            <a:r>
-              <a:rPr lang="ru-RU" sz="1600" dirty="0" err="1">
-                <a:solidFill>
-                  <a:srgbClr val="000000"/>
-                </a:solidFill>
-                <a:latin typeface="Times New Roman" panose="02020603050405020304" pitchFamily="18" charset="0"/>
-                <a:ea typeface="Calibri" panose="020F0502020204030204" pitchFamily="34" charset="0"/>
-                <a:cs typeface="Times New Roman" panose="02020603050405020304" pitchFamily="18" charset="0"/>
-              </a:rPr>
-              <a:t>БХВ-Петербург</a:t>
-            </a:r>
-            <a:r>
-              <a:rPr lang="ru-RU" sz="1600" dirty="0">
-                <a:solidFill>
-                  <a:srgbClr val="000000"/>
-                </a:solidFill>
-                <a:latin typeface="Times New Roman" panose="02020603050405020304" pitchFamily="18" charset="0"/>
-                <a:ea typeface="Calibri" panose="020F0502020204030204" pitchFamily="34" charset="0"/>
-                <a:cs typeface="Times New Roman" panose="02020603050405020304" pitchFamily="18" charset="0"/>
-              </a:rPr>
-              <a:t>, 2005.</a:t>
-            </a:r>
-            <a:endParaRPr lang="ru-RU" sz="1600" dirty="0">
-              <a:latin typeface="Times New Roman" panose="02020603050405020304" pitchFamily="18" charset="0"/>
-              <a:ea typeface="Calibri" panose="020F0502020204030204" pitchFamily="34" charset="0"/>
-              <a:cs typeface="Times New Roman" panose="02020603050405020304" pitchFamily="18" charset="0"/>
-            </a:endParaRPr>
-          </a:p>
-          <a:p>
-            <a:pPr marL="342900" lvl="0" indent="-342900">
-              <a:lnSpc>
-                <a:spcPct val="150000"/>
-              </a:lnSpc>
-              <a:spcAft>
-                <a:spcPts val="0"/>
-              </a:spcAft>
-              <a:buFont typeface="+mj-lt"/>
-              <a:buAutoNum type="arabicPeriod"/>
-            </a:pPr>
-            <a:r>
-              <a:rPr lang="ru-RU" sz="1600" i="1" dirty="0">
-                <a:latin typeface="Times New Roman" panose="02020603050405020304" pitchFamily="18" charset="0"/>
-                <a:ea typeface="Calibri" panose="020F0502020204030204" pitchFamily="34" charset="0"/>
-                <a:cs typeface="Times New Roman" panose="02020603050405020304" pitchFamily="18" charset="0"/>
-              </a:rPr>
-              <a:t>Фримен Э., Фримен Э.</a:t>
-            </a:r>
-            <a:r>
-              <a:rPr lang="ru-RU" sz="1600" dirty="0">
-                <a:latin typeface="Times New Roman" panose="02020603050405020304" pitchFamily="18" charset="0"/>
-                <a:ea typeface="Calibri" panose="020F0502020204030204" pitchFamily="34" charset="0"/>
-                <a:cs typeface="Times New Roman" panose="02020603050405020304" pitchFamily="18" charset="0"/>
-              </a:rPr>
-              <a:t> Паттерны проектирования. – СПб.: Питер, 2011.</a:t>
-            </a:r>
-          </a:p>
-          <a:p>
-            <a:pPr marL="342900" lvl="0" indent="-342900">
-              <a:lnSpc>
-                <a:spcPct val="150000"/>
-              </a:lnSpc>
-              <a:spcAft>
-                <a:spcPts val="0"/>
-              </a:spcAft>
-              <a:buFont typeface="+mj-lt"/>
-              <a:buAutoNum type="arabicPeriod"/>
-            </a:pPr>
-            <a:r>
-              <a:rPr lang="en-US" sz="1600" dirty="0">
-                <a:solidFill>
-                  <a:srgbClr val="222222"/>
-                </a:solidFill>
-                <a:latin typeface="Times New Roman" panose="02020603050405020304" pitchFamily="18" charset="0"/>
-                <a:ea typeface="Calibri" panose="020F0502020204030204" pitchFamily="34" charset="0"/>
-                <a:cs typeface="Times New Roman" panose="02020603050405020304" pitchFamily="18" charset="0"/>
-              </a:rPr>
-              <a:t>I</a:t>
-            </a:r>
-            <a:r>
-              <a:rPr lang="ru-RU" sz="1600" dirty="0">
-                <a:solidFill>
-                  <a:srgbClr val="222222"/>
-                </a:solidFill>
-                <a:latin typeface="Times New Roman" panose="02020603050405020304" pitchFamily="18" charset="0"/>
-                <a:ea typeface="Calibri" panose="020F0502020204030204" pitchFamily="34" charset="0"/>
-                <a:cs typeface="Times New Roman" panose="02020603050405020304" pitchFamily="18" charset="0"/>
-              </a:rPr>
-              <a:t> чемпионат мира по русским шашкам среди компьютерных программ: [</a:t>
-            </a:r>
-            <a:r>
-              <a:rPr lang="en-US" sz="1600" dirty="0">
-                <a:solidFill>
-                  <a:srgbClr val="222222"/>
-                </a:solidFill>
-                <a:latin typeface="Times New Roman" panose="02020603050405020304" pitchFamily="18" charset="0"/>
-                <a:ea typeface="Calibri" panose="020F0502020204030204" pitchFamily="34" charset="0"/>
-                <a:cs typeface="Times New Roman" panose="02020603050405020304" pitchFamily="18" charset="0"/>
-              </a:rPr>
-              <a:t>https</a:t>
-            </a:r>
-            <a:r>
-              <a:rPr lang="ru-RU" sz="1600" dirty="0">
-                <a:solidFill>
-                  <a:srgbClr val="222222"/>
-                </a:solidFill>
-                <a:latin typeface="Times New Roman" panose="02020603050405020304" pitchFamily="18" charset="0"/>
-                <a:ea typeface="Calibri" panose="020F0502020204030204" pitchFamily="34" charset="0"/>
-                <a:cs typeface="Times New Roman" panose="02020603050405020304" pitchFamily="18" charset="0"/>
-              </a:rPr>
-              <a:t>://</a:t>
-            </a:r>
-            <a:r>
-              <a:rPr lang="en-US" sz="1600" dirty="0">
-                <a:solidFill>
-                  <a:srgbClr val="222222"/>
-                </a:solidFill>
-                <a:latin typeface="Times New Roman" panose="02020603050405020304" pitchFamily="18" charset="0"/>
-                <a:ea typeface="Calibri" panose="020F0502020204030204" pitchFamily="34" charset="0"/>
-                <a:cs typeface="Times New Roman" panose="02020603050405020304" pitchFamily="18" charset="0"/>
-              </a:rPr>
-              <a:t>ru</a:t>
-            </a:r>
-            <a:r>
-              <a:rPr lang="ru-RU" sz="1600" dirty="0">
-                <a:solidFill>
-                  <a:srgbClr val="222222"/>
-                </a:solidFill>
-                <a:latin typeface="Times New Roman" panose="02020603050405020304" pitchFamily="18" charset="0"/>
-                <a:ea typeface="Calibri" panose="020F0502020204030204" pitchFamily="34" charset="0"/>
-                <a:cs typeface="Times New Roman" panose="02020603050405020304" pitchFamily="18" charset="0"/>
-              </a:rPr>
-              <a:t>.</a:t>
-            </a:r>
-            <a:r>
-              <a:rPr lang="en-US" sz="1600" dirty="0">
-                <a:solidFill>
-                  <a:srgbClr val="222222"/>
-                </a:solidFill>
-                <a:latin typeface="Times New Roman" panose="02020603050405020304" pitchFamily="18" charset="0"/>
-                <a:ea typeface="Calibri" panose="020F0502020204030204" pitchFamily="34" charset="0"/>
-                <a:cs typeface="Times New Roman" panose="02020603050405020304" pitchFamily="18" charset="0"/>
-              </a:rPr>
-              <a:t>wikipedia</a:t>
-            </a:r>
-            <a:r>
-              <a:rPr lang="ru-RU" sz="1600" dirty="0">
-                <a:solidFill>
-                  <a:srgbClr val="222222"/>
-                </a:solidFill>
-                <a:latin typeface="Times New Roman" panose="02020603050405020304" pitchFamily="18" charset="0"/>
-                <a:ea typeface="Calibri" panose="020F0502020204030204" pitchFamily="34" charset="0"/>
-                <a:cs typeface="Times New Roman" panose="02020603050405020304" pitchFamily="18" charset="0"/>
-              </a:rPr>
-              <a:t>.</a:t>
-            </a:r>
-            <a:r>
-              <a:rPr lang="en-US" sz="1600" dirty="0">
-                <a:solidFill>
-                  <a:srgbClr val="222222"/>
-                </a:solidFill>
-                <a:latin typeface="Times New Roman" panose="02020603050405020304" pitchFamily="18" charset="0"/>
-                <a:ea typeface="Calibri" panose="020F0502020204030204" pitchFamily="34" charset="0"/>
-                <a:cs typeface="Times New Roman" panose="02020603050405020304" pitchFamily="18" charset="0"/>
-              </a:rPr>
-              <a:t>org</a:t>
-            </a:r>
-            <a:r>
-              <a:rPr lang="ru-RU" sz="1600" dirty="0">
-                <a:solidFill>
-                  <a:srgbClr val="222222"/>
-                </a:solidFill>
-                <a:latin typeface="Times New Roman" panose="02020603050405020304" pitchFamily="18" charset="0"/>
-                <a:ea typeface="Calibri" panose="020F0502020204030204" pitchFamily="34" charset="0"/>
-                <a:cs typeface="Times New Roman" panose="02020603050405020304" pitchFamily="18" charset="0"/>
-              </a:rPr>
-              <a:t>/</a:t>
-            </a:r>
-            <a:r>
-              <a:rPr lang="en-US" sz="1600" dirty="0">
-                <a:solidFill>
-                  <a:srgbClr val="222222"/>
-                </a:solidFill>
-                <a:latin typeface="Times New Roman" panose="02020603050405020304" pitchFamily="18" charset="0"/>
-                <a:ea typeface="Calibri" panose="020F0502020204030204" pitchFamily="34" charset="0"/>
-                <a:cs typeface="Times New Roman" panose="02020603050405020304" pitchFamily="18" charset="0"/>
-              </a:rPr>
-              <a:t>wiki</a:t>
-            </a:r>
-            <a:r>
-              <a:rPr lang="ru-RU" sz="1600" dirty="0">
-                <a:solidFill>
-                  <a:srgbClr val="222222"/>
-                </a:solidFill>
-                <a:latin typeface="Times New Roman" panose="02020603050405020304" pitchFamily="18" charset="0"/>
-                <a:ea typeface="Calibri" panose="020F0502020204030204" pitchFamily="34" charset="0"/>
-                <a:cs typeface="Times New Roman" panose="02020603050405020304" pitchFamily="18" charset="0"/>
-              </a:rPr>
-              <a:t>/Чемпионат_мира_по_русским_шашкам_среди_компьютерных_программ_2008].</a:t>
-            </a:r>
-            <a:endParaRPr lang="ru-RU" sz="1600" dirty="0">
-              <a:latin typeface="Times New Roman" panose="02020603050405020304" pitchFamily="18" charset="0"/>
-              <a:ea typeface="Calibri" panose="020F0502020204030204" pitchFamily="34" charset="0"/>
-              <a:cs typeface="Times New Roman" panose="02020603050405020304" pitchFamily="18" charset="0"/>
-            </a:endParaRPr>
-          </a:p>
-          <a:p>
-            <a:pPr marL="342900" lvl="0" indent="-342900">
-              <a:lnSpc>
-                <a:spcPct val="150000"/>
-              </a:lnSpc>
-              <a:spcAft>
-                <a:spcPts val="0"/>
-              </a:spcAft>
-              <a:buFont typeface="+mj-lt"/>
-              <a:buAutoNum type="arabicPeriod"/>
-            </a:pPr>
-            <a:r>
-              <a:rPr lang="ru-RU" sz="1600" i="1" dirty="0">
-                <a:latin typeface="Times New Roman" panose="02020603050405020304" pitchFamily="18" charset="0"/>
-                <a:ea typeface="Calibri" panose="020F0502020204030204" pitchFamily="34" charset="0"/>
-                <a:cs typeface="Times New Roman" panose="02020603050405020304" pitchFamily="18" charset="0"/>
-              </a:rPr>
-              <a:t>Ваныкина Г., Сундукова Т. </a:t>
-            </a:r>
-            <a:r>
-              <a:rPr lang="ru-RU" sz="1600" dirty="0" smtClean="0">
-                <a:latin typeface="Times New Roman" panose="02020603050405020304" pitchFamily="18" charset="0"/>
-                <a:ea typeface="Calibri" panose="020F0502020204030204" pitchFamily="34" charset="0"/>
-                <a:cs typeface="Times New Roman" panose="02020603050405020304" pitchFamily="18" charset="0"/>
-              </a:rPr>
-              <a:t>Структуры и алгоритмы компьютерной обработки данных: [</a:t>
-            </a:r>
-            <a:r>
-              <a:rPr lang="en-US" sz="1600" dirty="0">
-                <a:latin typeface="Times New Roman" panose="02020603050405020304" pitchFamily="18" charset="0"/>
-                <a:ea typeface="Calibri" panose="020F0502020204030204" pitchFamily="34" charset="0"/>
-                <a:cs typeface="Times New Roman" panose="02020603050405020304" pitchFamily="18" charset="0"/>
-              </a:rPr>
-              <a:t>http</a:t>
-            </a:r>
-            <a:r>
-              <a:rPr lang="ru-RU" sz="1600" dirty="0">
-                <a:latin typeface="Times New Roman" panose="02020603050405020304" pitchFamily="18" charset="0"/>
-                <a:ea typeface="Calibri" panose="020F0502020204030204" pitchFamily="34" charset="0"/>
-                <a:cs typeface="Times New Roman" panose="02020603050405020304" pitchFamily="18" charset="0"/>
-              </a:rPr>
-              <a:t>://</a:t>
-            </a:r>
-            <a:r>
-              <a:rPr lang="en-US" sz="1600" dirty="0">
-                <a:latin typeface="Times New Roman" panose="02020603050405020304" pitchFamily="18" charset="0"/>
-                <a:ea typeface="Calibri" panose="020F0502020204030204" pitchFamily="34" charset="0"/>
-                <a:cs typeface="Times New Roman" panose="02020603050405020304" pitchFamily="18" charset="0"/>
-              </a:rPr>
-              <a:t>www</a:t>
-            </a:r>
-            <a:r>
-              <a:rPr lang="ru-RU" sz="1600" dirty="0">
-                <a:latin typeface="Times New Roman" panose="02020603050405020304" pitchFamily="18" charset="0"/>
-                <a:ea typeface="Calibri" panose="020F0502020204030204" pitchFamily="34" charset="0"/>
-                <a:cs typeface="Times New Roman" panose="02020603050405020304" pitchFamily="18" charset="0"/>
-              </a:rPr>
-              <a:t>.</a:t>
-            </a:r>
-            <a:r>
-              <a:rPr lang="en-US" sz="1600" dirty="0">
-                <a:latin typeface="Times New Roman" panose="02020603050405020304" pitchFamily="18" charset="0"/>
-                <a:ea typeface="Calibri" panose="020F0502020204030204" pitchFamily="34" charset="0"/>
-                <a:cs typeface="Times New Roman" panose="02020603050405020304" pitchFamily="18" charset="0"/>
-              </a:rPr>
-              <a:t>intuit</a:t>
-            </a:r>
-            <a:r>
-              <a:rPr lang="ru-RU" sz="1600" dirty="0">
-                <a:latin typeface="Times New Roman" panose="02020603050405020304" pitchFamily="18" charset="0"/>
-                <a:ea typeface="Calibri" panose="020F0502020204030204" pitchFamily="34" charset="0"/>
-                <a:cs typeface="Times New Roman" panose="02020603050405020304" pitchFamily="18" charset="0"/>
-              </a:rPr>
-              <a:t>.</a:t>
-            </a:r>
-            <a:r>
-              <a:rPr lang="en-US" sz="1600" dirty="0">
-                <a:latin typeface="Times New Roman" panose="02020603050405020304" pitchFamily="18" charset="0"/>
-                <a:ea typeface="Calibri" panose="020F0502020204030204" pitchFamily="34" charset="0"/>
-                <a:cs typeface="Times New Roman" panose="02020603050405020304" pitchFamily="18" charset="0"/>
-              </a:rPr>
-              <a:t>ru</a:t>
-            </a:r>
-            <a:r>
-              <a:rPr lang="ru-RU" sz="1600" dirty="0">
-                <a:latin typeface="Times New Roman" panose="02020603050405020304" pitchFamily="18" charset="0"/>
-                <a:ea typeface="Calibri" panose="020F0502020204030204" pitchFamily="34" charset="0"/>
-                <a:cs typeface="Times New Roman" panose="02020603050405020304" pitchFamily="18" charset="0"/>
-              </a:rPr>
-              <a:t>/</a:t>
-            </a:r>
-            <a:r>
-              <a:rPr lang="en-US" sz="1600" dirty="0">
-                <a:latin typeface="Times New Roman" panose="02020603050405020304" pitchFamily="18" charset="0"/>
-                <a:ea typeface="Calibri" panose="020F0502020204030204" pitchFamily="34" charset="0"/>
-                <a:cs typeface="Times New Roman" panose="02020603050405020304" pitchFamily="18" charset="0"/>
-              </a:rPr>
-              <a:t>studies</a:t>
-            </a:r>
-            <a:r>
-              <a:rPr lang="ru-RU" sz="1600" dirty="0">
-                <a:latin typeface="Times New Roman" panose="02020603050405020304" pitchFamily="18" charset="0"/>
-                <a:ea typeface="Calibri" panose="020F0502020204030204" pitchFamily="34" charset="0"/>
-                <a:cs typeface="Times New Roman" panose="02020603050405020304" pitchFamily="18" charset="0"/>
-              </a:rPr>
-              <a:t>/</a:t>
-            </a:r>
-            <a:r>
-              <a:rPr lang="en-US" sz="1600" dirty="0">
-                <a:latin typeface="Times New Roman" panose="02020603050405020304" pitchFamily="18" charset="0"/>
-                <a:ea typeface="Calibri" panose="020F0502020204030204" pitchFamily="34" charset="0"/>
-                <a:cs typeface="Times New Roman" panose="02020603050405020304" pitchFamily="18" charset="0"/>
-              </a:rPr>
-              <a:t>courses</a:t>
-            </a:r>
-            <a:r>
-              <a:rPr lang="ru-RU" sz="1600" dirty="0">
-                <a:latin typeface="Times New Roman" panose="02020603050405020304" pitchFamily="18" charset="0"/>
-                <a:ea typeface="Calibri" panose="020F0502020204030204" pitchFamily="34" charset="0"/>
-                <a:cs typeface="Times New Roman" panose="02020603050405020304" pitchFamily="18" charset="0"/>
-              </a:rPr>
-              <a:t>/648/504/</a:t>
-            </a:r>
-            <a:r>
-              <a:rPr lang="en-US" sz="1600" dirty="0">
-                <a:latin typeface="Times New Roman" panose="02020603050405020304" pitchFamily="18" charset="0"/>
-                <a:ea typeface="Calibri" panose="020F0502020204030204" pitchFamily="34" charset="0"/>
-                <a:cs typeface="Times New Roman" panose="02020603050405020304" pitchFamily="18" charset="0"/>
-              </a:rPr>
-              <a:t>info</a:t>
-            </a:r>
-            <a:r>
-              <a:rPr lang="ru-RU" sz="1600" dirty="0">
-                <a:latin typeface="Times New Roman" panose="02020603050405020304" pitchFamily="18" charset="0"/>
-                <a:ea typeface="Calibri" panose="020F0502020204030204" pitchFamily="34" charset="0"/>
-                <a:cs typeface="Times New Roman" panose="02020603050405020304" pitchFamily="18" charset="0"/>
-              </a:rPr>
-              <a:t>].</a:t>
-            </a:r>
-          </a:p>
-          <a:p>
-            <a:pPr marL="342900" lvl="0" indent="-342900">
-              <a:lnSpc>
-                <a:spcPct val="150000"/>
-              </a:lnSpc>
-              <a:spcAft>
-                <a:spcPts val="0"/>
-              </a:spcAft>
-              <a:buFont typeface="+mj-lt"/>
-              <a:buAutoNum type="arabicPeriod"/>
-            </a:pPr>
-            <a:r>
-              <a:rPr lang="ru-RU" sz="1600" i="1" dirty="0">
-                <a:latin typeface="Times New Roman" panose="02020603050405020304" pitchFamily="18" charset="0"/>
-                <a:ea typeface="Calibri" panose="020F0502020204030204" pitchFamily="34" charset="0"/>
-                <a:cs typeface="Times New Roman" panose="02020603050405020304" pitchFamily="18" charset="0"/>
-              </a:rPr>
-              <a:t>Гергель В.П., Лабутина А. А.</a:t>
-            </a:r>
-            <a:r>
-              <a:rPr lang="ru-RU" sz="1600" dirty="0">
-                <a:latin typeface="Times New Roman" panose="02020603050405020304" pitchFamily="18" charset="0"/>
-                <a:ea typeface="Calibri" panose="020F0502020204030204" pitchFamily="34" charset="0"/>
-                <a:cs typeface="Times New Roman" panose="02020603050405020304" pitchFamily="18" charset="0"/>
-              </a:rPr>
-              <a:t> Учебно-образовательный комплекс по методам программирования // Нижний Новгород: ННГУ им. Н.И. Лобачевского. – 2007.</a:t>
-            </a:r>
-            <a:endParaRPr lang="ru-RU" sz="1600" dirty="0">
-              <a:effectLst/>
-              <a:latin typeface="Times New Roman" panose="02020603050405020304" pitchFamily="18" charset="0"/>
-              <a:ea typeface="Calibri" panose="020F0502020204030204" pitchFamily="34" charset="0"/>
-              <a:cs typeface="Times New Roman" panose="02020603050405020304" pitchFamily="18" charset="0"/>
-            </a:endParaRPr>
-          </a:p>
-        </p:txBody>
-      </p:sp>
-    </p:spTree>
-    <p:extLst>
-      <p:ext uri="{BB962C8B-B14F-4D97-AF65-F5344CB8AC3E}">
-        <p14:creationId xmlns:p14="http://schemas.microsoft.com/office/powerpoint/2010/main" val="3002490462"/>
-      </p:ext>
-    </p:extLst>
-  </p:cSld>
-  <p:clrMapOvr>
-    <a:masterClrMapping/>
-  </p:clrMapOvr>
-  <p:timing>
-    <p:tnLst>
-      <p:par>
-        <p:cTn id="1" dur="indefinite" restart="never" nodeType="tmRoot"/>
-      </p:par>
-    </p:tnLst>
-  </p:timing>
-</p:sld>
-</file>
-
-<file path=ppt/slides/slide16.xml><?xml version="1.0" encoding="utf-8"?>
-<p:sld xmlns:a="http://schemas.openxmlformats.org/drawingml/2006/main" xmlns:r="http://schemas.openxmlformats.org/officeDocument/2006/relationships" xmlns:p="http://schemas.openxmlformats.org/presentationml/2006/main">
-  <p:cSld>
-    <p:spTree>
-      <p:nvGrpSpPr>
-        <p:cNvPr id="1" name=""/>
-        <p:cNvGrpSpPr/>
-        <p:nvPr/>
-      </p:nvGrpSpPr>
-      <p:grpSpPr>
-        <a:xfrm>
-          <a:off x="0" y="0"/>
-          <a:ext cx="0" cy="0"/>
-          <a:chOff x="0" y="0"/>
-          <a:chExt cx="0" cy="0"/>
-        </a:xfrm>
-      </p:grpSpPr>
-      <p:sp>
-        <p:nvSpPr>
-          <p:cNvPr id="2" name="Дата 1"/>
-          <p:cNvSpPr>
-            <a:spLocks noGrp="1"/>
-          </p:cNvSpPr>
-          <p:nvPr>
-            <p:ph type="dt" sz="half" idx="10"/>
-          </p:nvPr>
-        </p:nvSpPr>
-        <p:spPr/>
-        <p:txBody>
-          <a:bodyPr/>
-          <a:lstStyle/>
-          <a:p>
-            <a:fld id="{1A8722FA-3154-47FD-B63A-A9C57C600D81}" type="datetime1">
-              <a:rPr lang="ru-RU" smtClean="0"/>
-              <a:t>18.05.2017</a:t>
-            </a:fld>
-            <a:endParaRPr lang="ru-RU"/>
-          </a:p>
-        </p:txBody>
-      </p:sp>
-      <p:sp>
-        <p:nvSpPr>
-          <p:cNvPr id="3" name="Номер слайда 2"/>
-          <p:cNvSpPr>
-            <a:spLocks noGrp="1"/>
-          </p:cNvSpPr>
-          <p:nvPr>
-            <p:ph type="sldNum" sz="quarter" idx="12"/>
-          </p:nvPr>
-        </p:nvSpPr>
-        <p:spPr/>
-        <p:txBody>
-          <a:bodyPr/>
-          <a:lstStyle/>
-          <a:p>
-            <a:fld id="{725C68B6-61C2-468F-89AB-4B9F7531AA68}" type="slidenum">
-              <a:rPr lang="ru-RU" smtClean="0"/>
-              <a:pPr/>
-              <a:t>16</a:t>
-            </a:fld>
-            <a:endParaRPr lang="ru-RU"/>
-          </a:p>
-        </p:txBody>
-      </p:sp>
-      <p:sp>
-        <p:nvSpPr>
           <p:cNvPr id="4" name="Прямоугольник 3"/>
           <p:cNvSpPr/>
           <p:nvPr/>
@@ -6501,7 +5575,1444 @@
 </p:sld>
 </file>
 
-<file path=ppt/slides/slide17.xml><?xml version="1.0" encoding="utf-8"?>
+<file path=ppt/slides/slide15.xml><?xml version="1.0" encoding="utf-8"?>
+<p:sld xmlns:a="http://schemas.openxmlformats.org/drawingml/2006/main" xmlns:r="http://schemas.openxmlformats.org/officeDocument/2006/relationships" xmlns:p="http://schemas.openxmlformats.org/presentationml/2006/main">
+  <p:cSld>
+    <p:spTree>
+      <p:nvGrpSpPr>
+        <p:cNvPr id="1" name=""/>
+        <p:cNvGrpSpPr/>
+        <p:nvPr/>
+      </p:nvGrpSpPr>
+      <p:grpSpPr>
+        <a:xfrm>
+          <a:off x="0" y="0"/>
+          <a:ext cx="0" cy="0"/>
+          <a:chOff x="0" y="0"/>
+          <a:chExt cx="0" cy="0"/>
+        </a:xfrm>
+      </p:grpSpPr>
+      <p:sp>
+        <p:nvSpPr>
+          <p:cNvPr id="2" name="Заголовок 1"/>
+          <p:cNvSpPr>
+            <a:spLocks noGrp="1"/>
+          </p:cNvSpPr>
+          <p:nvPr>
+            <p:ph type="title"/>
+          </p:nvPr>
+        </p:nvSpPr>
+        <p:spPr>
+          <a:xfrm>
+            <a:off x="551385" y="116632"/>
+            <a:ext cx="8568952" cy="1080120"/>
+          </a:xfrm>
+        </p:spPr>
+        <p:txBody>
+          <a:bodyPr>
+            <a:normAutofit/>
+          </a:bodyPr>
+          <a:lstStyle/>
+          <a:p>
+            <a:r>
+              <a:rPr lang="ru-RU" b="1" dirty="0" smtClean="0">
+                <a:solidFill>
+                  <a:schemeClr val="accent1"/>
+                </a:solidFill>
+              </a:rPr>
+              <a:t>Алгоритм полного </a:t>
+            </a:r>
+            <a:r>
+              <a:rPr lang="ru-RU" b="1" dirty="0">
+                <a:solidFill>
+                  <a:schemeClr val="accent1"/>
+                </a:solidFill>
+              </a:rPr>
+              <a:t>перебора</a:t>
+            </a:r>
+          </a:p>
+        </p:txBody>
+      </p:sp>
+      <p:sp>
+        <p:nvSpPr>
+          <p:cNvPr id="4" name="Дата 3"/>
+          <p:cNvSpPr>
+            <a:spLocks noGrp="1"/>
+          </p:cNvSpPr>
+          <p:nvPr>
+            <p:ph type="dt" sz="half" idx="10"/>
+          </p:nvPr>
+        </p:nvSpPr>
+        <p:spPr/>
+        <p:txBody>
+          <a:bodyPr/>
+          <a:lstStyle/>
+          <a:p>
+            <a:fld id="{E71CF102-42F8-44AC-95EB-A2F15B851FDA}" type="datetime1">
+              <a:rPr lang="ru-RU" sz="1400" smtClean="0"/>
+              <a:t>18.05.2017</a:t>
+            </a:fld>
+            <a:endParaRPr lang="ru-RU" sz="1400" dirty="0"/>
+          </a:p>
+        </p:txBody>
+      </p:sp>
+      <p:sp>
+        <p:nvSpPr>
+          <p:cNvPr id="6" name="Номер слайда 5"/>
+          <p:cNvSpPr>
+            <a:spLocks noGrp="1"/>
+          </p:cNvSpPr>
+          <p:nvPr>
+            <p:ph type="sldNum" sz="quarter" idx="12"/>
+          </p:nvPr>
+        </p:nvSpPr>
+        <p:spPr/>
+        <p:txBody>
+          <a:bodyPr/>
+          <a:lstStyle/>
+          <a:p>
+            <a:fld id="{725C68B6-61C2-468F-89AB-4B9F7531AA68}" type="slidenum">
+              <a:rPr lang="ru-RU" sz="1400"/>
+              <a:pPr/>
+              <a:t>15</a:t>
+            </a:fld>
+            <a:endParaRPr lang="ru-RU" sz="1400" dirty="0"/>
+          </a:p>
+        </p:txBody>
+      </p:sp>
+      <p:pic>
+        <p:nvPicPr>
+          <p:cNvPr id="85" name="Picture 3"/>
+          <p:cNvPicPr>
+            <a:picLocks noChangeAspect="1" noChangeArrowheads="1"/>
+          </p:cNvPicPr>
+          <p:nvPr/>
+        </p:nvPicPr>
+        <p:blipFill>
+          <a:blip r:embed="rId3">
+            <a:extLst>
+              <a:ext uri="{28A0092B-C50C-407E-A947-70E740481C1C}">
+                <a14:useLocalDpi xmlns:a14="http://schemas.microsoft.com/office/drawing/2010/main" val="0"/>
+              </a:ext>
+            </a:extLst>
+          </a:blip>
+          <a:srcRect/>
+          <a:stretch>
+            <a:fillRect/>
+          </a:stretch>
+        </p:blipFill>
+        <p:spPr bwMode="auto">
+          <a:xfrm>
+            <a:off x="9480376" y="340658"/>
+            <a:ext cx="2254374" cy="632067"/>
+          </a:xfrm>
+          <a:prstGeom prst="rect">
+            <a:avLst/>
+          </a:prstGeom>
+          <a:noFill/>
+          <a:ln>
+            <a:noFill/>
+          </a:ln>
+          <a:effectLst/>
+          <a:extLst>
+            <a:ext uri="{909E8E84-426E-40DD-AFC4-6F175D3DCCD1}">
+              <a14:hiddenFill xmlns:a14="http://schemas.microsoft.com/office/drawing/2010/main">
+                <a:blipFill dpi="0" rotWithShape="0">
+                  <a:blip/>
+                  <a:srcRect/>
+                  <a:stretch>
+                    <a:fillRect/>
+                  </a:stretch>
+                </a:blipFill>
+              </a14:hiddenFill>
+            </a:ext>
+            <a:ext uri="{91240B29-F687-4F45-9708-019B960494DF}">
+              <a14:hiddenLine xmlns:a14="http://schemas.microsoft.com/office/drawing/2010/main" w="9525" cap="flat">
+                <a:solidFill>
+                  <a:srgbClr val="808080"/>
+                </a:solidFill>
+                <a:round/>
+                <a:headEnd/>
+                <a:tailEnd/>
+              </a14:hiddenLine>
+            </a:ext>
+            <a:ext uri="{AF507438-7753-43E0-B8FC-AC1667EBCBE1}">
+              <a14:hiddenEffects xmlns:a14="http://schemas.microsoft.com/office/drawing/2010/main">
+                <a:effectLst>
+                  <a:outerShdw dist="35921" dir="2700000" algn="ctr" rotWithShape="0">
+                    <a:srgbClr val="808080"/>
+                  </a:outerShdw>
+                </a:effectLst>
+              </a14:hiddenEffects>
+            </a:ext>
+          </a:extLst>
+        </p:spPr>
+      </p:pic>
+      <p:sp>
+        <p:nvSpPr>
+          <p:cNvPr id="193" name="TextBox 192"/>
+          <p:cNvSpPr txBox="1"/>
+          <p:nvPr/>
+        </p:nvSpPr>
+        <p:spPr>
+          <a:xfrm>
+            <a:off x="6210065" y="3469271"/>
+            <a:ext cx="450764" cy="408627"/>
+          </a:xfrm>
+          <a:prstGeom prst="rect">
+            <a:avLst/>
+          </a:prstGeom>
+          <a:noFill/>
+        </p:spPr>
+        <p:txBody>
+          <a:bodyPr wrap="none" rtlCol="0">
+            <a:spAutoFit/>
+          </a:bodyPr>
+          <a:lstStyle/>
+          <a:p>
+            <a:r>
+              <a:rPr lang="ru-RU" sz="2000" dirty="0">
+                <a:solidFill>
+                  <a:schemeClr val="accent1">
+                    <a:lumMod val="75000"/>
+                  </a:schemeClr>
+                </a:solidFill>
+              </a:rPr>
+              <a:t>да</a:t>
+            </a:r>
+          </a:p>
+        </p:txBody>
+      </p:sp>
+      <p:sp>
+        <p:nvSpPr>
+          <p:cNvPr id="194" name="TextBox 193"/>
+          <p:cNvSpPr txBox="1"/>
+          <p:nvPr/>
+        </p:nvSpPr>
+        <p:spPr>
+          <a:xfrm>
+            <a:off x="501684" y="1206755"/>
+            <a:ext cx="4733836" cy="1323439"/>
+          </a:xfrm>
+          <a:prstGeom prst="rect">
+            <a:avLst/>
+          </a:prstGeom>
+          <a:noFill/>
+        </p:spPr>
+        <p:txBody>
+          <a:bodyPr wrap="square" rtlCol="0">
+            <a:spAutoFit/>
+          </a:bodyPr>
+          <a:lstStyle/>
+          <a:p>
+            <a:r>
+              <a:rPr lang="en-US" sz="2000" b="1" dirty="0"/>
+              <a:t>FUNCTION </a:t>
+            </a:r>
+            <a:r>
+              <a:rPr lang="en-US" sz="2000" b="1" dirty="0" smtClean="0"/>
+              <a:t>Search(depth </a:t>
+            </a:r>
+            <a:r>
+              <a:rPr lang="en-US" sz="2000" b="1" dirty="0"/>
+              <a:t>:integer) :integer</a:t>
+            </a:r>
+            <a:r>
+              <a:rPr lang="en-US" sz="2000" b="1" dirty="0" smtClean="0"/>
+              <a:t>;</a:t>
+            </a:r>
+            <a:endParaRPr lang="ru-RU" sz="2000" b="1" dirty="0" smtClean="0"/>
+          </a:p>
+          <a:p>
+            <a:r>
+              <a:rPr lang="en-US" sz="2000" i="1" dirty="0" smtClean="0"/>
+              <a:t>depth</a:t>
+            </a:r>
+            <a:r>
+              <a:rPr lang="en-US" sz="2000" dirty="0" smtClean="0"/>
+              <a:t> </a:t>
+            </a:r>
+            <a:r>
+              <a:rPr lang="en-US" sz="2000" dirty="0"/>
+              <a:t>– </a:t>
+            </a:r>
+            <a:r>
+              <a:rPr lang="ru-RU" sz="2000" dirty="0"/>
+              <a:t>текущая глубина </a:t>
+            </a:r>
+            <a:r>
+              <a:rPr lang="ru-RU" sz="2000" dirty="0" smtClean="0"/>
+              <a:t>рекурсии</a:t>
+            </a:r>
+          </a:p>
+          <a:p>
+            <a:r>
+              <a:rPr lang="en-US" sz="2000" i="1" dirty="0"/>
+              <a:t>score</a:t>
+            </a:r>
+            <a:r>
+              <a:rPr lang="en-US" sz="2000" dirty="0"/>
+              <a:t> –</a:t>
+            </a:r>
+            <a:r>
+              <a:rPr lang="ru-RU" sz="2000" dirty="0"/>
+              <a:t> оценка лучшего </a:t>
+            </a:r>
+            <a:r>
+              <a:rPr lang="ru-RU" sz="2000" dirty="0" smtClean="0"/>
+              <a:t>хода</a:t>
+            </a:r>
+            <a:endParaRPr lang="ru-RU" sz="2000" dirty="0"/>
+          </a:p>
+          <a:p>
+            <a:endParaRPr lang="ru-RU" sz="2000" b="1" dirty="0"/>
+          </a:p>
+        </p:txBody>
+      </p:sp>
+      <p:cxnSp>
+        <p:nvCxnSpPr>
+          <p:cNvPr id="31" name="Прямая со стрелкой 30"/>
+          <p:cNvCxnSpPr>
+            <a:stCxn id="168" idx="2"/>
+            <a:endCxn id="203" idx="0"/>
+          </p:cNvCxnSpPr>
+          <p:nvPr/>
+        </p:nvCxnSpPr>
+        <p:spPr>
+          <a:xfrm>
+            <a:off x="5909936" y="3692759"/>
+            <a:ext cx="0" cy="159675"/>
+          </a:xfrm>
+          <a:prstGeom prst="straightConnector1">
+            <a:avLst/>
+          </a:prstGeom>
+          <a:ln>
+            <a:tailEnd type="triangle"/>
+          </a:ln>
+        </p:spPr>
+        <p:style>
+          <a:lnRef idx="1">
+            <a:schemeClr val="accent1"/>
+          </a:lnRef>
+          <a:fillRef idx="0">
+            <a:schemeClr val="accent1"/>
+          </a:fillRef>
+          <a:effectRef idx="0">
+            <a:schemeClr val="accent1"/>
+          </a:effectRef>
+          <a:fontRef idx="minor">
+            <a:schemeClr val="tx1"/>
+          </a:fontRef>
+        </p:style>
+      </p:cxnSp>
+      <p:cxnSp>
+        <p:nvCxnSpPr>
+          <p:cNvPr id="70" name="Прямая со стрелкой 69"/>
+          <p:cNvCxnSpPr>
+            <a:stCxn id="206" idx="2"/>
+            <a:endCxn id="176" idx="0"/>
+          </p:cNvCxnSpPr>
+          <p:nvPr/>
+        </p:nvCxnSpPr>
+        <p:spPr>
+          <a:xfrm>
+            <a:off x="5909936" y="5064001"/>
+            <a:ext cx="0" cy="116641"/>
+          </a:xfrm>
+          <a:prstGeom prst="straightConnector1">
+            <a:avLst/>
+          </a:prstGeom>
+          <a:ln>
+            <a:tailEnd type="triangle"/>
+          </a:ln>
+        </p:spPr>
+        <p:style>
+          <a:lnRef idx="1">
+            <a:schemeClr val="accent1"/>
+          </a:lnRef>
+          <a:fillRef idx="0">
+            <a:schemeClr val="accent1"/>
+          </a:fillRef>
+          <a:effectRef idx="0">
+            <a:schemeClr val="accent1"/>
+          </a:effectRef>
+          <a:fontRef idx="minor">
+            <a:schemeClr val="tx1"/>
+          </a:fontRef>
+        </p:style>
+      </p:cxnSp>
+      <p:cxnSp>
+        <p:nvCxnSpPr>
+          <p:cNvPr id="215" name="Прямая со стрелкой 214"/>
+          <p:cNvCxnSpPr>
+            <a:stCxn id="199" idx="2"/>
+            <a:endCxn id="168" idx="0"/>
+          </p:cNvCxnSpPr>
+          <p:nvPr/>
+        </p:nvCxnSpPr>
+        <p:spPr>
+          <a:xfrm>
+            <a:off x="5909936" y="2869288"/>
+            <a:ext cx="0" cy="171293"/>
+          </a:xfrm>
+          <a:prstGeom prst="straightConnector1">
+            <a:avLst/>
+          </a:prstGeom>
+          <a:ln>
+            <a:tailEnd type="triangle"/>
+          </a:ln>
+        </p:spPr>
+        <p:style>
+          <a:lnRef idx="1">
+            <a:schemeClr val="accent1"/>
+          </a:lnRef>
+          <a:fillRef idx="0">
+            <a:schemeClr val="accent1"/>
+          </a:fillRef>
+          <a:effectRef idx="0">
+            <a:schemeClr val="accent1"/>
+          </a:effectRef>
+          <a:fontRef idx="minor">
+            <a:schemeClr val="tx1"/>
+          </a:fontRef>
+        </p:style>
+      </p:cxnSp>
+      <p:grpSp>
+        <p:nvGrpSpPr>
+          <p:cNvPr id="292" name="Группа 291"/>
+          <p:cNvGrpSpPr/>
+          <p:nvPr/>
+        </p:nvGrpSpPr>
+        <p:grpSpPr>
+          <a:xfrm>
+            <a:off x="3111492" y="1196752"/>
+            <a:ext cx="7620836" cy="5422009"/>
+            <a:chOff x="3111492" y="1058501"/>
+            <a:chExt cx="7620836" cy="5480249"/>
+          </a:xfrm>
+        </p:grpSpPr>
+        <p:sp>
+          <p:nvSpPr>
+            <p:cNvPr id="163" name="TextBox 162"/>
+            <p:cNvSpPr txBox="1"/>
+            <p:nvPr/>
+          </p:nvSpPr>
+          <p:spPr>
+            <a:xfrm>
+              <a:off x="5935502" y="1064224"/>
+              <a:ext cx="529953" cy="384721"/>
+            </a:xfrm>
+            <a:prstGeom prst="rect">
+              <a:avLst/>
+            </a:prstGeom>
+            <a:noFill/>
+          </p:spPr>
+          <p:txBody>
+            <a:bodyPr wrap="none" rtlCol="0">
+              <a:spAutoFit/>
+            </a:bodyPr>
+            <a:lstStyle/>
+            <a:p>
+              <a:r>
+                <a:rPr lang="ru-RU" sz="1900" dirty="0">
+                  <a:solidFill>
+                    <a:schemeClr val="accent1">
+                      <a:lumMod val="75000"/>
+                    </a:schemeClr>
+                  </a:solidFill>
+                </a:rPr>
+                <a:t>нет</a:t>
+              </a:r>
+            </a:p>
+          </p:txBody>
+        </p:sp>
+        <p:grpSp>
+          <p:nvGrpSpPr>
+            <p:cNvPr id="291" name="Группа 290"/>
+            <p:cNvGrpSpPr/>
+            <p:nvPr/>
+          </p:nvGrpSpPr>
+          <p:grpSpPr>
+            <a:xfrm>
+              <a:off x="3111492" y="1058501"/>
+              <a:ext cx="7620836" cy="5480249"/>
+              <a:chOff x="3111492" y="1058501"/>
+              <a:chExt cx="7620836" cy="5480249"/>
+            </a:xfrm>
+          </p:grpSpPr>
+          <p:sp>
+            <p:nvSpPr>
+              <p:cNvPr id="94" name="TextBox 93"/>
+              <p:cNvSpPr txBox="1"/>
+              <p:nvPr/>
+            </p:nvSpPr>
+            <p:spPr>
+              <a:xfrm>
+                <a:off x="9063321" y="1062546"/>
+                <a:ext cx="437940" cy="384721"/>
+              </a:xfrm>
+              <a:prstGeom prst="rect">
+                <a:avLst/>
+              </a:prstGeom>
+              <a:noFill/>
+            </p:spPr>
+            <p:txBody>
+              <a:bodyPr wrap="none" rtlCol="0">
+                <a:spAutoFit/>
+              </a:bodyPr>
+              <a:lstStyle/>
+              <a:p>
+                <a:r>
+                  <a:rPr lang="ru-RU" sz="1900" dirty="0">
+                    <a:solidFill>
+                      <a:schemeClr val="accent1">
+                        <a:lumMod val="75000"/>
+                      </a:schemeClr>
+                    </a:solidFill>
+                  </a:rPr>
+                  <a:t>да</a:t>
+                </a:r>
+              </a:p>
+            </p:txBody>
+          </p:sp>
+          <p:cxnSp>
+            <p:nvCxnSpPr>
+              <p:cNvPr id="24" name="Соединительная линия уступом 23"/>
+              <p:cNvCxnSpPr>
+                <a:stCxn id="84" idx="3"/>
+                <a:endCxn id="164" idx="0"/>
+              </p:cNvCxnSpPr>
+              <p:nvPr/>
+            </p:nvCxnSpPr>
+            <p:spPr>
+              <a:xfrm>
+                <a:off x="8885322" y="1441956"/>
+                <a:ext cx="699982" cy="385274"/>
+              </a:xfrm>
+              <a:prstGeom prst="bentConnector2">
+                <a:avLst/>
+              </a:prstGeom>
+              <a:ln>
+                <a:tailEnd type="triangle"/>
+              </a:ln>
+            </p:spPr>
+            <p:style>
+              <a:lnRef idx="1">
+                <a:schemeClr val="accent1"/>
+              </a:lnRef>
+              <a:fillRef idx="0">
+                <a:schemeClr val="accent1"/>
+              </a:fillRef>
+              <a:effectRef idx="0">
+                <a:schemeClr val="accent1"/>
+              </a:effectRef>
+              <a:fontRef idx="minor">
+                <a:schemeClr val="tx1"/>
+              </a:fontRef>
+            </p:style>
+          </p:cxnSp>
+          <p:grpSp>
+            <p:nvGrpSpPr>
+              <p:cNvPr id="290" name="Группа 289"/>
+              <p:cNvGrpSpPr/>
+              <p:nvPr/>
+            </p:nvGrpSpPr>
+            <p:grpSpPr>
+              <a:xfrm>
+                <a:off x="3111492" y="1058501"/>
+                <a:ext cx="7620836" cy="5480249"/>
+                <a:chOff x="3111492" y="1058501"/>
+                <a:chExt cx="7620836" cy="5480249"/>
+              </a:xfrm>
+            </p:grpSpPr>
+            <p:sp>
+              <p:nvSpPr>
+                <p:cNvPr id="169" name="TextBox 168"/>
+                <p:cNvSpPr txBox="1"/>
+                <p:nvPr/>
+              </p:nvSpPr>
+              <p:spPr>
+                <a:xfrm>
+                  <a:off x="7636329" y="2852065"/>
+                  <a:ext cx="529953" cy="384721"/>
+                </a:xfrm>
+                <a:prstGeom prst="rect">
+                  <a:avLst/>
+                </a:prstGeom>
+                <a:noFill/>
+              </p:spPr>
+              <p:txBody>
+                <a:bodyPr wrap="none" rtlCol="0">
+                  <a:spAutoFit/>
+                </a:bodyPr>
+                <a:lstStyle/>
+                <a:p>
+                  <a:r>
+                    <a:rPr lang="ru-RU" sz="1900" dirty="0">
+                      <a:solidFill>
+                        <a:schemeClr val="accent1">
+                          <a:lumMod val="75000"/>
+                        </a:schemeClr>
+                      </a:solidFill>
+                    </a:rPr>
+                    <a:t>нет</a:t>
+                  </a:r>
+                </a:p>
+              </p:txBody>
+            </p:sp>
+            <p:sp>
+              <p:nvSpPr>
+                <p:cNvPr id="170" name="TextBox 169"/>
+                <p:cNvSpPr txBox="1"/>
+                <p:nvPr/>
+              </p:nvSpPr>
+              <p:spPr>
+                <a:xfrm>
+                  <a:off x="4134784" y="5094091"/>
+                  <a:ext cx="437940" cy="384721"/>
+                </a:xfrm>
+                <a:prstGeom prst="rect">
+                  <a:avLst/>
+                </a:prstGeom>
+                <a:noFill/>
+              </p:spPr>
+              <p:txBody>
+                <a:bodyPr wrap="none" rtlCol="0">
+                  <a:spAutoFit/>
+                </a:bodyPr>
+                <a:lstStyle/>
+                <a:p>
+                  <a:r>
+                    <a:rPr lang="ru-RU" sz="1900" dirty="0">
+                      <a:solidFill>
+                        <a:schemeClr val="accent1">
+                          <a:lumMod val="75000"/>
+                        </a:schemeClr>
+                      </a:solidFill>
+                    </a:rPr>
+                    <a:t>да</a:t>
+                  </a:r>
+                </a:p>
+              </p:txBody>
+            </p:sp>
+            <p:sp>
+              <p:nvSpPr>
+                <p:cNvPr id="178" name="TextBox 177"/>
+                <p:cNvSpPr txBox="1"/>
+                <p:nvPr/>
+              </p:nvSpPr>
+              <p:spPr>
+                <a:xfrm>
+                  <a:off x="7228615" y="5085184"/>
+                  <a:ext cx="529953" cy="384721"/>
+                </a:xfrm>
+                <a:prstGeom prst="rect">
+                  <a:avLst/>
+                </a:prstGeom>
+                <a:noFill/>
+              </p:spPr>
+              <p:txBody>
+                <a:bodyPr wrap="none" rtlCol="0">
+                  <a:spAutoFit/>
+                </a:bodyPr>
+                <a:lstStyle/>
+                <a:p>
+                  <a:r>
+                    <a:rPr lang="ru-RU" sz="1900" dirty="0">
+                      <a:solidFill>
+                        <a:schemeClr val="accent1">
+                          <a:lumMod val="75000"/>
+                        </a:schemeClr>
+                      </a:solidFill>
+                    </a:rPr>
+                    <a:t>нет</a:t>
+                  </a:r>
+                </a:p>
+              </p:txBody>
+            </p:sp>
+            <p:grpSp>
+              <p:nvGrpSpPr>
+                <p:cNvPr id="289" name="Группа 288"/>
+                <p:cNvGrpSpPr/>
+                <p:nvPr/>
+              </p:nvGrpSpPr>
+              <p:grpSpPr>
+                <a:xfrm>
+                  <a:off x="3111492" y="1058501"/>
+                  <a:ext cx="7620836" cy="5480249"/>
+                  <a:chOff x="3111492" y="1058501"/>
+                  <a:chExt cx="7620836" cy="5480249"/>
+                </a:xfrm>
+              </p:grpSpPr>
+              <p:sp>
+                <p:nvSpPr>
+                  <p:cNvPr id="84" name="Блок-схема: решение 83"/>
+                  <p:cNvSpPr/>
+                  <p:nvPr/>
+                </p:nvSpPr>
+                <p:spPr>
+                  <a:xfrm>
+                    <a:off x="6510193" y="1058501"/>
+                    <a:ext cx="2375129" cy="766910"/>
+                  </a:xfrm>
+                  <a:prstGeom prst="flowChartDecision">
+                    <a:avLst/>
+                  </a:prstGeom>
+                </p:spPr>
+                <p:style>
+                  <a:lnRef idx="2">
+                    <a:schemeClr val="accent1">
+                      <a:shade val="50000"/>
+                    </a:schemeClr>
+                  </a:lnRef>
+                  <a:fillRef idx="1">
+                    <a:schemeClr val="accent1"/>
+                  </a:fillRef>
+                  <a:effectRef idx="0">
+                    <a:schemeClr val="accent1"/>
+                  </a:effectRef>
+                  <a:fontRef idx="minor">
+                    <a:schemeClr val="lt1"/>
+                  </a:fontRef>
+                </p:style>
+                <p:txBody>
+                  <a:bodyPr rtlCol="0" anchor="ctr"/>
+                  <a:lstStyle/>
+                  <a:p>
+                    <a:pPr algn="ctr"/>
+                    <a:r>
+                      <a:rPr lang="en-US" sz="1900" dirty="0"/>
+                      <a:t>depth=0?</a:t>
+                    </a:r>
+                    <a:endParaRPr lang="ru-RU" sz="1900" dirty="0"/>
+                  </a:p>
+                </p:txBody>
+              </p:sp>
+              <p:sp>
+                <p:nvSpPr>
+                  <p:cNvPr id="164" name="Блок-схема: процесс 163"/>
+                  <p:cNvSpPr/>
+                  <p:nvPr/>
+                </p:nvSpPr>
+                <p:spPr>
+                  <a:xfrm>
+                    <a:off x="8438280" y="1827230"/>
+                    <a:ext cx="2294048" cy="594781"/>
+                  </a:xfrm>
+                  <a:prstGeom prst="flowChartProcess">
+                    <a:avLst/>
+                  </a:prstGeom>
+                </p:spPr>
+                <p:style>
+                  <a:lnRef idx="2">
+                    <a:schemeClr val="accent1">
+                      <a:shade val="50000"/>
+                    </a:schemeClr>
+                  </a:lnRef>
+                  <a:fillRef idx="1">
+                    <a:schemeClr val="accent1"/>
+                  </a:fillRef>
+                  <a:effectRef idx="0">
+                    <a:schemeClr val="accent1"/>
+                  </a:effectRef>
+                  <a:fontRef idx="minor">
+                    <a:schemeClr val="lt1"/>
+                  </a:fontRef>
+                </p:style>
+                <p:txBody>
+                  <a:bodyPr rtlCol="0" anchor="ctr"/>
+                  <a:lstStyle/>
+                  <a:p>
+                    <a:pPr algn="ctr"/>
+                    <a:r>
+                      <a:rPr lang="ru-RU" sz="1900" dirty="0"/>
+                      <a:t>Вызови оценочную функцию</a:t>
+                    </a:r>
+                  </a:p>
+                </p:txBody>
+              </p:sp>
+              <p:sp>
+                <p:nvSpPr>
+                  <p:cNvPr id="168" name="Блок-схема: решение 167"/>
+                  <p:cNvSpPr/>
+                  <p:nvPr/>
+                </p:nvSpPr>
+                <p:spPr>
+                  <a:xfrm>
+                    <a:off x="4485314" y="2922135"/>
+                    <a:ext cx="2849244" cy="659183"/>
+                  </a:xfrm>
+                  <a:prstGeom prst="flowChartDecision">
+                    <a:avLst/>
+                  </a:prstGeom>
+                </p:spPr>
+                <p:style>
+                  <a:lnRef idx="2">
+                    <a:schemeClr val="accent1">
+                      <a:shade val="50000"/>
+                    </a:schemeClr>
+                  </a:lnRef>
+                  <a:fillRef idx="1">
+                    <a:schemeClr val="accent1"/>
+                  </a:fillRef>
+                  <a:effectRef idx="0">
+                    <a:schemeClr val="accent1"/>
+                  </a:effectRef>
+                  <a:fontRef idx="minor">
+                    <a:schemeClr val="lt1"/>
+                  </a:fontRef>
+                </p:style>
+                <p:txBody>
+                  <a:bodyPr rtlCol="0" anchor="ctr"/>
+                  <a:lstStyle/>
+                  <a:p>
+                    <a:pPr algn="ctr"/>
+                    <a:r>
+                      <a:rPr lang="ru-RU" sz="1900" dirty="0"/>
+                      <a:t>Есть еще </a:t>
+                    </a:r>
+                    <a:r>
+                      <a:rPr lang="ru-RU" sz="1900" dirty="0" smtClean="0"/>
+                      <a:t>ходы?</a:t>
+                    </a:r>
+                    <a:endParaRPr lang="ru-RU" sz="1900" dirty="0"/>
+                  </a:p>
+                </p:txBody>
+              </p:sp>
+              <p:sp>
+                <p:nvSpPr>
+                  <p:cNvPr id="176" name="Блок-схема: решение 175"/>
+                  <p:cNvSpPr/>
+                  <p:nvPr/>
+                </p:nvSpPr>
+                <p:spPr>
+                  <a:xfrm>
+                    <a:off x="4485314" y="5085184"/>
+                    <a:ext cx="2849244" cy="740897"/>
+                  </a:xfrm>
+                  <a:prstGeom prst="flowChartDecision">
+                    <a:avLst/>
+                  </a:prstGeom>
+                </p:spPr>
+                <p:style>
+                  <a:lnRef idx="2">
+                    <a:schemeClr val="accent1">
+                      <a:shade val="50000"/>
+                    </a:schemeClr>
+                  </a:lnRef>
+                  <a:fillRef idx="1">
+                    <a:schemeClr val="accent1"/>
+                  </a:fillRef>
+                  <a:effectRef idx="0">
+                    <a:schemeClr val="accent1"/>
+                  </a:effectRef>
+                  <a:fontRef idx="minor">
+                    <a:schemeClr val="lt1"/>
+                  </a:fontRef>
+                </p:style>
+                <p:txBody>
+                  <a:bodyPr rtlCol="0" anchor="ctr"/>
+                  <a:lstStyle/>
+                  <a:p>
+                    <a:pPr algn="ctr"/>
+                    <a:r>
+                      <a:rPr lang="en-US" sz="1900" dirty="0"/>
+                      <a:t>score&lt;</a:t>
+                    </a:r>
+                    <a:r>
+                      <a:rPr lang="en-US" sz="1900" dirty="0" err="1"/>
+                      <a:t>tmp</a:t>
+                    </a:r>
+                    <a:r>
+                      <a:rPr lang="en-US" sz="1900" dirty="0"/>
+                      <a:t>?</a:t>
+                    </a:r>
+                    <a:endParaRPr lang="ru-RU" sz="1900" dirty="0"/>
+                  </a:p>
+                </p:txBody>
+              </p:sp>
+              <p:sp>
+                <p:nvSpPr>
+                  <p:cNvPr id="185" name="Блок-схема: знак завершения 184"/>
+                  <p:cNvSpPr/>
+                  <p:nvPr/>
+                </p:nvSpPr>
+                <p:spPr>
+                  <a:xfrm>
+                    <a:off x="9082102" y="6173957"/>
+                    <a:ext cx="1030350" cy="364793"/>
+                  </a:xfrm>
+                  <a:prstGeom prst="flowChartTerminator">
+                    <a:avLst/>
+                  </a:prstGeom>
+                </p:spPr>
+                <p:style>
+                  <a:lnRef idx="2">
+                    <a:schemeClr val="accent1">
+                      <a:shade val="50000"/>
+                    </a:schemeClr>
+                  </a:lnRef>
+                  <a:fillRef idx="1">
+                    <a:schemeClr val="accent1"/>
+                  </a:fillRef>
+                  <a:effectRef idx="0">
+                    <a:schemeClr val="accent1"/>
+                  </a:effectRef>
+                  <a:fontRef idx="minor">
+                    <a:schemeClr val="lt1"/>
+                  </a:fontRef>
+                </p:style>
+                <p:txBody>
+                  <a:bodyPr rtlCol="0" anchor="ctr"/>
+                  <a:lstStyle/>
+                  <a:p>
+                    <a:pPr algn="ctr"/>
+                    <a:r>
+                      <a:rPr lang="ru-RU" sz="1900" dirty="0"/>
+                      <a:t>Конец</a:t>
+                    </a:r>
+                  </a:p>
+                </p:txBody>
+              </p:sp>
+              <p:grpSp>
+                <p:nvGrpSpPr>
+                  <p:cNvPr id="19" name="Группа 18"/>
+                  <p:cNvGrpSpPr/>
+                  <p:nvPr/>
+                </p:nvGrpSpPr>
+                <p:grpSpPr>
+                  <a:xfrm>
+                    <a:off x="4762912" y="1841101"/>
+                    <a:ext cx="2294048" cy="907902"/>
+                    <a:chOff x="4835860" y="1860778"/>
+                    <a:chExt cx="2294048" cy="907902"/>
+                  </a:xfrm>
+                </p:grpSpPr>
+                <p:sp>
+                  <p:nvSpPr>
+                    <p:cNvPr id="197" name="Блок-схема: процесс 196"/>
+                    <p:cNvSpPr/>
+                    <p:nvPr/>
+                  </p:nvSpPr>
+                  <p:spPr>
+                    <a:xfrm>
+                      <a:off x="4835860" y="1860778"/>
+                      <a:ext cx="2294048" cy="283520"/>
+                    </a:xfrm>
+                    <a:prstGeom prst="flowChartProcess">
+                      <a:avLst/>
+                    </a:prstGeom>
+                  </p:spPr>
+                  <p:style>
+                    <a:lnRef idx="2">
+                      <a:schemeClr val="accent1">
+                        <a:shade val="50000"/>
+                      </a:schemeClr>
+                    </a:lnRef>
+                    <a:fillRef idx="1">
+                      <a:schemeClr val="accent1"/>
+                    </a:fillRef>
+                    <a:effectRef idx="0">
+                      <a:schemeClr val="accent1"/>
+                    </a:effectRef>
+                    <a:fontRef idx="minor">
+                      <a:schemeClr val="lt1"/>
+                    </a:fontRef>
+                  </p:style>
+                  <p:txBody>
+                    <a:bodyPr rtlCol="0" anchor="ctr"/>
+                    <a:lstStyle/>
+                    <a:p>
+                      <a:pPr algn="ctr"/>
+                      <a:r>
+                        <a:rPr lang="en-US" sz="1900" dirty="0"/>
+                        <a:t>score:=-INFINITY</a:t>
+                      </a:r>
+                      <a:endParaRPr lang="ru-RU" sz="1900" dirty="0"/>
+                    </a:p>
+                  </p:txBody>
+                </p:sp>
+                <p:sp>
+                  <p:nvSpPr>
+                    <p:cNvPr id="199" name="Блок-схема: процесс 198"/>
+                    <p:cNvSpPr/>
+                    <p:nvPr/>
+                  </p:nvSpPr>
+                  <p:spPr>
+                    <a:xfrm>
+                      <a:off x="4835860" y="2173899"/>
+                      <a:ext cx="2294048" cy="594781"/>
+                    </a:xfrm>
+                    <a:prstGeom prst="flowChartProcess">
+                      <a:avLst/>
+                    </a:prstGeom>
+                  </p:spPr>
+                  <p:style>
+                    <a:lnRef idx="2">
+                      <a:schemeClr val="accent1">
+                        <a:shade val="50000"/>
+                      </a:schemeClr>
+                    </a:lnRef>
+                    <a:fillRef idx="1">
+                      <a:schemeClr val="accent1"/>
+                    </a:fillRef>
+                    <a:effectRef idx="0">
+                      <a:schemeClr val="accent1"/>
+                    </a:effectRef>
+                    <a:fontRef idx="minor">
+                      <a:schemeClr val="lt1"/>
+                    </a:fontRef>
+                  </p:style>
+                  <p:txBody>
+                    <a:bodyPr rtlCol="0" anchor="ctr"/>
+                    <a:lstStyle/>
+                    <a:p>
+                      <a:pPr algn="ctr"/>
+                      <a:r>
+                        <a:rPr lang="ru-RU" sz="1900" dirty="0"/>
+                        <a:t>Сгенерируй все ходы</a:t>
+                      </a:r>
+                    </a:p>
+                  </p:txBody>
+                </p:sp>
+              </p:grpSp>
+              <p:sp>
+                <p:nvSpPr>
+                  <p:cNvPr id="205" name="Блок-схема: процесс 204"/>
+                  <p:cNvSpPr/>
+                  <p:nvPr/>
+                </p:nvSpPr>
+                <p:spPr>
+                  <a:xfrm>
+                    <a:off x="3111492" y="5953774"/>
+                    <a:ext cx="2294048" cy="283520"/>
+                  </a:xfrm>
+                  <a:prstGeom prst="flowChartProcess">
+                    <a:avLst/>
+                  </a:prstGeom>
+                </p:spPr>
+                <p:style>
+                  <a:lnRef idx="2">
+                    <a:schemeClr val="accent1">
+                      <a:shade val="50000"/>
+                    </a:schemeClr>
+                  </a:lnRef>
+                  <a:fillRef idx="1">
+                    <a:schemeClr val="accent1"/>
+                  </a:fillRef>
+                  <a:effectRef idx="0">
+                    <a:schemeClr val="accent1"/>
+                  </a:effectRef>
+                  <a:fontRef idx="minor">
+                    <a:schemeClr val="lt1"/>
+                  </a:fontRef>
+                </p:style>
+                <p:txBody>
+                  <a:bodyPr rtlCol="0" anchor="ctr"/>
+                  <a:lstStyle/>
+                  <a:p>
+                    <a:pPr algn="ctr"/>
+                    <a:r>
+                      <a:rPr lang="en-US" sz="1900" dirty="0"/>
+                      <a:t>score:=tmp</a:t>
+                    </a:r>
+                    <a:endParaRPr lang="ru-RU" sz="1900" dirty="0"/>
+                  </a:p>
+                </p:txBody>
+              </p:sp>
+              <p:grpSp>
+                <p:nvGrpSpPr>
+                  <p:cNvPr id="20" name="Группа 19"/>
+                  <p:cNvGrpSpPr/>
+                  <p:nvPr/>
+                </p:nvGrpSpPr>
+                <p:grpSpPr>
+                  <a:xfrm>
+                    <a:off x="4606192" y="3742709"/>
+                    <a:ext cx="2607488" cy="1224581"/>
+                    <a:chOff x="4601628" y="3790276"/>
+                    <a:chExt cx="2607488" cy="1224581"/>
+                  </a:xfrm>
+                </p:grpSpPr>
+                <p:sp>
+                  <p:nvSpPr>
+                    <p:cNvPr id="203" name="Блок-схема: процесс 202"/>
+                    <p:cNvSpPr/>
+                    <p:nvPr/>
+                  </p:nvSpPr>
+                  <p:spPr>
+                    <a:xfrm>
+                      <a:off x="4601628" y="3790276"/>
+                      <a:ext cx="2607488" cy="283520"/>
+                    </a:xfrm>
+                    <a:prstGeom prst="flowChartProcess">
+                      <a:avLst/>
+                    </a:prstGeom>
+                  </p:spPr>
+                  <p:style>
+                    <a:lnRef idx="2">
+                      <a:schemeClr val="accent1">
+                        <a:shade val="50000"/>
+                      </a:schemeClr>
+                    </a:lnRef>
+                    <a:fillRef idx="1">
+                      <a:schemeClr val="accent1"/>
+                    </a:fillRef>
+                    <a:effectRef idx="0">
+                      <a:schemeClr val="accent1"/>
+                    </a:effectRef>
+                    <a:fontRef idx="minor">
+                      <a:schemeClr val="lt1"/>
+                    </a:fontRef>
+                  </p:style>
+                  <p:txBody>
+                    <a:bodyPr rtlCol="0" anchor="ctr"/>
+                    <a:lstStyle/>
+                    <a:p>
+                      <a:pPr algn="ctr"/>
+                      <a:r>
+                        <a:rPr lang="ru-RU" sz="1900" dirty="0"/>
+                        <a:t>Сделай ход</a:t>
+                      </a:r>
+                    </a:p>
+                  </p:txBody>
+                </p:sp>
+                <p:sp>
+                  <p:nvSpPr>
+                    <p:cNvPr id="206" name="Блок-схема: процесс 205"/>
+                    <p:cNvSpPr/>
+                    <p:nvPr/>
+                  </p:nvSpPr>
+                  <p:spPr>
+                    <a:xfrm>
+                      <a:off x="4601628" y="4731337"/>
+                      <a:ext cx="2607488" cy="283520"/>
+                    </a:xfrm>
+                    <a:prstGeom prst="flowChartProcess">
+                      <a:avLst/>
+                    </a:prstGeom>
+                  </p:spPr>
+                  <p:style>
+                    <a:lnRef idx="2">
+                      <a:schemeClr val="accent1">
+                        <a:shade val="50000"/>
+                      </a:schemeClr>
+                    </a:lnRef>
+                    <a:fillRef idx="1">
+                      <a:schemeClr val="accent1"/>
+                    </a:fillRef>
+                    <a:effectRef idx="0">
+                      <a:schemeClr val="accent1"/>
+                    </a:effectRef>
+                    <a:fontRef idx="minor">
+                      <a:schemeClr val="lt1"/>
+                    </a:fontRef>
+                  </p:style>
+                  <p:txBody>
+                    <a:bodyPr rtlCol="0" anchor="ctr"/>
+                    <a:lstStyle/>
+                    <a:p>
+                      <a:pPr algn="ctr"/>
+                      <a:r>
+                        <a:rPr lang="ru-RU" sz="1900" dirty="0"/>
+                        <a:t>Отмени ход</a:t>
+                      </a:r>
+                    </a:p>
+                  </p:txBody>
+                </p:sp>
+                <p:sp>
+                  <p:nvSpPr>
+                    <p:cNvPr id="207" name="Блок-схема: процесс 206"/>
+                    <p:cNvSpPr/>
+                    <p:nvPr/>
+                  </p:nvSpPr>
+                  <p:spPr>
+                    <a:xfrm>
+                      <a:off x="4601628" y="4105176"/>
+                      <a:ext cx="2607488" cy="594781"/>
+                    </a:xfrm>
+                    <a:prstGeom prst="flowChartProcess">
+                      <a:avLst/>
+                    </a:prstGeom>
+                  </p:spPr>
+                  <p:style>
+                    <a:lnRef idx="2">
+                      <a:schemeClr val="accent1">
+                        <a:shade val="50000"/>
+                      </a:schemeClr>
+                    </a:lnRef>
+                    <a:fillRef idx="1">
+                      <a:schemeClr val="accent1"/>
+                    </a:fillRef>
+                    <a:effectRef idx="0">
+                      <a:schemeClr val="accent1"/>
+                    </a:effectRef>
+                    <a:fontRef idx="minor">
+                      <a:schemeClr val="lt1"/>
+                    </a:fontRef>
+                  </p:style>
+                  <p:txBody>
+                    <a:bodyPr rtlCol="0" anchor="ctr"/>
+                    <a:lstStyle/>
+                    <a:p>
+                      <a:pPr algn="ctr"/>
+                      <a:r>
+                        <a:rPr lang="en-US" sz="1900" dirty="0"/>
+                        <a:t>tmp:=-</a:t>
+                      </a:r>
+                      <a:r>
+                        <a:rPr lang="en-US" sz="1900" dirty="0" smtClean="0"/>
+                        <a:t>Search(depth-1</a:t>
+                      </a:r>
+                      <a:r>
+                        <a:rPr lang="ru-RU" sz="1900" dirty="0" smtClean="0"/>
+                        <a:t>)</a:t>
+                      </a:r>
+                      <a:endParaRPr lang="ru-RU" sz="1900" dirty="0"/>
+                    </a:p>
+                  </p:txBody>
+                </p:sp>
+              </p:grpSp>
+            </p:grpSp>
+            <p:cxnSp>
+              <p:nvCxnSpPr>
+                <p:cNvPr id="22" name="Соединительная линия уступом 21"/>
+                <p:cNvCxnSpPr>
+                  <a:stCxn id="84" idx="1"/>
+                  <a:endCxn id="197" idx="0"/>
+                </p:cNvCxnSpPr>
+                <p:nvPr/>
+              </p:nvCxnSpPr>
+              <p:spPr>
+                <a:xfrm rot="10800000" flipV="1">
+                  <a:off x="5909937" y="1441955"/>
+                  <a:ext cx="600257" cy="399145"/>
+                </a:xfrm>
+                <a:prstGeom prst="bentConnector2">
+                  <a:avLst/>
+                </a:prstGeom>
+                <a:ln>
+                  <a:tailEnd type="triangle"/>
+                </a:ln>
+              </p:spPr>
+              <p:style>
+                <a:lnRef idx="1">
+                  <a:schemeClr val="accent1"/>
+                </a:lnRef>
+                <a:fillRef idx="0">
+                  <a:schemeClr val="accent1"/>
+                </a:fillRef>
+                <a:effectRef idx="0">
+                  <a:schemeClr val="accent1"/>
+                </a:effectRef>
+                <a:fontRef idx="minor">
+                  <a:schemeClr val="tx1"/>
+                </a:fontRef>
+              </p:style>
+            </p:cxnSp>
+            <p:cxnSp>
+              <p:nvCxnSpPr>
+                <p:cNvPr id="26" name="Прямая со стрелкой 25"/>
+                <p:cNvCxnSpPr>
+                  <a:stCxn id="164" idx="2"/>
+                  <a:endCxn id="185" idx="0"/>
+                </p:cNvCxnSpPr>
+                <p:nvPr/>
+              </p:nvCxnSpPr>
+              <p:spPr>
+                <a:xfrm>
+                  <a:off x="9585304" y="2422011"/>
+                  <a:ext cx="11973" cy="3751946"/>
+                </a:xfrm>
+                <a:prstGeom prst="straightConnector1">
+                  <a:avLst/>
+                </a:prstGeom>
+                <a:ln>
+                  <a:tailEnd type="triangle"/>
+                </a:ln>
+              </p:spPr>
+              <p:style>
+                <a:lnRef idx="1">
+                  <a:schemeClr val="accent1"/>
+                </a:lnRef>
+                <a:fillRef idx="0">
+                  <a:schemeClr val="accent1"/>
+                </a:fillRef>
+                <a:effectRef idx="0">
+                  <a:schemeClr val="accent1"/>
+                </a:effectRef>
+                <a:fontRef idx="minor">
+                  <a:schemeClr val="tx1"/>
+                </a:fontRef>
+              </p:style>
+            </p:cxnSp>
+            <p:cxnSp>
+              <p:nvCxnSpPr>
+                <p:cNvPr id="29" name="Прямая со стрелкой 28"/>
+                <p:cNvCxnSpPr>
+                  <a:stCxn id="168" idx="3"/>
+                </p:cNvCxnSpPr>
+                <p:nvPr/>
+              </p:nvCxnSpPr>
+              <p:spPr>
+                <a:xfrm>
+                  <a:off x="7334558" y="3251727"/>
+                  <a:ext cx="2262719" cy="17930"/>
+                </a:xfrm>
+                <a:prstGeom prst="straightConnector1">
+                  <a:avLst/>
+                </a:prstGeom>
+                <a:ln>
+                  <a:tailEnd type="triangle"/>
+                </a:ln>
+              </p:spPr>
+              <p:style>
+                <a:lnRef idx="1">
+                  <a:schemeClr val="accent1"/>
+                </a:lnRef>
+                <a:fillRef idx="0">
+                  <a:schemeClr val="accent1"/>
+                </a:fillRef>
+                <a:effectRef idx="0">
+                  <a:schemeClr val="accent1"/>
+                </a:effectRef>
+                <a:fontRef idx="minor">
+                  <a:schemeClr val="tx1"/>
+                </a:fontRef>
+              </p:style>
+            </p:cxnSp>
+            <p:cxnSp>
+              <p:nvCxnSpPr>
+                <p:cNvPr id="77" name="Соединительная линия уступом 76"/>
+                <p:cNvCxnSpPr>
+                  <a:stCxn id="176" idx="1"/>
+                  <a:endCxn id="205" idx="0"/>
+                </p:cNvCxnSpPr>
+                <p:nvPr/>
+              </p:nvCxnSpPr>
+              <p:spPr>
+                <a:xfrm rot="10800000" flipV="1">
+                  <a:off x="4258516" y="5455632"/>
+                  <a:ext cx="226798" cy="498141"/>
+                </a:xfrm>
+                <a:prstGeom prst="bentConnector2">
+                  <a:avLst/>
+                </a:prstGeom>
+                <a:ln>
+                  <a:tailEnd type="triangle"/>
+                </a:ln>
+              </p:spPr>
+              <p:style>
+                <a:lnRef idx="1">
+                  <a:schemeClr val="accent1"/>
+                </a:lnRef>
+                <a:fillRef idx="0">
+                  <a:schemeClr val="accent1"/>
+                </a:fillRef>
+                <a:effectRef idx="0">
+                  <a:schemeClr val="accent1"/>
+                </a:effectRef>
+                <a:fontRef idx="minor">
+                  <a:schemeClr val="tx1"/>
+                </a:fontRef>
+              </p:style>
+            </p:cxnSp>
+            <p:cxnSp>
+              <p:nvCxnSpPr>
+                <p:cNvPr id="81" name="Соединительная линия уступом 80"/>
+                <p:cNvCxnSpPr>
+                  <a:stCxn id="176" idx="3"/>
+                  <a:endCxn id="205" idx="2"/>
+                </p:cNvCxnSpPr>
+                <p:nvPr/>
+              </p:nvCxnSpPr>
+              <p:spPr>
+                <a:xfrm flipH="1">
+                  <a:off x="4258516" y="5455633"/>
+                  <a:ext cx="3076042" cy="781661"/>
+                </a:xfrm>
+                <a:prstGeom prst="bentConnector4">
+                  <a:avLst>
+                    <a:gd name="adj1" fmla="val -7432"/>
+                    <a:gd name="adj2" fmla="val 112383"/>
+                  </a:avLst>
+                </a:prstGeom>
+              </p:spPr>
+              <p:style>
+                <a:lnRef idx="1">
+                  <a:schemeClr val="accent1"/>
+                </a:lnRef>
+                <a:fillRef idx="0">
+                  <a:schemeClr val="accent1"/>
+                </a:fillRef>
+                <a:effectRef idx="0">
+                  <a:schemeClr val="accent1"/>
+                </a:effectRef>
+                <a:fontRef idx="minor">
+                  <a:schemeClr val="tx1"/>
+                </a:fontRef>
+              </p:style>
+            </p:cxnSp>
+            <p:cxnSp>
+              <p:nvCxnSpPr>
+                <p:cNvPr id="262" name="Соединительная линия уступом 261"/>
+                <p:cNvCxnSpPr>
+                  <a:endCxn id="168" idx="0"/>
+                </p:cNvCxnSpPr>
+                <p:nvPr/>
+              </p:nvCxnSpPr>
+              <p:spPr>
+                <a:xfrm rot="5400000" flipH="1" flipV="1">
+                  <a:off x="4180441" y="4626858"/>
+                  <a:ext cx="3434218" cy="24772"/>
+                </a:xfrm>
+                <a:prstGeom prst="bentConnector5">
+                  <a:avLst>
+                    <a:gd name="adj1" fmla="val -2775"/>
+                    <a:gd name="adj2" fmla="val -11761473"/>
+                    <a:gd name="adj3" fmla="val 103058"/>
+                  </a:avLst>
+                </a:prstGeom>
+              </p:spPr>
+              <p:style>
+                <a:lnRef idx="1">
+                  <a:schemeClr val="accent1"/>
+                </a:lnRef>
+                <a:fillRef idx="0">
+                  <a:schemeClr val="accent1"/>
+                </a:fillRef>
+                <a:effectRef idx="0">
+                  <a:schemeClr val="accent1"/>
+                </a:effectRef>
+                <a:fontRef idx="minor">
+                  <a:schemeClr val="tx1"/>
+                </a:fontRef>
+              </p:style>
+            </p:cxnSp>
+          </p:grpSp>
+        </p:grpSp>
+      </p:grpSp>
+    </p:spTree>
+    <p:extLst>
+      <p:ext uri="{BB962C8B-B14F-4D97-AF65-F5344CB8AC3E}">
+        <p14:creationId xmlns:p14="http://schemas.microsoft.com/office/powerpoint/2010/main" val="2061085173"/>
+      </p:ext>
+    </p:extLst>
+  </p:cSld>
+  <p:clrMapOvr>
+    <a:masterClrMapping/>
+  </p:clrMapOvr>
+  <p:timing>
+    <p:tnLst>
+      <p:par>
+        <p:cTn id="1" dur="indefinite" restart="never" nodeType="tmRoot"/>
+      </p:par>
+    </p:tnLst>
+  </p:timing>
+</p:sld>
+</file>
+
+<file path=ppt/slides/slide16.xml><?xml version="1.0" encoding="utf-8"?>
 <p:sld xmlns:a="http://schemas.openxmlformats.org/drawingml/2006/main" xmlns:r="http://schemas.openxmlformats.org/officeDocument/2006/relationships" xmlns:p="http://schemas.openxmlformats.org/presentationml/2006/main">
   <p:cSld>
     <p:spTree>
@@ -8189,7 +8700,7 @@
             <a:fld id="{725C68B6-61C2-468F-89AB-4B9F7531AA68}" type="slidenum">
               <a:rPr lang="ru-RU" smtClean="0"/>
               <a:pPr/>
-              <a:t>17</a:t>
+              <a:t>16</a:t>
             </a:fld>
             <a:endParaRPr lang="ru-RU"/>
           </a:p>
@@ -8579,6 +9090,29 @@
           </a:bodyPr>
           <a:lstStyle/>
           <a:p>
+            <a:pPr lvl="0" algn="just"/>
+            <a:r>
+              <a:rPr lang="ru-RU" sz="2800" dirty="0" smtClean="0"/>
+              <a:t>исследовать </a:t>
+            </a:r>
+            <a:r>
+              <a:rPr lang="ru-RU" sz="2800" i="1" u="sng" dirty="0"/>
+              <a:t>алгоритмы</a:t>
+            </a:r>
+            <a:r>
+              <a:rPr lang="ru-RU" sz="2800" u="sng" dirty="0"/>
+              <a:t> поиска</a:t>
+            </a:r>
+            <a:r>
+              <a:rPr lang="ru-RU" sz="2800" dirty="0"/>
+              <a:t> лучшего </a:t>
+            </a:r>
+            <a:r>
+              <a:rPr lang="ru-RU" sz="2800" dirty="0" smtClean="0"/>
+              <a:t>хода</a:t>
+            </a:r>
+          </a:p>
+          <a:p>
             <a:pPr algn="just"/>
             <a:r>
               <a:rPr lang="ru-RU" sz="2800" dirty="0"/>
@@ -8586,14 +9120,10 @@
             </a:r>
             <a:r>
               <a:rPr lang="ru-RU" sz="2800" b="1" i="1" dirty="0"/>
-              <a:t>"Русские </a:t>
-            </a:r>
-            <a:r>
-              <a:rPr lang="ru-RU" sz="2800" b="1" i="1" dirty="0" smtClean="0"/>
-              <a:t>шашки</a:t>
-            </a:r>
-            <a:r>
-              <a:rPr lang="en-US" sz="2800" b="1" i="1" dirty="0" smtClean="0"/>
+              <a:t>"Русские шашки</a:t>
+            </a:r>
+            <a:r>
+              <a:rPr lang="en-US" sz="2800" b="1" i="1" dirty="0"/>
               <a:t>”</a:t>
             </a:r>
             <a:endParaRPr lang="ru-RU" sz="2800" b="1" i="1" dirty="0"/>
@@ -8601,46 +9131,7 @@
           <a:p>
             <a:pPr lvl="0" algn="just"/>
             <a:r>
-              <a:rPr lang="ru-RU" sz="2800" dirty="0"/>
-              <a:t>реализовать </a:t>
-            </a:r>
-            <a:r>
-              <a:rPr lang="ru-RU" sz="2800" i="1" u="sng" dirty="0"/>
-              <a:t>пользовательский интерфейс</a:t>
-            </a:r>
-            <a:r>
-              <a:rPr lang="ru-RU" sz="2800" dirty="0"/>
-              <a:t> </a:t>
-            </a:r>
-            <a:r>
               <a:rPr lang="ru-RU" sz="2800" dirty="0" smtClean="0"/>
-              <a:t>игры</a:t>
-            </a:r>
-            <a:endParaRPr lang="ru-RU" sz="2800" dirty="0"/>
-          </a:p>
-          <a:p>
-            <a:pPr lvl="0" algn="just"/>
-            <a:r>
-              <a:rPr lang="ru-RU" sz="2800" dirty="0"/>
-              <a:t>исследовать </a:t>
-            </a:r>
-            <a:r>
-              <a:rPr lang="ru-RU" sz="2800" i="1" u="sng" dirty="0"/>
-              <a:t>алгоритмы</a:t>
-            </a:r>
-            <a:r>
-              <a:rPr lang="ru-RU" sz="2800" u="sng" dirty="0"/>
-              <a:t> поиска</a:t>
-            </a:r>
-            <a:r>
-              <a:rPr lang="ru-RU" sz="2800" dirty="0"/>
-              <a:t> лучшего хода</a:t>
-            </a:r>
-          </a:p>
-          <a:p>
-            <a:pPr lvl="0" algn="just"/>
-            <a:r>
-              <a:rPr lang="ru-RU" sz="2800" dirty="0"/>
               <a:t>создать </a:t>
             </a:r>
             <a:r>
@@ -8685,11 +9176,31 @@
             </a:r>
             <a:r>
               <a:rPr lang="en-US" sz="2800" b="1" i="1" dirty="0"/>
-              <a:t>Aurora Borealis</a:t>
-            </a:r>
-            <a:r>
-              <a:rPr lang="ru-RU" sz="2800" b="1" i="1" dirty="0"/>
-              <a:t>"</a:t>
+              <a:t>Aurora </a:t>
+            </a:r>
+            <a:r>
+              <a:rPr lang="en-US" sz="2800" b="1" i="1" dirty="0" smtClean="0"/>
+              <a:t>Borealis”</a:t>
+            </a:r>
+            <a:endParaRPr lang="ru-RU" sz="2800" b="1" i="1" dirty="0" smtClean="0"/>
+          </a:p>
+          <a:p>
+            <a:pPr algn="just"/>
+            <a:r>
+              <a:rPr lang="ru-RU" sz="2800" dirty="0"/>
+              <a:t>реализовать </a:t>
+            </a:r>
+            <a:r>
+              <a:rPr lang="ru-RU" sz="2800" i="1" u="sng" dirty="0"/>
+              <a:t>пользовательский интерфейс</a:t>
+            </a:r>
+            <a:r>
+              <a:rPr lang="ru-RU" sz="2800" dirty="0"/>
+              <a:t> </a:t>
+            </a:r>
+            <a:r>
+              <a:rPr lang="ru-RU" sz="2800" dirty="0" smtClean="0"/>
+              <a:t>игры</a:t>
             </a:r>
             <a:endParaRPr lang="ru-RU" sz="2800" dirty="0"/>
           </a:p>
@@ -12949,9 +13460,9 @@
         <p:grpSpPr>
           <a:xfrm>
             <a:off x="5578918" y="1196752"/>
-            <a:ext cx="5000660" cy="4785094"/>
+            <a:ext cx="5000660" cy="4981301"/>
             <a:chOff x="3786182" y="1428736"/>
-            <a:chExt cx="5000660" cy="4785094"/>
+            <a:chExt cx="5000660" cy="4981301"/>
           </a:xfrm>
         </p:grpSpPr>
         <p:sp>
@@ -13081,9 +13592,9 @@
           <p:grpSpPr>
             <a:xfrm>
               <a:off x="7215206" y="2786058"/>
-              <a:ext cx="1500198" cy="749605"/>
+              <a:ext cx="1500198" cy="907301"/>
               <a:chOff x="6715140" y="2071678"/>
-              <a:chExt cx="1500198" cy="749605"/>
+              <a:chExt cx="1500198" cy="907301"/>
             </a:xfrm>
           </p:grpSpPr>
           <p:cxnSp>
@@ -13160,7 +13671,7 @@
             </p:nvSpPr>
             <p:spPr>
               <a:xfrm>
-                <a:off x="7643834" y="2428868"/>
+                <a:off x="7691630" y="2586564"/>
                 <a:ext cx="500066" cy="392415"/>
               </a:xfrm>
               <a:prstGeom prst="rect">
@@ -13322,9 +13833,9 @@
           <p:grpSpPr>
             <a:xfrm>
               <a:off x="6357950" y="1428736"/>
-              <a:ext cx="2428892" cy="785818"/>
+              <a:ext cx="2428892" cy="971823"/>
               <a:chOff x="6143636" y="857232"/>
-              <a:chExt cx="2428892" cy="785818"/>
+              <a:chExt cx="2428892" cy="971823"/>
             </a:xfrm>
           </p:grpSpPr>
           <p:cxnSp>
@@ -13401,7 +13912,7 @@
             </p:nvSpPr>
             <p:spPr>
               <a:xfrm>
-                <a:off x="7858148" y="1214422"/>
+                <a:off x="7929586" y="1436640"/>
                 <a:ext cx="500066" cy="392415"/>
               </a:xfrm>
               <a:prstGeom prst="rect">
@@ -13896,9 +14407,9 @@
           <p:grpSpPr>
             <a:xfrm>
               <a:off x="6682461" y="5357826"/>
-              <a:ext cx="645140" cy="856004"/>
+              <a:ext cx="645140" cy="1052211"/>
               <a:chOff x="7968345" y="2071677"/>
-              <a:chExt cx="645140" cy="655570"/>
+              <a:chExt cx="645140" cy="805835"/>
             </a:xfrm>
           </p:grpSpPr>
           <p:cxnSp>
@@ -13975,7 +14486,7 @@
             </p:nvSpPr>
             <p:spPr>
               <a:xfrm>
-                <a:off x="8013926" y="2377270"/>
+                <a:off x="8108181" y="2576981"/>
                 <a:ext cx="500066" cy="300531"/>
               </a:xfrm>
               <a:prstGeom prst="rect">
@@ -14239,7 +14750,23 @@
             <a:pPr algn="just"/>
             <a:r>
               <a:rPr lang="ru-RU" sz="2000" dirty="0"/>
-              <a:t>На последнем шаге рекурсии вызывается оценочная функция.</a:t>
+              <a:t>На последнем шаге </a:t>
+            </a:r>
+            <a:r>
+              <a:rPr lang="ru-RU" sz="2000" dirty="0" smtClean="0"/>
+              <a:t>рекурсии</a:t>
+            </a:r>
+            <a:r>
+              <a:rPr lang="en-US" sz="2000" dirty="0" smtClean="0"/>
+              <a:t> </a:t>
+            </a:r>
+            <a:r>
+              <a:rPr lang="ru-RU" sz="2000" dirty="0" smtClean="0"/>
+              <a:t>для оценки хода </a:t>
+            </a:r>
+            <a:r>
+              <a:rPr lang="ru-RU" sz="2000" dirty="0"/>
+              <a:t>вызывается оценочная функция.</a:t>
             </a:r>
           </a:p>
         </p:txBody>
@@ -18646,8 +19173,13 @@
             </a:pPr>
             <a:r>
               <a:rPr lang="ru-RU" sz="2200" dirty="0" smtClean="0"/>
-              <a:t>вес шашки 50</a:t>
-            </a:r>
+              <a:t>вес шашки </a:t>
+            </a:r>
+            <a:r>
+              <a:rPr lang="en-US" sz="2200" dirty="0" smtClean="0"/>
+              <a:t>10</a:t>
+            </a:r>
+            <a:endParaRPr lang="ru-RU" sz="2200" dirty="0" smtClean="0"/>
           </a:p>
           <a:p>
             <a:pPr marL="285750" indent="-285750">
@@ -18656,8 +19188,17 @@
             </a:pPr>
             <a:r>
               <a:rPr lang="ru-RU" sz="2200" dirty="0" smtClean="0"/>
-              <a:t>вес дамки 350</a:t>
-            </a:r>
+              <a:t>вес дамки </a:t>
+            </a:r>
+            <a:r>
+              <a:rPr lang="en-US" sz="2200" dirty="0" smtClean="0"/>
+              <a:t>3</a:t>
+            </a:r>
+            <a:r>
+              <a:rPr lang="ru-RU" sz="2200" dirty="0" smtClean="0"/>
+              <a:t>0</a:t>
+            </a:r>
+            <a:endParaRPr lang="ru-RU" sz="2200" dirty="0" smtClean="0"/>
           </a:p>
           <a:p>
             <a:r>
@@ -18670,7 +19211,11 @@
             </a:r>
             <a:r>
               <a:rPr lang="ru-RU" sz="2200" dirty="0" smtClean="0"/>
-              <a:t>значение 250</a:t>
+              <a:t>значение </a:t>
+            </a:r>
+            <a:r>
+              <a:rPr lang="en-US" sz="2200" dirty="0" smtClean="0"/>
+              <a:t>10</a:t>
             </a:r>
             <a:endParaRPr lang="ru-RU" sz="2200" dirty="0"/>
           </a:p>
@@ -18697,1443 +19242,6 @@
 </file>
 
 <file path=ppt/slides/slide6.xml><?xml version="1.0" encoding="utf-8"?>
-<p:sld xmlns:a="http://schemas.openxmlformats.org/drawingml/2006/main" xmlns:r="http://schemas.openxmlformats.org/officeDocument/2006/relationships" xmlns:p="http://schemas.openxmlformats.org/presentationml/2006/main">
-  <p:cSld>
-    <p:spTree>
-      <p:nvGrpSpPr>
-        <p:cNvPr id="1" name=""/>
-        <p:cNvGrpSpPr/>
-        <p:nvPr/>
-      </p:nvGrpSpPr>
-      <p:grpSpPr>
-        <a:xfrm>
-          <a:off x="0" y="0"/>
-          <a:ext cx="0" cy="0"/>
-          <a:chOff x="0" y="0"/>
-          <a:chExt cx="0" cy="0"/>
-        </a:xfrm>
-      </p:grpSpPr>
-      <p:sp>
-        <p:nvSpPr>
-          <p:cNvPr id="2" name="Заголовок 1"/>
-          <p:cNvSpPr>
-            <a:spLocks noGrp="1"/>
-          </p:cNvSpPr>
-          <p:nvPr>
-            <p:ph type="title"/>
-          </p:nvPr>
-        </p:nvSpPr>
-        <p:spPr>
-          <a:xfrm>
-            <a:off x="551385" y="116632"/>
-            <a:ext cx="8568952" cy="1080120"/>
-          </a:xfrm>
-        </p:spPr>
-        <p:txBody>
-          <a:bodyPr>
-            <a:normAutofit/>
-          </a:bodyPr>
-          <a:lstStyle/>
-          <a:p>
-            <a:r>
-              <a:rPr lang="ru-RU" b="1" dirty="0" smtClean="0">
-                <a:solidFill>
-                  <a:schemeClr val="accent1"/>
-                </a:solidFill>
-              </a:rPr>
-              <a:t>Алгоритм полного </a:t>
-            </a:r>
-            <a:r>
-              <a:rPr lang="ru-RU" b="1" dirty="0">
-                <a:solidFill>
-                  <a:schemeClr val="accent1"/>
-                </a:solidFill>
-              </a:rPr>
-              <a:t>перебора</a:t>
-            </a:r>
-          </a:p>
-        </p:txBody>
-      </p:sp>
-      <p:sp>
-        <p:nvSpPr>
-          <p:cNvPr id="4" name="Дата 3"/>
-          <p:cNvSpPr>
-            <a:spLocks noGrp="1"/>
-          </p:cNvSpPr>
-          <p:nvPr>
-            <p:ph type="dt" sz="half" idx="10"/>
-          </p:nvPr>
-        </p:nvSpPr>
-        <p:spPr/>
-        <p:txBody>
-          <a:bodyPr/>
-          <a:lstStyle/>
-          <a:p>
-            <a:fld id="{E71CF102-42F8-44AC-95EB-A2F15B851FDA}" type="datetime1">
-              <a:rPr lang="ru-RU" sz="1400" smtClean="0"/>
-              <a:t>18.05.2017</a:t>
-            </a:fld>
-            <a:endParaRPr lang="ru-RU" sz="1400" dirty="0"/>
-          </a:p>
-        </p:txBody>
-      </p:sp>
-      <p:sp>
-        <p:nvSpPr>
-          <p:cNvPr id="6" name="Номер слайда 5"/>
-          <p:cNvSpPr>
-            <a:spLocks noGrp="1"/>
-          </p:cNvSpPr>
-          <p:nvPr>
-            <p:ph type="sldNum" sz="quarter" idx="12"/>
-          </p:nvPr>
-        </p:nvSpPr>
-        <p:spPr/>
-        <p:txBody>
-          <a:bodyPr/>
-          <a:lstStyle/>
-          <a:p>
-            <a:fld id="{725C68B6-61C2-468F-89AB-4B9F7531AA68}" type="slidenum">
-              <a:rPr lang="ru-RU" sz="1400"/>
-              <a:pPr/>
-              <a:t>6</a:t>
-            </a:fld>
-            <a:endParaRPr lang="ru-RU" sz="1400" dirty="0"/>
-          </a:p>
-        </p:txBody>
-      </p:sp>
-      <p:pic>
-        <p:nvPicPr>
-          <p:cNvPr id="85" name="Picture 3"/>
-          <p:cNvPicPr>
-            <a:picLocks noChangeAspect="1" noChangeArrowheads="1"/>
-          </p:cNvPicPr>
-          <p:nvPr/>
-        </p:nvPicPr>
-        <p:blipFill>
-          <a:blip r:embed="rId3">
-            <a:extLst>
-              <a:ext uri="{28A0092B-C50C-407E-A947-70E740481C1C}">
-                <a14:useLocalDpi xmlns:a14="http://schemas.microsoft.com/office/drawing/2010/main" val="0"/>
-              </a:ext>
-            </a:extLst>
-          </a:blip>
-          <a:srcRect/>
-          <a:stretch>
-            <a:fillRect/>
-          </a:stretch>
-        </p:blipFill>
-        <p:spPr bwMode="auto">
-          <a:xfrm>
-            <a:off x="9480376" y="340658"/>
-            <a:ext cx="2254374" cy="632067"/>
-          </a:xfrm>
-          <a:prstGeom prst="rect">
-            <a:avLst/>
-          </a:prstGeom>
-          <a:noFill/>
-          <a:ln>
-            <a:noFill/>
-          </a:ln>
-          <a:effectLst/>
-          <a:extLst>
-            <a:ext uri="{909E8E84-426E-40DD-AFC4-6F175D3DCCD1}">
-              <a14:hiddenFill xmlns:a14="http://schemas.microsoft.com/office/drawing/2010/main">
-                <a:blipFill dpi="0" rotWithShape="0">
-                  <a:blip/>
-                  <a:srcRect/>
-                  <a:stretch>
-                    <a:fillRect/>
-                  </a:stretch>
-                </a:blipFill>
-              </a14:hiddenFill>
-            </a:ext>
-            <a:ext uri="{91240B29-F687-4F45-9708-019B960494DF}">
-              <a14:hiddenLine xmlns:a14="http://schemas.microsoft.com/office/drawing/2010/main" w="9525" cap="flat">
-                <a:solidFill>
-                  <a:srgbClr val="808080"/>
-                </a:solidFill>
-                <a:round/>
-                <a:headEnd/>
-                <a:tailEnd/>
-              </a14:hiddenLine>
-            </a:ext>
-            <a:ext uri="{AF507438-7753-43E0-B8FC-AC1667EBCBE1}">
-              <a14:hiddenEffects xmlns:a14="http://schemas.microsoft.com/office/drawing/2010/main">
-                <a:effectLst>
-                  <a:outerShdw dist="35921" dir="2700000" algn="ctr" rotWithShape="0">
-                    <a:srgbClr val="808080"/>
-                  </a:outerShdw>
-                </a:effectLst>
-              </a14:hiddenEffects>
-            </a:ext>
-          </a:extLst>
-        </p:spPr>
-      </p:pic>
-      <p:sp>
-        <p:nvSpPr>
-          <p:cNvPr id="193" name="TextBox 192"/>
-          <p:cNvSpPr txBox="1"/>
-          <p:nvPr/>
-        </p:nvSpPr>
-        <p:spPr>
-          <a:xfrm>
-            <a:off x="6210065" y="3469271"/>
-            <a:ext cx="450764" cy="408627"/>
-          </a:xfrm>
-          <a:prstGeom prst="rect">
-            <a:avLst/>
-          </a:prstGeom>
-          <a:noFill/>
-        </p:spPr>
-        <p:txBody>
-          <a:bodyPr wrap="none" rtlCol="0">
-            <a:spAutoFit/>
-          </a:bodyPr>
-          <a:lstStyle/>
-          <a:p>
-            <a:r>
-              <a:rPr lang="ru-RU" sz="2000" dirty="0">
-                <a:solidFill>
-                  <a:schemeClr val="accent1">
-                    <a:lumMod val="75000"/>
-                  </a:schemeClr>
-                </a:solidFill>
-              </a:rPr>
-              <a:t>да</a:t>
-            </a:r>
-          </a:p>
-        </p:txBody>
-      </p:sp>
-      <p:sp>
-        <p:nvSpPr>
-          <p:cNvPr id="194" name="TextBox 193"/>
-          <p:cNvSpPr txBox="1"/>
-          <p:nvPr/>
-        </p:nvSpPr>
-        <p:spPr>
-          <a:xfrm>
-            <a:off x="501684" y="1206755"/>
-            <a:ext cx="4733836" cy="1323439"/>
-          </a:xfrm>
-          <a:prstGeom prst="rect">
-            <a:avLst/>
-          </a:prstGeom>
-          <a:noFill/>
-        </p:spPr>
-        <p:txBody>
-          <a:bodyPr wrap="square" rtlCol="0">
-            <a:spAutoFit/>
-          </a:bodyPr>
-          <a:lstStyle/>
-          <a:p>
-            <a:r>
-              <a:rPr lang="en-US" sz="2000" b="1" dirty="0"/>
-              <a:t>FUNCTION </a:t>
-            </a:r>
-            <a:r>
-              <a:rPr lang="en-US" sz="2000" b="1" dirty="0" smtClean="0"/>
-              <a:t>Search(depth </a:t>
-            </a:r>
-            <a:r>
-              <a:rPr lang="en-US" sz="2000" b="1" dirty="0"/>
-              <a:t>:integer) :integer</a:t>
-            </a:r>
-            <a:r>
-              <a:rPr lang="en-US" sz="2000" b="1" dirty="0" smtClean="0"/>
-              <a:t>;</a:t>
-            </a:r>
-            <a:endParaRPr lang="ru-RU" sz="2000" b="1" dirty="0" smtClean="0"/>
-          </a:p>
-          <a:p>
-            <a:r>
-              <a:rPr lang="en-US" sz="2000" i="1" dirty="0" smtClean="0"/>
-              <a:t>depth</a:t>
-            </a:r>
-            <a:r>
-              <a:rPr lang="en-US" sz="2000" dirty="0" smtClean="0"/>
-              <a:t> </a:t>
-            </a:r>
-            <a:r>
-              <a:rPr lang="en-US" sz="2000" dirty="0"/>
-              <a:t>– </a:t>
-            </a:r>
-            <a:r>
-              <a:rPr lang="ru-RU" sz="2000" dirty="0"/>
-              <a:t>текущая глубина </a:t>
-            </a:r>
-            <a:r>
-              <a:rPr lang="ru-RU" sz="2000" dirty="0" smtClean="0"/>
-              <a:t>рекурсии</a:t>
-            </a:r>
-          </a:p>
-          <a:p>
-            <a:r>
-              <a:rPr lang="en-US" sz="2000" i="1" dirty="0"/>
-              <a:t>score</a:t>
-            </a:r>
-            <a:r>
-              <a:rPr lang="en-US" sz="2000" dirty="0"/>
-              <a:t> –</a:t>
-            </a:r>
-            <a:r>
-              <a:rPr lang="ru-RU" sz="2000" dirty="0"/>
-              <a:t> оценка лучшего </a:t>
-            </a:r>
-            <a:r>
-              <a:rPr lang="ru-RU" sz="2000" dirty="0" smtClean="0"/>
-              <a:t>хода</a:t>
-            </a:r>
-            <a:endParaRPr lang="ru-RU" sz="2000" dirty="0"/>
-          </a:p>
-          <a:p>
-            <a:endParaRPr lang="ru-RU" sz="2000" b="1" dirty="0"/>
-          </a:p>
-        </p:txBody>
-      </p:sp>
-      <p:cxnSp>
-        <p:nvCxnSpPr>
-          <p:cNvPr id="31" name="Прямая со стрелкой 30"/>
-          <p:cNvCxnSpPr>
-            <a:stCxn id="168" idx="2"/>
-            <a:endCxn id="203" idx="0"/>
-          </p:cNvCxnSpPr>
-          <p:nvPr/>
-        </p:nvCxnSpPr>
-        <p:spPr>
-          <a:xfrm>
-            <a:off x="5909936" y="3692759"/>
-            <a:ext cx="0" cy="159675"/>
-          </a:xfrm>
-          <a:prstGeom prst="straightConnector1">
-            <a:avLst/>
-          </a:prstGeom>
-          <a:ln>
-            <a:tailEnd type="triangle"/>
-          </a:ln>
-        </p:spPr>
-        <p:style>
-          <a:lnRef idx="1">
-            <a:schemeClr val="accent1"/>
-          </a:lnRef>
-          <a:fillRef idx="0">
-            <a:schemeClr val="accent1"/>
-          </a:fillRef>
-          <a:effectRef idx="0">
-            <a:schemeClr val="accent1"/>
-          </a:effectRef>
-          <a:fontRef idx="minor">
-            <a:schemeClr val="tx1"/>
-          </a:fontRef>
-        </p:style>
-      </p:cxnSp>
-      <p:cxnSp>
-        <p:nvCxnSpPr>
-          <p:cNvPr id="70" name="Прямая со стрелкой 69"/>
-          <p:cNvCxnSpPr>
-            <a:stCxn id="206" idx="2"/>
-            <a:endCxn id="176" idx="0"/>
-          </p:cNvCxnSpPr>
-          <p:nvPr/>
-        </p:nvCxnSpPr>
-        <p:spPr>
-          <a:xfrm>
-            <a:off x="5909936" y="5064001"/>
-            <a:ext cx="0" cy="116641"/>
-          </a:xfrm>
-          <a:prstGeom prst="straightConnector1">
-            <a:avLst/>
-          </a:prstGeom>
-          <a:ln>
-            <a:tailEnd type="triangle"/>
-          </a:ln>
-        </p:spPr>
-        <p:style>
-          <a:lnRef idx="1">
-            <a:schemeClr val="accent1"/>
-          </a:lnRef>
-          <a:fillRef idx="0">
-            <a:schemeClr val="accent1"/>
-          </a:fillRef>
-          <a:effectRef idx="0">
-            <a:schemeClr val="accent1"/>
-          </a:effectRef>
-          <a:fontRef idx="minor">
-            <a:schemeClr val="tx1"/>
-          </a:fontRef>
-        </p:style>
-      </p:cxnSp>
-      <p:cxnSp>
-        <p:nvCxnSpPr>
-          <p:cNvPr id="215" name="Прямая со стрелкой 214"/>
-          <p:cNvCxnSpPr>
-            <a:stCxn id="199" idx="2"/>
-            <a:endCxn id="168" idx="0"/>
-          </p:cNvCxnSpPr>
-          <p:nvPr/>
-        </p:nvCxnSpPr>
-        <p:spPr>
-          <a:xfrm>
-            <a:off x="5909936" y="2869288"/>
-            <a:ext cx="0" cy="171293"/>
-          </a:xfrm>
-          <a:prstGeom prst="straightConnector1">
-            <a:avLst/>
-          </a:prstGeom>
-          <a:ln>
-            <a:tailEnd type="triangle"/>
-          </a:ln>
-        </p:spPr>
-        <p:style>
-          <a:lnRef idx="1">
-            <a:schemeClr val="accent1"/>
-          </a:lnRef>
-          <a:fillRef idx="0">
-            <a:schemeClr val="accent1"/>
-          </a:fillRef>
-          <a:effectRef idx="0">
-            <a:schemeClr val="accent1"/>
-          </a:effectRef>
-          <a:fontRef idx="minor">
-            <a:schemeClr val="tx1"/>
-          </a:fontRef>
-        </p:style>
-      </p:cxnSp>
-      <p:grpSp>
-        <p:nvGrpSpPr>
-          <p:cNvPr id="292" name="Группа 291"/>
-          <p:cNvGrpSpPr/>
-          <p:nvPr/>
-        </p:nvGrpSpPr>
-        <p:grpSpPr>
-          <a:xfrm>
-            <a:off x="3111492" y="1196752"/>
-            <a:ext cx="7620836" cy="5422009"/>
-            <a:chOff x="3111492" y="1058501"/>
-            <a:chExt cx="7620836" cy="5480249"/>
-          </a:xfrm>
-        </p:grpSpPr>
-        <p:sp>
-          <p:nvSpPr>
-            <p:cNvPr id="163" name="TextBox 162"/>
-            <p:cNvSpPr txBox="1"/>
-            <p:nvPr/>
-          </p:nvSpPr>
-          <p:spPr>
-            <a:xfrm>
-              <a:off x="5935502" y="1064224"/>
-              <a:ext cx="529953" cy="384721"/>
-            </a:xfrm>
-            <a:prstGeom prst="rect">
-              <a:avLst/>
-            </a:prstGeom>
-            <a:noFill/>
-          </p:spPr>
-          <p:txBody>
-            <a:bodyPr wrap="none" rtlCol="0">
-              <a:spAutoFit/>
-            </a:bodyPr>
-            <a:lstStyle/>
-            <a:p>
-              <a:r>
-                <a:rPr lang="ru-RU" sz="1900" dirty="0">
-                  <a:solidFill>
-                    <a:schemeClr val="accent1">
-                      <a:lumMod val="75000"/>
-                    </a:schemeClr>
-                  </a:solidFill>
-                </a:rPr>
-                <a:t>нет</a:t>
-              </a:r>
-            </a:p>
-          </p:txBody>
-        </p:sp>
-        <p:grpSp>
-          <p:nvGrpSpPr>
-            <p:cNvPr id="291" name="Группа 290"/>
-            <p:cNvGrpSpPr/>
-            <p:nvPr/>
-          </p:nvGrpSpPr>
-          <p:grpSpPr>
-            <a:xfrm>
-              <a:off x="3111492" y="1058501"/>
-              <a:ext cx="7620836" cy="5480249"/>
-              <a:chOff x="3111492" y="1058501"/>
-              <a:chExt cx="7620836" cy="5480249"/>
-            </a:xfrm>
-          </p:grpSpPr>
-          <p:sp>
-            <p:nvSpPr>
-              <p:cNvPr id="94" name="TextBox 93"/>
-              <p:cNvSpPr txBox="1"/>
-              <p:nvPr/>
-            </p:nvSpPr>
-            <p:spPr>
-              <a:xfrm>
-                <a:off x="9063321" y="1062546"/>
-                <a:ext cx="437940" cy="384721"/>
-              </a:xfrm>
-              <a:prstGeom prst="rect">
-                <a:avLst/>
-              </a:prstGeom>
-              <a:noFill/>
-            </p:spPr>
-            <p:txBody>
-              <a:bodyPr wrap="none" rtlCol="0">
-                <a:spAutoFit/>
-              </a:bodyPr>
-              <a:lstStyle/>
-              <a:p>
-                <a:r>
-                  <a:rPr lang="ru-RU" sz="1900" dirty="0">
-                    <a:solidFill>
-                      <a:schemeClr val="accent1">
-                        <a:lumMod val="75000"/>
-                      </a:schemeClr>
-                    </a:solidFill>
-                  </a:rPr>
-                  <a:t>да</a:t>
-                </a:r>
-              </a:p>
-            </p:txBody>
-          </p:sp>
-          <p:cxnSp>
-            <p:nvCxnSpPr>
-              <p:cNvPr id="24" name="Соединительная линия уступом 23"/>
-              <p:cNvCxnSpPr>
-                <a:stCxn id="84" idx="3"/>
-                <a:endCxn id="164" idx="0"/>
-              </p:cNvCxnSpPr>
-              <p:nvPr/>
-            </p:nvCxnSpPr>
-            <p:spPr>
-              <a:xfrm>
-                <a:off x="8885322" y="1441956"/>
-                <a:ext cx="699982" cy="385274"/>
-              </a:xfrm>
-              <a:prstGeom prst="bentConnector2">
-                <a:avLst/>
-              </a:prstGeom>
-              <a:ln>
-                <a:tailEnd type="triangle"/>
-              </a:ln>
-            </p:spPr>
-            <p:style>
-              <a:lnRef idx="1">
-                <a:schemeClr val="accent1"/>
-              </a:lnRef>
-              <a:fillRef idx="0">
-                <a:schemeClr val="accent1"/>
-              </a:fillRef>
-              <a:effectRef idx="0">
-                <a:schemeClr val="accent1"/>
-              </a:effectRef>
-              <a:fontRef idx="minor">
-                <a:schemeClr val="tx1"/>
-              </a:fontRef>
-            </p:style>
-          </p:cxnSp>
-          <p:grpSp>
-            <p:nvGrpSpPr>
-              <p:cNvPr id="290" name="Группа 289"/>
-              <p:cNvGrpSpPr/>
-              <p:nvPr/>
-            </p:nvGrpSpPr>
-            <p:grpSpPr>
-              <a:xfrm>
-                <a:off x="3111492" y="1058501"/>
-                <a:ext cx="7620836" cy="5480249"/>
-                <a:chOff x="3111492" y="1058501"/>
-                <a:chExt cx="7620836" cy="5480249"/>
-              </a:xfrm>
-            </p:grpSpPr>
-            <p:sp>
-              <p:nvSpPr>
-                <p:cNvPr id="169" name="TextBox 168"/>
-                <p:cNvSpPr txBox="1"/>
-                <p:nvPr/>
-              </p:nvSpPr>
-              <p:spPr>
-                <a:xfrm>
-                  <a:off x="7636329" y="2852065"/>
-                  <a:ext cx="529953" cy="384721"/>
-                </a:xfrm>
-                <a:prstGeom prst="rect">
-                  <a:avLst/>
-                </a:prstGeom>
-                <a:noFill/>
-              </p:spPr>
-              <p:txBody>
-                <a:bodyPr wrap="none" rtlCol="0">
-                  <a:spAutoFit/>
-                </a:bodyPr>
-                <a:lstStyle/>
-                <a:p>
-                  <a:r>
-                    <a:rPr lang="ru-RU" sz="1900" dirty="0">
-                      <a:solidFill>
-                        <a:schemeClr val="accent1">
-                          <a:lumMod val="75000"/>
-                        </a:schemeClr>
-                      </a:solidFill>
-                    </a:rPr>
-                    <a:t>нет</a:t>
-                  </a:r>
-                </a:p>
-              </p:txBody>
-            </p:sp>
-            <p:sp>
-              <p:nvSpPr>
-                <p:cNvPr id="170" name="TextBox 169"/>
-                <p:cNvSpPr txBox="1"/>
-                <p:nvPr/>
-              </p:nvSpPr>
-              <p:spPr>
-                <a:xfrm>
-                  <a:off x="4134784" y="5094091"/>
-                  <a:ext cx="437940" cy="384721"/>
-                </a:xfrm>
-                <a:prstGeom prst="rect">
-                  <a:avLst/>
-                </a:prstGeom>
-                <a:noFill/>
-              </p:spPr>
-              <p:txBody>
-                <a:bodyPr wrap="none" rtlCol="0">
-                  <a:spAutoFit/>
-                </a:bodyPr>
-                <a:lstStyle/>
-                <a:p>
-                  <a:r>
-                    <a:rPr lang="ru-RU" sz="1900" dirty="0">
-                      <a:solidFill>
-                        <a:schemeClr val="accent1">
-                          <a:lumMod val="75000"/>
-                        </a:schemeClr>
-                      </a:solidFill>
-                    </a:rPr>
-                    <a:t>да</a:t>
-                  </a:r>
-                </a:p>
-              </p:txBody>
-            </p:sp>
-            <p:sp>
-              <p:nvSpPr>
-                <p:cNvPr id="178" name="TextBox 177"/>
-                <p:cNvSpPr txBox="1"/>
-                <p:nvPr/>
-              </p:nvSpPr>
-              <p:spPr>
-                <a:xfrm>
-                  <a:off x="7228615" y="5085184"/>
-                  <a:ext cx="529953" cy="384721"/>
-                </a:xfrm>
-                <a:prstGeom prst="rect">
-                  <a:avLst/>
-                </a:prstGeom>
-                <a:noFill/>
-              </p:spPr>
-              <p:txBody>
-                <a:bodyPr wrap="none" rtlCol="0">
-                  <a:spAutoFit/>
-                </a:bodyPr>
-                <a:lstStyle/>
-                <a:p>
-                  <a:r>
-                    <a:rPr lang="ru-RU" sz="1900" dirty="0">
-                      <a:solidFill>
-                        <a:schemeClr val="accent1">
-                          <a:lumMod val="75000"/>
-                        </a:schemeClr>
-                      </a:solidFill>
-                    </a:rPr>
-                    <a:t>нет</a:t>
-                  </a:r>
-                </a:p>
-              </p:txBody>
-            </p:sp>
-            <p:grpSp>
-              <p:nvGrpSpPr>
-                <p:cNvPr id="289" name="Группа 288"/>
-                <p:cNvGrpSpPr/>
-                <p:nvPr/>
-              </p:nvGrpSpPr>
-              <p:grpSpPr>
-                <a:xfrm>
-                  <a:off x="3111492" y="1058501"/>
-                  <a:ext cx="7620836" cy="5480249"/>
-                  <a:chOff x="3111492" y="1058501"/>
-                  <a:chExt cx="7620836" cy="5480249"/>
-                </a:xfrm>
-              </p:grpSpPr>
-              <p:sp>
-                <p:nvSpPr>
-                  <p:cNvPr id="84" name="Блок-схема: решение 83"/>
-                  <p:cNvSpPr/>
-                  <p:nvPr/>
-                </p:nvSpPr>
-                <p:spPr>
-                  <a:xfrm>
-                    <a:off x="6510193" y="1058501"/>
-                    <a:ext cx="2375129" cy="766910"/>
-                  </a:xfrm>
-                  <a:prstGeom prst="flowChartDecision">
-                    <a:avLst/>
-                  </a:prstGeom>
-                </p:spPr>
-                <p:style>
-                  <a:lnRef idx="2">
-                    <a:schemeClr val="accent1">
-                      <a:shade val="50000"/>
-                    </a:schemeClr>
-                  </a:lnRef>
-                  <a:fillRef idx="1">
-                    <a:schemeClr val="accent1"/>
-                  </a:fillRef>
-                  <a:effectRef idx="0">
-                    <a:schemeClr val="accent1"/>
-                  </a:effectRef>
-                  <a:fontRef idx="minor">
-                    <a:schemeClr val="lt1"/>
-                  </a:fontRef>
-                </p:style>
-                <p:txBody>
-                  <a:bodyPr rtlCol="0" anchor="ctr"/>
-                  <a:lstStyle/>
-                  <a:p>
-                    <a:pPr algn="ctr"/>
-                    <a:r>
-                      <a:rPr lang="en-US" sz="1900" dirty="0"/>
-                      <a:t>depth=0?</a:t>
-                    </a:r>
-                    <a:endParaRPr lang="ru-RU" sz="1900" dirty="0"/>
-                  </a:p>
-                </p:txBody>
-              </p:sp>
-              <p:sp>
-                <p:nvSpPr>
-                  <p:cNvPr id="164" name="Блок-схема: процесс 163"/>
-                  <p:cNvSpPr/>
-                  <p:nvPr/>
-                </p:nvSpPr>
-                <p:spPr>
-                  <a:xfrm>
-                    <a:off x="8438280" y="1827230"/>
-                    <a:ext cx="2294048" cy="594781"/>
-                  </a:xfrm>
-                  <a:prstGeom prst="flowChartProcess">
-                    <a:avLst/>
-                  </a:prstGeom>
-                </p:spPr>
-                <p:style>
-                  <a:lnRef idx="2">
-                    <a:schemeClr val="accent1">
-                      <a:shade val="50000"/>
-                    </a:schemeClr>
-                  </a:lnRef>
-                  <a:fillRef idx="1">
-                    <a:schemeClr val="accent1"/>
-                  </a:fillRef>
-                  <a:effectRef idx="0">
-                    <a:schemeClr val="accent1"/>
-                  </a:effectRef>
-                  <a:fontRef idx="minor">
-                    <a:schemeClr val="lt1"/>
-                  </a:fontRef>
-                </p:style>
-                <p:txBody>
-                  <a:bodyPr rtlCol="0" anchor="ctr"/>
-                  <a:lstStyle/>
-                  <a:p>
-                    <a:pPr algn="ctr"/>
-                    <a:r>
-                      <a:rPr lang="ru-RU" sz="1900" dirty="0"/>
-                      <a:t>Вызови оценочную функцию</a:t>
-                    </a:r>
-                  </a:p>
-                </p:txBody>
-              </p:sp>
-              <p:sp>
-                <p:nvSpPr>
-                  <p:cNvPr id="168" name="Блок-схема: решение 167"/>
-                  <p:cNvSpPr/>
-                  <p:nvPr/>
-                </p:nvSpPr>
-                <p:spPr>
-                  <a:xfrm>
-                    <a:off x="4485314" y="2922135"/>
-                    <a:ext cx="2849244" cy="659183"/>
-                  </a:xfrm>
-                  <a:prstGeom prst="flowChartDecision">
-                    <a:avLst/>
-                  </a:prstGeom>
-                </p:spPr>
-                <p:style>
-                  <a:lnRef idx="2">
-                    <a:schemeClr val="accent1">
-                      <a:shade val="50000"/>
-                    </a:schemeClr>
-                  </a:lnRef>
-                  <a:fillRef idx="1">
-                    <a:schemeClr val="accent1"/>
-                  </a:fillRef>
-                  <a:effectRef idx="0">
-                    <a:schemeClr val="accent1"/>
-                  </a:effectRef>
-                  <a:fontRef idx="minor">
-                    <a:schemeClr val="lt1"/>
-                  </a:fontRef>
-                </p:style>
-                <p:txBody>
-                  <a:bodyPr rtlCol="0" anchor="ctr"/>
-                  <a:lstStyle/>
-                  <a:p>
-                    <a:pPr algn="ctr"/>
-                    <a:r>
-                      <a:rPr lang="ru-RU" sz="1900" dirty="0"/>
-                      <a:t>Есть еще </a:t>
-                    </a:r>
-                    <a:r>
-                      <a:rPr lang="ru-RU" sz="1900" dirty="0" smtClean="0"/>
-                      <a:t>ходы?</a:t>
-                    </a:r>
-                    <a:endParaRPr lang="ru-RU" sz="1900" dirty="0"/>
-                  </a:p>
-                </p:txBody>
-              </p:sp>
-              <p:sp>
-                <p:nvSpPr>
-                  <p:cNvPr id="176" name="Блок-схема: решение 175"/>
-                  <p:cNvSpPr/>
-                  <p:nvPr/>
-                </p:nvSpPr>
-                <p:spPr>
-                  <a:xfrm>
-                    <a:off x="4485314" y="5085184"/>
-                    <a:ext cx="2849244" cy="740897"/>
-                  </a:xfrm>
-                  <a:prstGeom prst="flowChartDecision">
-                    <a:avLst/>
-                  </a:prstGeom>
-                </p:spPr>
-                <p:style>
-                  <a:lnRef idx="2">
-                    <a:schemeClr val="accent1">
-                      <a:shade val="50000"/>
-                    </a:schemeClr>
-                  </a:lnRef>
-                  <a:fillRef idx="1">
-                    <a:schemeClr val="accent1"/>
-                  </a:fillRef>
-                  <a:effectRef idx="0">
-                    <a:schemeClr val="accent1"/>
-                  </a:effectRef>
-                  <a:fontRef idx="minor">
-                    <a:schemeClr val="lt1"/>
-                  </a:fontRef>
-                </p:style>
-                <p:txBody>
-                  <a:bodyPr rtlCol="0" anchor="ctr"/>
-                  <a:lstStyle/>
-                  <a:p>
-                    <a:pPr algn="ctr"/>
-                    <a:r>
-                      <a:rPr lang="en-US" sz="1900" dirty="0"/>
-                      <a:t>score&lt;</a:t>
-                    </a:r>
-                    <a:r>
-                      <a:rPr lang="en-US" sz="1900" dirty="0" err="1"/>
-                      <a:t>tmp</a:t>
-                    </a:r>
-                    <a:r>
-                      <a:rPr lang="en-US" sz="1900" dirty="0"/>
-                      <a:t>?</a:t>
-                    </a:r>
-                    <a:endParaRPr lang="ru-RU" sz="1900" dirty="0"/>
-                  </a:p>
-                </p:txBody>
-              </p:sp>
-              <p:sp>
-                <p:nvSpPr>
-                  <p:cNvPr id="185" name="Блок-схема: знак завершения 184"/>
-                  <p:cNvSpPr/>
-                  <p:nvPr/>
-                </p:nvSpPr>
-                <p:spPr>
-                  <a:xfrm>
-                    <a:off x="9082102" y="6173957"/>
-                    <a:ext cx="1030350" cy="364793"/>
-                  </a:xfrm>
-                  <a:prstGeom prst="flowChartTerminator">
-                    <a:avLst/>
-                  </a:prstGeom>
-                </p:spPr>
-                <p:style>
-                  <a:lnRef idx="2">
-                    <a:schemeClr val="accent1">
-                      <a:shade val="50000"/>
-                    </a:schemeClr>
-                  </a:lnRef>
-                  <a:fillRef idx="1">
-                    <a:schemeClr val="accent1"/>
-                  </a:fillRef>
-                  <a:effectRef idx="0">
-                    <a:schemeClr val="accent1"/>
-                  </a:effectRef>
-                  <a:fontRef idx="minor">
-                    <a:schemeClr val="lt1"/>
-                  </a:fontRef>
-                </p:style>
-                <p:txBody>
-                  <a:bodyPr rtlCol="0" anchor="ctr"/>
-                  <a:lstStyle/>
-                  <a:p>
-                    <a:pPr algn="ctr"/>
-                    <a:r>
-                      <a:rPr lang="ru-RU" sz="1900" dirty="0"/>
-                      <a:t>Конец</a:t>
-                    </a:r>
-                  </a:p>
-                </p:txBody>
-              </p:sp>
-              <p:grpSp>
-                <p:nvGrpSpPr>
-                  <p:cNvPr id="19" name="Группа 18"/>
-                  <p:cNvGrpSpPr/>
-                  <p:nvPr/>
-                </p:nvGrpSpPr>
-                <p:grpSpPr>
-                  <a:xfrm>
-                    <a:off x="4762912" y="1841101"/>
-                    <a:ext cx="2294048" cy="907902"/>
-                    <a:chOff x="4835860" y="1860778"/>
-                    <a:chExt cx="2294048" cy="907902"/>
-                  </a:xfrm>
-                </p:grpSpPr>
-                <p:sp>
-                  <p:nvSpPr>
-                    <p:cNvPr id="197" name="Блок-схема: процесс 196"/>
-                    <p:cNvSpPr/>
-                    <p:nvPr/>
-                  </p:nvSpPr>
-                  <p:spPr>
-                    <a:xfrm>
-                      <a:off x="4835860" y="1860778"/>
-                      <a:ext cx="2294048" cy="283520"/>
-                    </a:xfrm>
-                    <a:prstGeom prst="flowChartProcess">
-                      <a:avLst/>
-                    </a:prstGeom>
-                  </p:spPr>
-                  <p:style>
-                    <a:lnRef idx="2">
-                      <a:schemeClr val="accent1">
-                        <a:shade val="50000"/>
-                      </a:schemeClr>
-                    </a:lnRef>
-                    <a:fillRef idx="1">
-                      <a:schemeClr val="accent1"/>
-                    </a:fillRef>
-                    <a:effectRef idx="0">
-                      <a:schemeClr val="accent1"/>
-                    </a:effectRef>
-                    <a:fontRef idx="minor">
-                      <a:schemeClr val="lt1"/>
-                    </a:fontRef>
-                  </p:style>
-                  <p:txBody>
-                    <a:bodyPr rtlCol="0" anchor="ctr"/>
-                    <a:lstStyle/>
-                    <a:p>
-                      <a:pPr algn="ctr"/>
-                      <a:r>
-                        <a:rPr lang="en-US" sz="1900" dirty="0"/>
-                        <a:t>score:=-INFINITY</a:t>
-                      </a:r>
-                      <a:endParaRPr lang="ru-RU" sz="1900" dirty="0"/>
-                    </a:p>
-                  </p:txBody>
-                </p:sp>
-                <p:sp>
-                  <p:nvSpPr>
-                    <p:cNvPr id="199" name="Блок-схема: процесс 198"/>
-                    <p:cNvSpPr/>
-                    <p:nvPr/>
-                  </p:nvSpPr>
-                  <p:spPr>
-                    <a:xfrm>
-                      <a:off x="4835860" y="2173899"/>
-                      <a:ext cx="2294048" cy="594781"/>
-                    </a:xfrm>
-                    <a:prstGeom prst="flowChartProcess">
-                      <a:avLst/>
-                    </a:prstGeom>
-                  </p:spPr>
-                  <p:style>
-                    <a:lnRef idx="2">
-                      <a:schemeClr val="accent1">
-                        <a:shade val="50000"/>
-                      </a:schemeClr>
-                    </a:lnRef>
-                    <a:fillRef idx="1">
-                      <a:schemeClr val="accent1"/>
-                    </a:fillRef>
-                    <a:effectRef idx="0">
-                      <a:schemeClr val="accent1"/>
-                    </a:effectRef>
-                    <a:fontRef idx="minor">
-                      <a:schemeClr val="lt1"/>
-                    </a:fontRef>
-                  </p:style>
-                  <p:txBody>
-                    <a:bodyPr rtlCol="0" anchor="ctr"/>
-                    <a:lstStyle/>
-                    <a:p>
-                      <a:pPr algn="ctr"/>
-                      <a:r>
-                        <a:rPr lang="ru-RU" sz="1900" dirty="0"/>
-                        <a:t>Сгенерируй все ходы</a:t>
-                      </a:r>
-                    </a:p>
-                  </p:txBody>
-                </p:sp>
-              </p:grpSp>
-              <p:sp>
-                <p:nvSpPr>
-                  <p:cNvPr id="205" name="Блок-схема: процесс 204"/>
-                  <p:cNvSpPr/>
-                  <p:nvPr/>
-                </p:nvSpPr>
-                <p:spPr>
-                  <a:xfrm>
-                    <a:off x="3111492" y="5953774"/>
-                    <a:ext cx="2294048" cy="283520"/>
-                  </a:xfrm>
-                  <a:prstGeom prst="flowChartProcess">
-                    <a:avLst/>
-                  </a:prstGeom>
-                </p:spPr>
-                <p:style>
-                  <a:lnRef idx="2">
-                    <a:schemeClr val="accent1">
-                      <a:shade val="50000"/>
-                    </a:schemeClr>
-                  </a:lnRef>
-                  <a:fillRef idx="1">
-                    <a:schemeClr val="accent1"/>
-                  </a:fillRef>
-                  <a:effectRef idx="0">
-                    <a:schemeClr val="accent1"/>
-                  </a:effectRef>
-                  <a:fontRef idx="minor">
-                    <a:schemeClr val="lt1"/>
-                  </a:fontRef>
-                </p:style>
-                <p:txBody>
-                  <a:bodyPr rtlCol="0" anchor="ctr"/>
-                  <a:lstStyle/>
-                  <a:p>
-                    <a:pPr algn="ctr"/>
-                    <a:r>
-                      <a:rPr lang="en-US" sz="1900" dirty="0"/>
-                      <a:t>score:=tmp</a:t>
-                    </a:r>
-                    <a:endParaRPr lang="ru-RU" sz="1900" dirty="0"/>
-                  </a:p>
-                </p:txBody>
-              </p:sp>
-              <p:grpSp>
-                <p:nvGrpSpPr>
-                  <p:cNvPr id="20" name="Группа 19"/>
-                  <p:cNvGrpSpPr/>
-                  <p:nvPr/>
-                </p:nvGrpSpPr>
-                <p:grpSpPr>
-                  <a:xfrm>
-                    <a:off x="4606192" y="3742709"/>
-                    <a:ext cx="2607488" cy="1224581"/>
-                    <a:chOff x="4601628" y="3790276"/>
-                    <a:chExt cx="2607488" cy="1224581"/>
-                  </a:xfrm>
-                </p:grpSpPr>
-                <p:sp>
-                  <p:nvSpPr>
-                    <p:cNvPr id="203" name="Блок-схема: процесс 202"/>
-                    <p:cNvSpPr/>
-                    <p:nvPr/>
-                  </p:nvSpPr>
-                  <p:spPr>
-                    <a:xfrm>
-                      <a:off x="4601628" y="3790276"/>
-                      <a:ext cx="2607488" cy="283520"/>
-                    </a:xfrm>
-                    <a:prstGeom prst="flowChartProcess">
-                      <a:avLst/>
-                    </a:prstGeom>
-                  </p:spPr>
-                  <p:style>
-                    <a:lnRef idx="2">
-                      <a:schemeClr val="accent1">
-                        <a:shade val="50000"/>
-                      </a:schemeClr>
-                    </a:lnRef>
-                    <a:fillRef idx="1">
-                      <a:schemeClr val="accent1"/>
-                    </a:fillRef>
-                    <a:effectRef idx="0">
-                      <a:schemeClr val="accent1"/>
-                    </a:effectRef>
-                    <a:fontRef idx="minor">
-                      <a:schemeClr val="lt1"/>
-                    </a:fontRef>
-                  </p:style>
-                  <p:txBody>
-                    <a:bodyPr rtlCol="0" anchor="ctr"/>
-                    <a:lstStyle/>
-                    <a:p>
-                      <a:pPr algn="ctr"/>
-                      <a:r>
-                        <a:rPr lang="ru-RU" sz="1900" dirty="0"/>
-                        <a:t>Сделай ход</a:t>
-                      </a:r>
-                    </a:p>
-                  </p:txBody>
-                </p:sp>
-                <p:sp>
-                  <p:nvSpPr>
-                    <p:cNvPr id="206" name="Блок-схема: процесс 205"/>
-                    <p:cNvSpPr/>
-                    <p:nvPr/>
-                  </p:nvSpPr>
-                  <p:spPr>
-                    <a:xfrm>
-                      <a:off x="4601628" y="4731337"/>
-                      <a:ext cx="2607488" cy="283520"/>
-                    </a:xfrm>
-                    <a:prstGeom prst="flowChartProcess">
-                      <a:avLst/>
-                    </a:prstGeom>
-                  </p:spPr>
-                  <p:style>
-                    <a:lnRef idx="2">
-                      <a:schemeClr val="accent1">
-                        <a:shade val="50000"/>
-                      </a:schemeClr>
-                    </a:lnRef>
-                    <a:fillRef idx="1">
-                      <a:schemeClr val="accent1"/>
-                    </a:fillRef>
-                    <a:effectRef idx="0">
-                      <a:schemeClr val="accent1"/>
-                    </a:effectRef>
-                    <a:fontRef idx="minor">
-                      <a:schemeClr val="lt1"/>
-                    </a:fontRef>
-                  </p:style>
-                  <p:txBody>
-                    <a:bodyPr rtlCol="0" anchor="ctr"/>
-                    <a:lstStyle/>
-                    <a:p>
-                      <a:pPr algn="ctr"/>
-                      <a:r>
-                        <a:rPr lang="ru-RU" sz="1900" dirty="0"/>
-                        <a:t>Отмени ход</a:t>
-                      </a:r>
-                    </a:p>
-                  </p:txBody>
-                </p:sp>
-                <p:sp>
-                  <p:nvSpPr>
-                    <p:cNvPr id="207" name="Блок-схема: процесс 206"/>
-                    <p:cNvSpPr/>
-                    <p:nvPr/>
-                  </p:nvSpPr>
-                  <p:spPr>
-                    <a:xfrm>
-                      <a:off x="4601628" y="4105176"/>
-                      <a:ext cx="2607488" cy="594781"/>
-                    </a:xfrm>
-                    <a:prstGeom prst="flowChartProcess">
-                      <a:avLst/>
-                    </a:prstGeom>
-                  </p:spPr>
-                  <p:style>
-                    <a:lnRef idx="2">
-                      <a:schemeClr val="accent1">
-                        <a:shade val="50000"/>
-                      </a:schemeClr>
-                    </a:lnRef>
-                    <a:fillRef idx="1">
-                      <a:schemeClr val="accent1"/>
-                    </a:fillRef>
-                    <a:effectRef idx="0">
-                      <a:schemeClr val="accent1"/>
-                    </a:effectRef>
-                    <a:fontRef idx="minor">
-                      <a:schemeClr val="lt1"/>
-                    </a:fontRef>
-                  </p:style>
-                  <p:txBody>
-                    <a:bodyPr rtlCol="0" anchor="ctr"/>
-                    <a:lstStyle/>
-                    <a:p>
-                      <a:pPr algn="ctr"/>
-                      <a:r>
-                        <a:rPr lang="en-US" sz="1900" dirty="0"/>
-                        <a:t>tmp:=-</a:t>
-                      </a:r>
-                      <a:r>
-                        <a:rPr lang="en-US" sz="1900" dirty="0" smtClean="0"/>
-                        <a:t>Search(depth-1</a:t>
-                      </a:r>
-                      <a:r>
-                        <a:rPr lang="ru-RU" sz="1900" dirty="0" smtClean="0"/>
-                        <a:t>)</a:t>
-                      </a:r>
-                      <a:endParaRPr lang="ru-RU" sz="1900" dirty="0"/>
-                    </a:p>
-                  </p:txBody>
-                </p:sp>
-              </p:grpSp>
-            </p:grpSp>
-            <p:cxnSp>
-              <p:nvCxnSpPr>
-                <p:cNvPr id="22" name="Соединительная линия уступом 21"/>
-                <p:cNvCxnSpPr>
-                  <a:stCxn id="84" idx="1"/>
-                  <a:endCxn id="197" idx="0"/>
-                </p:cNvCxnSpPr>
-                <p:nvPr/>
-              </p:nvCxnSpPr>
-              <p:spPr>
-                <a:xfrm rot="10800000" flipV="1">
-                  <a:off x="5909937" y="1441955"/>
-                  <a:ext cx="600257" cy="399145"/>
-                </a:xfrm>
-                <a:prstGeom prst="bentConnector2">
-                  <a:avLst/>
-                </a:prstGeom>
-                <a:ln>
-                  <a:tailEnd type="triangle"/>
-                </a:ln>
-              </p:spPr>
-              <p:style>
-                <a:lnRef idx="1">
-                  <a:schemeClr val="accent1"/>
-                </a:lnRef>
-                <a:fillRef idx="0">
-                  <a:schemeClr val="accent1"/>
-                </a:fillRef>
-                <a:effectRef idx="0">
-                  <a:schemeClr val="accent1"/>
-                </a:effectRef>
-                <a:fontRef idx="minor">
-                  <a:schemeClr val="tx1"/>
-                </a:fontRef>
-              </p:style>
-            </p:cxnSp>
-            <p:cxnSp>
-              <p:nvCxnSpPr>
-                <p:cNvPr id="26" name="Прямая со стрелкой 25"/>
-                <p:cNvCxnSpPr>
-                  <a:stCxn id="164" idx="2"/>
-                  <a:endCxn id="185" idx="0"/>
-                </p:cNvCxnSpPr>
-                <p:nvPr/>
-              </p:nvCxnSpPr>
-              <p:spPr>
-                <a:xfrm>
-                  <a:off x="9585304" y="2422011"/>
-                  <a:ext cx="11973" cy="3751946"/>
-                </a:xfrm>
-                <a:prstGeom prst="straightConnector1">
-                  <a:avLst/>
-                </a:prstGeom>
-                <a:ln>
-                  <a:tailEnd type="triangle"/>
-                </a:ln>
-              </p:spPr>
-              <p:style>
-                <a:lnRef idx="1">
-                  <a:schemeClr val="accent1"/>
-                </a:lnRef>
-                <a:fillRef idx="0">
-                  <a:schemeClr val="accent1"/>
-                </a:fillRef>
-                <a:effectRef idx="0">
-                  <a:schemeClr val="accent1"/>
-                </a:effectRef>
-                <a:fontRef idx="minor">
-                  <a:schemeClr val="tx1"/>
-                </a:fontRef>
-              </p:style>
-            </p:cxnSp>
-            <p:cxnSp>
-              <p:nvCxnSpPr>
-                <p:cNvPr id="29" name="Прямая со стрелкой 28"/>
-                <p:cNvCxnSpPr>
-                  <a:stCxn id="168" idx="3"/>
-                </p:cNvCxnSpPr>
-                <p:nvPr/>
-              </p:nvCxnSpPr>
-              <p:spPr>
-                <a:xfrm>
-                  <a:off x="7334558" y="3251727"/>
-                  <a:ext cx="2262719" cy="17930"/>
-                </a:xfrm>
-                <a:prstGeom prst="straightConnector1">
-                  <a:avLst/>
-                </a:prstGeom>
-                <a:ln>
-                  <a:tailEnd type="triangle"/>
-                </a:ln>
-              </p:spPr>
-              <p:style>
-                <a:lnRef idx="1">
-                  <a:schemeClr val="accent1"/>
-                </a:lnRef>
-                <a:fillRef idx="0">
-                  <a:schemeClr val="accent1"/>
-                </a:fillRef>
-                <a:effectRef idx="0">
-                  <a:schemeClr val="accent1"/>
-                </a:effectRef>
-                <a:fontRef idx="minor">
-                  <a:schemeClr val="tx1"/>
-                </a:fontRef>
-              </p:style>
-            </p:cxnSp>
-            <p:cxnSp>
-              <p:nvCxnSpPr>
-                <p:cNvPr id="77" name="Соединительная линия уступом 76"/>
-                <p:cNvCxnSpPr>
-                  <a:stCxn id="176" idx="1"/>
-                  <a:endCxn id="205" idx="0"/>
-                </p:cNvCxnSpPr>
-                <p:nvPr/>
-              </p:nvCxnSpPr>
-              <p:spPr>
-                <a:xfrm rot="10800000" flipV="1">
-                  <a:off x="4258516" y="5455632"/>
-                  <a:ext cx="226798" cy="498141"/>
-                </a:xfrm>
-                <a:prstGeom prst="bentConnector2">
-                  <a:avLst/>
-                </a:prstGeom>
-                <a:ln>
-                  <a:tailEnd type="triangle"/>
-                </a:ln>
-              </p:spPr>
-              <p:style>
-                <a:lnRef idx="1">
-                  <a:schemeClr val="accent1"/>
-                </a:lnRef>
-                <a:fillRef idx="0">
-                  <a:schemeClr val="accent1"/>
-                </a:fillRef>
-                <a:effectRef idx="0">
-                  <a:schemeClr val="accent1"/>
-                </a:effectRef>
-                <a:fontRef idx="minor">
-                  <a:schemeClr val="tx1"/>
-                </a:fontRef>
-              </p:style>
-            </p:cxnSp>
-            <p:cxnSp>
-              <p:nvCxnSpPr>
-                <p:cNvPr id="81" name="Соединительная линия уступом 80"/>
-                <p:cNvCxnSpPr>
-                  <a:stCxn id="176" idx="3"/>
-                  <a:endCxn id="205" idx="2"/>
-                </p:cNvCxnSpPr>
-                <p:nvPr/>
-              </p:nvCxnSpPr>
-              <p:spPr>
-                <a:xfrm flipH="1">
-                  <a:off x="4258516" y="5455633"/>
-                  <a:ext cx="3076042" cy="781661"/>
-                </a:xfrm>
-                <a:prstGeom prst="bentConnector4">
-                  <a:avLst>
-                    <a:gd name="adj1" fmla="val -7432"/>
-                    <a:gd name="adj2" fmla="val 112383"/>
-                  </a:avLst>
-                </a:prstGeom>
-              </p:spPr>
-              <p:style>
-                <a:lnRef idx="1">
-                  <a:schemeClr val="accent1"/>
-                </a:lnRef>
-                <a:fillRef idx="0">
-                  <a:schemeClr val="accent1"/>
-                </a:fillRef>
-                <a:effectRef idx="0">
-                  <a:schemeClr val="accent1"/>
-                </a:effectRef>
-                <a:fontRef idx="minor">
-                  <a:schemeClr val="tx1"/>
-                </a:fontRef>
-              </p:style>
-            </p:cxnSp>
-            <p:cxnSp>
-              <p:nvCxnSpPr>
-                <p:cNvPr id="262" name="Соединительная линия уступом 261"/>
-                <p:cNvCxnSpPr>
-                  <a:endCxn id="168" idx="0"/>
-                </p:cNvCxnSpPr>
-                <p:nvPr/>
-              </p:nvCxnSpPr>
-              <p:spPr>
-                <a:xfrm rot="5400000" flipH="1" flipV="1">
-                  <a:off x="4180441" y="4626858"/>
-                  <a:ext cx="3434218" cy="24772"/>
-                </a:xfrm>
-                <a:prstGeom prst="bentConnector5">
-                  <a:avLst>
-                    <a:gd name="adj1" fmla="val -2775"/>
-                    <a:gd name="adj2" fmla="val -11761473"/>
-                    <a:gd name="adj3" fmla="val 103058"/>
-                  </a:avLst>
-                </a:prstGeom>
-              </p:spPr>
-              <p:style>
-                <a:lnRef idx="1">
-                  <a:schemeClr val="accent1"/>
-                </a:lnRef>
-                <a:fillRef idx="0">
-                  <a:schemeClr val="accent1"/>
-                </a:fillRef>
-                <a:effectRef idx="0">
-                  <a:schemeClr val="accent1"/>
-                </a:effectRef>
-                <a:fontRef idx="minor">
-                  <a:schemeClr val="tx1"/>
-                </a:fontRef>
-              </p:style>
-            </p:cxnSp>
-          </p:grpSp>
-        </p:grpSp>
-      </p:grpSp>
-    </p:spTree>
-    <p:extLst>
-      <p:ext uri="{BB962C8B-B14F-4D97-AF65-F5344CB8AC3E}">
-        <p14:creationId xmlns:p14="http://schemas.microsoft.com/office/powerpoint/2010/main" val="2061085173"/>
-      </p:ext>
-    </p:extLst>
-  </p:cSld>
-  <p:clrMapOvr>
-    <a:masterClrMapping/>
-  </p:clrMapOvr>
-  <p:timing>
-    <p:tnLst>
-      <p:par>
-        <p:cTn id="1" dur="indefinite" restart="never" nodeType="tmRoot"/>
-      </p:par>
-    </p:tnLst>
-  </p:timing>
-</p:sld>
-</file>
-
-<file path=ppt/slides/slide7.xml><?xml version="1.0" encoding="utf-8"?>
 <p:sld xmlns:a="http://schemas.openxmlformats.org/drawingml/2006/main" xmlns:r="http://schemas.openxmlformats.org/officeDocument/2006/relationships" xmlns:p="http://schemas.openxmlformats.org/presentationml/2006/main">
   <p:cSld>
     <p:spTree>
@@ -20191,7 +19299,7 @@
             <a:fld id="{725C68B6-61C2-468F-89AB-4B9F7531AA68}" type="slidenum">
               <a:rPr lang="ru-RU" smtClean="0"/>
               <a:pPr/>
-              <a:t>7</a:t>
+              <a:t>6</a:t>
             </a:fld>
             <a:endParaRPr lang="ru-RU"/>
           </a:p>
@@ -20350,7 +19458,7 @@
                   <a:schemeClr val="accent1"/>
                 </a:solidFill>
               </a:rPr>
-              <a:t>Алгоритм полного перебора</a:t>
+              <a:t>Алгоритм перебора с отсечениями</a:t>
             </a:r>
             <a:endParaRPr lang="ru-RU" b="1" dirty="0">
               <a:solidFill>
@@ -21257,7 +20365,7 @@
 </p:sld>
 </file>
 
-<file path=ppt/slides/slide8.xml><?xml version="1.0" encoding="utf-8"?>
+<file path=ppt/slides/slide7.xml><?xml version="1.0" encoding="utf-8"?>
 <p:sld xmlns:a="http://schemas.openxmlformats.org/drawingml/2006/main" xmlns:r="http://schemas.openxmlformats.org/officeDocument/2006/relationships" xmlns:p="http://schemas.openxmlformats.org/presentationml/2006/main">
   <p:cSld>
     <p:spTree>
@@ -21315,7 +20423,7 @@
             <a:fld id="{725C68B6-61C2-468F-89AB-4B9F7531AA68}" type="slidenum">
               <a:rPr lang="ru-RU" smtClean="0"/>
               <a:pPr/>
-              <a:t>8</a:t>
+              <a:t>7</a:t>
             </a:fld>
             <a:endParaRPr lang="ru-RU"/>
           </a:p>
@@ -21419,7 +20527,15 @@
             </a:r>
             <a:r>
               <a:rPr lang="ru-RU" sz="2400" dirty="0"/>
-              <a:t>он приводит к полному уничтожению противника. Однако бот не увидит преимуществ такого хода. </a:t>
+              <a:t>он приводит к полному уничтожению противника. Однако </a:t>
+            </a:r>
+            <a:r>
+              <a:rPr lang="ru-RU" sz="2400" dirty="0" smtClean="0"/>
+              <a:t>компьютерный игрок </a:t>
+            </a:r>
+            <a:r>
+              <a:rPr lang="ru-RU" sz="2400" dirty="0"/>
+              <a:t>не увидит преимуществ такого хода. </a:t>
             </a:r>
             <a:endParaRPr lang="ru-RU" sz="2400" dirty="0" smtClean="0"/>
           </a:p>
@@ -25553,7 +24669,7 @@
 </p:sld>
 </file>
 
-<file path=ppt/slides/slide9.xml><?xml version="1.0" encoding="utf-8"?>
+<file path=ppt/slides/slide8.xml><?xml version="1.0" encoding="utf-8"?>
 <p:sld xmlns:a="http://schemas.openxmlformats.org/drawingml/2006/main" xmlns:r="http://schemas.openxmlformats.org/officeDocument/2006/relationships" xmlns:p="http://schemas.openxmlformats.org/presentationml/2006/main">
   <p:cSld>
     <p:spTree>
@@ -25635,7 +24751,7 @@
             <a:fld id="{725C68B6-61C2-468F-89AB-4B9F7531AA68}" type="slidenum">
               <a:rPr lang="ru-RU" smtClean="0"/>
               <a:pPr/>
-              <a:t>9</a:t>
+              <a:t>8</a:t>
             </a:fld>
             <a:endParaRPr lang="ru-RU"/>
           </a:p>
@@ -26148,6 +25264,790 @@
     <p:extLst>
       <p:ext uri="{BB962C8B-B14F-4D97-AF65-F5344CB8AC3E}">
         <p14:creationId xmlns:p14="http://schemas.microsoft.com/office/powerpoint/2010/main" val="2090951601"/>
+      </p:ext>
+    </p:extLst>
+  </p:cSld>
+  <p:clrMapOvr>
+    <a:masterClrMapping/>
+  </p:clrMapOvr>
+  <p:timing>
+    <p:tnLst>
+      <p:par>
+        <p:cTn id="1" dur="indefinite" restart="never" nodeType="tmRoot"/>
+      </p:par>
+    </p:tnLst>
+  </p:timing>
+</p:sld>
+</file>
+
+<file path=ppt/slides/slide9.xml><?xml version="1.0" encoding="utf-8"?>
+<p:sld xmlns:a="http://schemas.openxmlformats.org/drawingml/2006/main" xmlns:r="http://schemas.openxmlformats.org/officeDocument/2006/relationships" xmlns:p="http://schemas.openxmlformats.org/presentationml/2006/main">
+  <p:cSld>
+    <p:spTree>
+      <p:nvGrpSpPr>
+        <p:cNvPr id="1" name=""/>
+        <p:cNvGrpSpPr/>
+        <p:nvPr/>
+      </p:nvGrpSpPr>
+      <p:grpSpPr>
+        <a:xfrm>
+          <a:off x="0" y="0"/>
+          <a:ext cx="0" cy="0"/>
+          <a:chOff x="0" y="0"/>
+          <a:chExt cx="0" cy="0"/>
+        </a:xfrm>
+      </p:grpSpPr>
+      <p:sp>
+        <p:nvSpPr>
+          <p:cNvPr id="16" name="Дата 15"/>
+          <p:cNvSpPr>
+            <a:spLocks noGrp="1"/>
+          </p:cNvSpPr>
+          <p:nvPr>
+            <p:ph type="dt" sz="half" idx="10"/>
+          </p:nvPr>
+        </p:nvSpPr>
+        <p:spPr/>
+        <p:txBody>
+          <a:bodyPr/>
+          <a:lstStyle/>
+          <a:p>
+            <a:fld id="{F89A6227-B18F-46FB-9E98-DC6F79D027C6}" type="datetime1">
+              <a:rPr lang="ru-RU" smtClean="0"/>
+              <a:t>18.05.2017</a:t>
+            </a:fld>
+            <a:endParaRPr lang="ru-RU"/>
+          </a:p>
+        </p:txBody>
+      </p:sp>
+      <p:sp>
+        <p:nvSpPr>
+          <p:cNvPr id="18" name="Номер слайда 17"/>
+          <p:cNvSpPr>
+            <a:spLocks noGrp="1"/>
+          </p:cNvSpPr>
+          <p:nvPr>
+            <p:ph type="sldNum" sz="quarter" idx="12"/>
+          </p:nvPr>
+        </p:nvSpPr>
+        <p:spPr/>
+        <p:txBody>
+          <a:bodyPr/>
+          <a:lstStyle/>
+          <a:p>
+            <a:fld id="{725C68B6-61C2-468F-89AB-4B9F7531AA68}" type="slidenum">
+              <a:rPr lang="ru-RU" smtClean="0"/>
+              <a:pPr/>
+              <a:t>9</a:t>
+            </a:fld>
+            <a:endParaRPr lang="ru-RU"/>
+          </a:p>
+        </p:txBody>
+      </p:sp>
+      <p:sp>
+        <p:nvSpPr>
+          <p:cNvPr id="3" name="Прямоугольник 2"/>
+          <p:cNvSpPr/>
+          <p:nvPr/>
+        </p:nvSpPr>
+        <p:spPr>
+          <a:xfrm>
+            <a:off x="551385" y="1572496"/>
+            <a:ext cx="9206559" cy="461665"/>
+          </a:xfrm>
+          <a:prstGeom prst="rect">
+            <a:avLst/>
+          </a:prstGeom>
+        </p:spPr>
+        <p:txBody>
+          <a:bodyPr wrap="none">
+            <a:spAutoFit/>
+          </a:bodyPr>
+          <a:lstStyle/>
+          <a:p>
+            <a:r>
+              <a:rPr lang="ru-RU" sz="2400" dirty="0"/>
+              <a:t>Графическая часть выполнена по схеме </a:t>
+            </a:r>
+            <a:r>
+              <a:rPr lang="en-US" sz="2400" dirty="0"/>
+              <a:t>MVC</a:t>
+            </a:r>
+            <a:r>
+              <a:rPr lang="ru-RU" sz="2400" dirty="0"/>
+              <a:t> (</a:t>
+            </a:r>
+            <a:r>
+              <a:rPr lang="en-US" sz="2400" dirty="0"/>
+              <a:t>Model</a:t>
+            </a:r>
+            <a:r>
+              <a:rPr lang="ru-RU" sz="2400" dirty="0"/>
+              <a:t>, </a:t>
+            </a:r>
+            <a:r>
+              <a:rPr lang="en-US" sz="2400" dirty="0"/>
+              <a:t>View</a:t>
+            </a:r>
+            <a:r>
+              <a:rPr lang="ru-RU" sz="2400" dirty="0"/>
+              <a:t>, </a:t>
+            </a:r>
+            <a:r>
+              <a:rPr lang="en-US" sz="2400" dirty="0"/>
+              <a:t>Controller</a:t>
+            </a:r>
+            <a:r>
+              <a:rPr lang="ru-RU" sz="2400" dirty="0"/>
+              <a:t>)</a:t>
+            </a:r>
+          </a:p>
+        </p:txBody>
+      </p:sp>
+      <p:sp>
+        <p:nvSpPr>
+          <p:cNvPr id="2062" name="Rectangle 14"/>
+          <p:cNvSpPr>
+            <a:spLocks noChangeArrowheads="1"/>
+          </p:cNvSpPr>
+          <p:nvPr/>
+        </p:nvSpPr>
+        <p:spPr bwMode="auto">
+          <a:xfrm>
+            <a:off x="1524001" y="-184666"/>
+            <a:ext cx="184731" cy="369332"/>
+          </a:xfrm>
+          <a:prstGeom prst="rect">
+            <a:avLst/>
+          </a:prstGeom>
+          <a:noFill/>
+          <a:ln w="9525">
+            <a:noFill/>
+            <a:miter lim="800000"/>
+            <a:headEnd/>
+            <a:tailEnd/>
+          </a:ln>
+          <a:effectLst/>
+        </p:spPr>
+        <p:txBody>
+          <a:bodyPr vert="horz" wrap="none" lIns="91440" tIns="45720" rIns="91440" bIns="45720" numCol="1" anchor="ctr" anchorCtr="0" compatLnSpc="1">
+            <a:prstTxWarp prst="textNoShape">
+              <a:avLst/>
+            </a:prstTxWarp>
+            <a:spAutoFit/>
+          </a:bodyPr>
+          <a:lstStyle/>
+          <a:p>
+            <a:endParaRPr lang="ru-RU"/>
+          </a:p>
+        </p:txBody>
+      </p:sp>
+      <p:grpSp>
+        <p:nvGrpSpPr>
+          <p:cNvPr id="2049" name="Группа 63"/>
+          <p:cNvGrpSpPr>
+            <a:grpSpLocks/>
+          </p:cNvGrpSpPr>
+          <p:nvPr/>
+        </p:nvGrpSpPr>
+        <p:grpSpPr bwMode="auto">
+          <a:xfrm>
+            <a:off x="2309786" y="3071810"/>
+            <a:ext cx="7024804" cy="2455870"/>
+            <a:chOff x="0" y="0"/>
+            <a:chExt cx="41639" cy="14552"/>
+          </a:xfrm>
+        </p:grpSpPr>
+        <p:sp>
+          <p:nvSpPr>
+            <p:cNvPr id="4" name="Блок-схема: процесс 2"/>
+            <p:cNvSpPr>
+              <a:spLocks noChangeArrowheads="1"/>
+            </p:cNvSpPr>
+            <p:nvPr/>
+          </p:nvSpPr>
+          <p:spPr bwMode="auto">
+            <a:xfrm>
+              <a:off x="30117" y="9401"/>
+              <a:ext cx="11522" cy="5151"/>
+            </a:xfrm>
+            <a:prstGeom prst="flowChartProcess">
+              <a:avLst/>
+            </a:prstGeom>
+            <a:solidFill>
+              <a:srgbClr val="4F81BD"/>
+            </a:solidFill>
+            <a:ln w="25400">
+              <a:solidFill>
+                <a:srgbClr val="243F60"/>
+              </a:solidFill>
+              <a:miter lim="800000"/>
+              <a:headEnd/>
+              <a:tailEnd/>
+            </a:ln>
+          </p:spPr>
+          <p:txBody>
+            <a:bodyPr vert="horz" wrap="square" lIns="91440" tIns="45720" rIns="91440" bIns="45720" numCol="1" anchor="ctr" anchorCtr="0" compatLnSpc="1">
+              <a:prstTxWarp prst="textNoShape">
+                <a:avLst/>
+              </a:prstTxWarp>
+            </a:bodyPr>
+            <a:lstStyle/>
+            <a:p>
+              <a:pPr algn="ctr" fontAlgn="base">
+                <a:spcBef>
+                  <a:spcPct val="0"/>
+                </a:spcBef>
+                <a:spcAft>
+                  <a:spcPct val="0"/>
+                </a:spcAft>
+              </a:pPr>
+              <a:r>
+                <a:rPr lang="en-US" sz="2000" dirty="0">
+                  <a:solidFill>
+                    <a:srgbClr val="FFFFFF"/>
+                  </a:solidFill>
+                  <a:latin typeface="Calibri" pitchFamily="34" charset="0"/>
+                  <a:ea typeface="Times New Roman" pitchFamily="18" charset="0"/>
+                  <a:cs typeface="Times New Roman" pitchFamily="18" charset="0"/>
+                </a:rPr>
+                <a:t>View</a:t>
+              </a:r>
+              <a:endParaRPr lang="en-US" sz="2000" dirty="0">
+                <a:latin typeface="Arial" pitchFamily="34" charset="0"/>
+                <a:cs typeface="Arial" pitchFamily="34" charset="0"/>
+              </a:endParaRPr>
+            </a:p>
+          </p:txBody>
+        </p:sp>
+        <p:sp>
+          <p:nvSpPr>
+            <p:cNvPr id="5" name="Блок-схема: процесс 3"/>
+            <p:cNvSpPr>
+              <a:spLocks noChangeArrowheads="1"/>
+            </p:cNvSpPr>
+            <p:nvPr/>
+          </p:nvSpPr>
+          <p:spPr bwMode="auto">
+            <a:xfrm>
+              <a:off x="15244" y="0"/>
+              <a:ext cx="11521" cy="5150"/>
+            </a:xfrm>
+            <a:prstGeom prst="flowChartProcess">
+              <a:avLst/>
+            </a:prstGeom>
+            <a:solidFill>
+              <a:srgbClr val="4F81BD"/>
+            </a:solidFill>
+            <a:ln w="25400">
+              <a:solidFill>
+                <a:srgbClr val="243F60"/>
+              </a:solidFill>
+              <a:miter lim="800000"/>
+              <a:headEnd/>
+              <a:tailEnd/>
+            </a:ln>
+          </p:spPr>
+          <p:txBody>
+            <a:bodyPr vert="horz" wrap="square" lIns="91440" tIns="45720" rIns="91440" bIns="45720" numCol="1" anchor="ctr" anchorCtr="0" compatLnSpc="1">
+              <a:prstTxWarp prst="textNoShape">
+                <a:avLst/>
+              </a:prstTxWarp>
+            </a:bodyPr>
+            <a:lstStyle/>
+            <a:p>
+              <a:pPr algn="ctr" fontAlgn="base">
+                <a:spcBef>
+                  <a:spcPct val="0"/>
+                </a:spcBef>
+                <a:spcAft>
+                  <a:spcPct val="0"/>
+                </a:spcAft>
+              </a:pPr>
+              <a:r>
+                <a:rPr lang="en-US" sz="2000" dirty="0">
+                  <a:solidFill>
+                    <a:srgbClr val="FFFFFF"/>
+                  </a:solidFill>
+                  <a:latin typeface="Calibri" pitchFamily="34" charset="0"/>
+                  <a:ea typeface="Times New Roman" pitchFamily="18" charset="0"/>
+                  <a:cs typeface="Times New Roman" pitchFamily="18" charset="0"/>
+                </a:rPr>
+                <a:t>Controller</a:t>
+              </a:r>
+              <a:endParaRPr lang="en-US" sz="2000" dirty="0">
+                <a:latin typeface="Arial" pitchFamily="34" charset="0"/>
+                <a:cs typeface="Arial" pitchFamily="34" charset="0"/>
+              </a:endParaRPr>
+            </a:p>
+          </p:txBody>
+        </p:sp>
+        <p:sp>
+          <p:nvSpPr>
+            <p:cNvPr id="6" name="Блок-схема: процесс 4"/>
+            <p:cNvSpPr>
+              <a:spLocks noChangeArrowheads="1"/>
+            </p:cNvSpPr>
+            <p:nvPr/>
+          </p:nvSpPr>
+          <p:spPr bwMode="auto">
+            <a:xfrm>
+              <a:off x="0" y="9401"/>
+              <a:ext cx="11521" cy="5151"/>
+            </a:xfrm>
+            <a:prstGeom prst="flowChartProcess">
+              <a:avLst/>
+            </a:prstGeom>
+            <a:solidFill>
+              <a:srgbClr val="4F81BD"/>
+            </a:solidFill>
+            <a:ln w="25400">
+              <a:solidFill>
+                <a:srgbClr val="243F60"/>
+              </a:solidFill>
+              <a:miter lim="800000"/>
+              <a:headEnd/>
+              <a:tailEnd/>
+            </a:ln>
+          </p:spPr>
+          <p:txBody>
+            <a:bodyPr vert="horz" wrap="square" lIns="91440" tIns="45720" rIns="91440" bIns="45720" numCol="1" anchor="ctr" anchorCtr="0" compatLnSpc="1">
+              <a:prstTxWarp prst="textNoShape">
+                <a:avLst/>
+              </a:prstTxWarp>
+            </a:bodyPr>
+            <a:lstStyle/>
+            <a:p>
+              <a:pPr algn="ctr" fontAlgn="base">
+                <a:spcBef>
+                  <a:spcPct val="0"/>
+                </a:spcBef>
+                <a:spcAft>
+                  <a:spcPct val="0"/>
+                </a:spcAft>
+              </a:pPr>
+              <a:r>
+                <a:rPr lang="en-US" sz="2000" dirty="0">
+                  <a:solidFill>
+                    <a:srgbClr val="FFFFFF"/>
+                  </a:solidFill>
+                  <a:latin typeface="Calibri" pitchFamily="34" charset="0"/>
+                  <a:ea typeface="Times New Roman" pitchFamily="18" charset="0"/>
+                  <a:cs typeface="Times New Roman" pitchFamily="18" charset="0"/>
+                </a:rPr>
+                <a:t>Model</a:t>
+              </a:r>
+              <a:endParaRPr lang="en-US" sz="2000" dirty="0">
+                <a:latin typeface="Arial" pitchFamily="34" charset="0"/>
+                <a:cs typeface="Arial" pitchFamily="34" charset="0"/>
+              </a:endParaRPr>
+            </a:p>
+          </p:txBody>
+        </p:sp>
+        <p:grpSp>
+          <p:nvGrpSpPr>
+            <p:cNvPr id="7" name="Группа 5"/>
+            <p:cNvGrpSpPr>
+              <a:grpSpLocks/>
+            </p:cNvGrpSpPr>
+            <p:nvPr/>
+          </p:nvGrpSpPr>
+          <p:grpSpPr bwMode="auto">
+            <a:xfrm>
+              <a:off x="11521" y="9736"/>
+              <a:ext cx="18596" cy="2240"/>
+              <a:chOff x="11521" y="9736"/>
+              <a:chExt cx="18596" cy="2240"/>
+            </a:xfrm>
+          </p:grpSpPr>
+          <p:sp>
+            <p:nvSpPr>
+              <p:cNvPr id="14" name="Прямая со стрелкой 12"/>
+              <p:cNvSpPr>
+                <a:spLocks noChangeShapeType="1"/>
+              </p:cNvSpPr>
+              <p:nvPr/>
+            </p:nvSpPr>
+            <p:spPr bwMode="auto">
+              <a:xfrm>
+                <a:off x="11521" y="11976"/>
+                <a:ext cx="18596" cy="0"/>
+              </a:xfrm>
+              <a:prstGeom prst="straightConnector1">
+                <a:avLst/>
+              </a:prstGeom>
+              <a:noFill/>
+              <a:ln w="25400">
+                <a:solidFill>
+                  <a:srgbClr val="8DB3E2"/>
+                </a:solidFill>
+                <a:round/>
+                <a:headEnd type="none" w="lg" len="lg"/>
+                <a:tailEnd type="triangle" w="lg" len="lg"/>
+              </a:ln>
+            </p:spPr>
+            <p:txBody>
+              <a:bodyPr vert="horz" wrap="square" lIns="91440" tIns="45720" rIns="91440" bIns="45720" numCol="1" anchor="t" anchorCtr="0" compatLnSpc="1">
+                <a:prstTxWarp prst="textNoShape">
+                  <a:avLst/>
+                </a:prstTxWarp>
+              </a:bodyPr>
+              <a:lstStyle/>
+              <a:p>
+                <a:endParaRPr lang="ru-RU"/>
+              </a:p>
+            </p:txBody>
+          </p:sp>
+          <p:sp>
+            <p:nvSpPr>
+              <p:cNvPr id="15" name="TextBox 41"/>
+              <p:cNvSpPr txBox="1">
+                <a:spLocks noChangeArrowheads="1"/>
+              </p:cNvSpPr>
+              <p:nvPr/>
+            </p:nvSpPr>
+            <p:spPr bwMode="auto">
+              <a:xfrm>
+                <a:off x="17785" y="9736"/>
+                <a:ext cx="7536" cy="2188"/>
+              </a:xfrm>
+              <a:prstGeom prst="rect">
+                <a:avLst/>
+              </a:prstGeom>
+              <a:noFill/>
+              <a:ln w="9525">
+                <a:noFill/>
+                <a:miter lim="800000"/>
+                <a:headEnd/>
+                <a:tailEnd/>
+              </a:ln>
+            </p:spPr>
+            <p:txBody>
+              <a:bodyPr vert="horz" wrap="none" lIns="91440" tIns="45720" rIns="91440" bIns="45720" numCol="1" anchor="t" anchorCtr="0" compatLnSpc="1">
+                <a:prstTxWarp prst="textNoShape">
+                  <a:avLst/>
+                </a:prstTxWarp>
+                <a:spAutoFit/>
+              </a:bodyPr>
+              <a:lstStyle/>
+              <a:p>
+                <a:pPr fontAlgn="base">
+                  <a:spcBef>
+                    <a:spcPct val="0"/>
+                  </a:spcBef>
+                  <a:spcAft>
+                    <a:spcPct val="0"/>
+                  </a:spcAft>
+                </a:pPr>
+                <a:r>
+                  <a:rPr lang="en-US" dirty="0">
+                    <a:solidFill>
+                      <a:srgbClr val="000000"/>
+                    </a:solidFill>
+                    <a:latin typeface="Calibri" pitchFamily="34" charset="0"/>
+                    <a:ea typeface="Times New Roman" pitchFamily="18" charset="0"/>
+                    <a:cs typeface="Times New Roman" pitchFamily="18" charset="0"/>
+                  </a:rPr>
+                  <a:t>I’m update!</a:t>
+                </a:r>
+                <a:endParaRPr lang="en-US" dirty="0">
+                  <a:latin typeface="Arial" pitchFamily="34" charset="0"/>
+                  <a:cs typeface="Arial" pitchFamily="34" charset="0"/>
+                </a:endParaRPr>
+              </a:p>
+            </p:txBody>
+          </p:sp>
+        </p:grpSp>
+        <p:grpSp>
+          <p:nvGrpSpPr>
+            <p:cNvPr id="8" name="Группа 6"/>
+            <p:cNvGrpSpPr>
+              <a:grpSpLocks/>
+            </p:cNvGrpSpPr>
+            <p:nvPr/>
+          </p:nvGrpSpPr>
+          <p:grpSpPr bwMode="auto">
+            <a:xfrm>
+              <a:off x="26677" y="2540"/>
+              <a:ext cx="13841" cy="6861"/>
+              <a:chOff x="26677" y="2540"/>
+              <a:chExt cx="13840" cy="6861"/>
+            </a:xfrm>
+          </p:grpSpPr>
+          <p:sp>
+            <p:nvSpPr>
+              <p:cNvPr id="12" name="Прямая со стрелкой 10"/>
+              <p:cNvSpPr>
+                <a:spLocks noChangeShapeType="1"/>
+              </p:cNvSpPr>
+              <p:nvPr/>
+            </p:nvSpPr>
+            <p:spPr bwMode="auto">
+              <a:xfrm flipH="1" flipV="1">
+                <a:off x="26677" y="2540"/>
+                <a:ext cx="9201" cy="6861"/>
+              </a:xfrm>
+              <a:prstGeom prst="straightConnector1">
+                <a:avLst/>
+              </a:prstGeom>
+              <a:noFill/>
+              <a:ln w="25400">
+                <a:solidFill>
+                  <a:srgbClr val="8DB3E2"/>
+                </a:solidFill>
+                <a:round/>
+                <a:headEnd type="none" w="lg" len="lg"/>
+                <a:tailEnd type="triangle" w="lg" len="lg"/>
+              </a:ln>
+            </p:spPr>
+            <p:txBody>
+              <a:bodyPr vert="horz" wrap="square" lIns="91440" tIns="45720" rIns="91440" bIns="45720" numCol="1" anchor="t" anchorCtr="0" compatLnSpc="1">
+                <a:prstTxWarp prst="textNoShape">
+                  <a:avLst/>
+                </a:prstTxWarp>
+              </a:bodyPr>
+              <a:lstStyle/>
+              <a:p>
+                <a:endParaRPr lang="ru-RU"/>
+              </a:p>
+            </p:txBody>
+          </p:sp>
+          <p:sp>
+            <p:nvSpPr>
+              <p:cNvPr id="13" name="TextBox 42"/>
+              <p:cNvSpPr txBox="1">
+                <a:spLocks noChangeArrowheads="1"/>
+              </p:cNvSpPr>
+              <p:nvPr/>
+            </p:nvSpPr>
+            <p:spPr bwMode="auto">
+              <a:xfrm rot="2269527">
+                <a:off x="27526" y="5797"/>
+                <a:ext cx="12991" cy="2188"/>
+              </a:xfrm>
+              <a:prstGeom prst="rect">
+                <a:avLst/>
+              </a:prstGeom>
+              <a:noFill/>
+              <a:ln w="9525">
+                <a:noFill/>
+                <a:miter lim="800000"/>
+                <a:headEnd/>
+                <a:tailEnd/>
+              </a:ln>
+            </p:spPr>
+            <p:txBody>
+              <a:bodyPr vert="horz" wrap="square" lIns="91440" tIns="45720" rIns="91440" bIns="45720" numCol="1" anchor="t" anchorCtr="0" compatLnSpc="1">
+                <a:prstTxWarp prst="textNoShape">
+                  <a:avLst/>
+                </a:prstTxWarp>
+                <a:spAutoFit/>
+              </a:bodyPr>
+              <a:lstStyle/>
+              <a:p>
+                <a:pPr fontAlgn="base">
+                  <a:spcBef>
+                    <a:spcPct val="0"/>
+                  </a:spcBef>
+                  <a:spcAft>
+                    <a:spcPct val="0"/>
+                  </a:spcAft>
+                </a:pPr>
+                <a:r>
+                  <a:rPr lang="en-US" dirty="0">
+                    <a:solidFill>
+                      <a:srgbClr val="000000"/>
+                    </a:solidFill>
+                    <a:latin typeface="Calibri" pitchFamily="34" charset="0"/>
+                    <a:ea typeface="Times New Roman" pitchFamily="18" charset="0"/>
+                    <a:cs typeface="Times New Roman" pitchFamily="18" charset="0"/>
+                  </a:rPr>
+                  <a:t>user’s change</a:t>
+                </a:r>
+                <a:endParaRPr lang="en-US" dirty="0">
+                  <a:latin typeface="Arial" pitchFamily="34" charset="0"/>
+                  <a:cs typeface="Arial" pitchFamily="34" charset="0"/>
+                </a:endParaRPr>
+              </a:p>
+            </p:txBody>
+          </p:sp>
+        </p:grpSp>
+        <p:grpSp>
+          <p:nvGrpSpPr>
+            <p:cNvPr id="9" name="Группа 7"/>
+            <p:cNvGrpSpPr>
+              <a:grpSpLocks/>
+            </p:cNvGrpSpPr>
+            <p:nvPr/>
+          </p:nvGrpSpPr>
+          <p:grpSpPr bwMode="auto">
+            <a:xfrm>
+              <a:off x="5928" y="2540"/>
+              <a:ext cx="9316" cy="6826"/>
+              <a:chOff x="5928" y="2540"/>
+              <a:chExt cx="9315" cy="6826"/>
+            </a:xfrm>
+          </p:grpSpPr>
+          <p:sp>
+            <p:nvSpPr>
+              <p:cNvPr id="10" name="Прямая со стрелкой 8"/>
+              <p:cNvSpPr>
+                <a:spLocks noChangeShapeType="1"/>
+              </p:cNvSpPr>
+              <p:nvPr/>
+            </p:nvSpPr>
+            <p:spPr bwMode="auto">
+              <a:xfrm flipH="1">
+                <a:off x="5928" y="2540"/>
+                <a:ext cx="9315" cy="6826"/>
+              </a:xfrm>
+              <a:prstGeom prst="straightConnector1">
+                <a:avLst/>
+              </a:prstGeom>
+              <a:noFill/>
+              <a:ln w="25400">
+                <a:solidFill>
+                  <a:srgbClr val="8DB3E2"/>
+                </a:solidFill>
+                <a:round/>
+                <a:headEnd type="none" w="lg" len="lg"/>
+                <a:tailEnd type="triangle" w="lg" len="lg"/>
+              </a:ln>
+            </p:spPr>
+            <p:txBody>
+              <a:bodyPr vert="horz" wrap="square" lIns="91440" tIns="45720" rIns="91440" bIns="45720" numCol="1" anchor="t" anchorCtr="0" compatLnSpc="1">
+                <a:prstTxWarp prst="textNoShape">
+                  <a:avLst/>
+                </a:prstTxWarp>
+              </a:bodyPr>
+              <a:lstStyle/>
+              <a:p>
+                <a:endParaRPr lang="ru-RU"/>
+              </a:p>
+            </p:txBody>
+          </p:sp>
+          <p:sp>
+            <p:nvSpPr>
+              <p:cNvPr id="11" name="TextBox 51"/>
+              <p:cNvSpPr txBox="1">
+                <a:spLocks noChangeArrowheads="1"/>
+              </p:cNvSpPr>
+              <p:nvPr/>
+            </p:nvSpPr>
+            <p:spPr bwMode="auto">
+              <a:xfrm rot="19545239">
+                <a:off x="6706" y="3725"/>
+                <a:ext cx="7896" cy="2188"/>
+              </a:xfrm>
+              <a:prstGeom prst="rect">
+                <a:avLst/>
+              </a:prstGeom>
+              <a:noFill/>
+              <a:ln w="9525">
+                <a:noFill/>
+                <a:miter lim="800000"/>
+                <a:headEnd/>
+                <a:tailEnd/>
+              </a:ln>
+            </p:spPr>
+            <p:txBody>
+              <a:bodyPr vert="horz" wrap="none" lIns="91440" tIns="45720" rIns="91440" bIns="45720" numCol="1" anchor="t" anchorCtr="0" compatLnSpc="1">
+                <a:prstTxWarp prst="textNoShape">
+                  <a:avLst/>
+                </a:prstTxWarp>
+                <a:spAutoFit/>
+              </a:bodyPr>
+              <a:lstStyle/>
+              <a:p>
+                <a:pPr fontAlgn="base">
+                  <a:spcBef>
+                    <a:spcPct val="0"/>
+                  </a:spcBef>
+                  <a:spcAft>
+                    <a:spcPct val="0"/>
+                  </a:spcAft>
+                </a:pPr>
+                <a:r>
+                  <a:rPr lang="en-US" dirty="0">
+                    <a:solidFill>
+                      <a:srgbClr val="000000"/>
+                    </a:solidFill>
+                    <a:latin typeface="Calibri" pitchFamily="34" charset="0"/>
+                    <a:ea typeface="Times New Roman" pitchFamily="18" charset="0"/>
+                    <a:cs typeface="Times New Roman" pitchFamily="18" charset="0"/>
+                  </a:rPr>
+                  <a:t>change date</a:t>
+                </a:r>
+                <a:endParaRPr lang="en-US" dirty="0">
+                  <a:latin typeface="Arial" pitchFamily="34" charset="0"/>
+                  <a:cs typeface="Arial" pitchFamily="34" charset="0"/>
+                </a:endParaRPr>
+              </a:p>
+            </p:txBody>
+          </p:sp>
+        </p:grpSp>
+      </p:grpSp>
+      <p:sp>
+        <p:nvSpPr>
+          <p:cNvPr id="20" name="Заголовок 1"/>
+          <p:cNvSpPr txBox="1">
+            <a:spLocks/>
+          </p:cNvSpPr>
+          <p:nvPr/>
+        </p:nvSpPr>
+        <p:spPr>
+          <a:xfrm>
+            <a:off x="551385" y="116632"/>
+            <a:ext cx="8568952" cy="1080120"/>
+          </a:xfrm>
+          <a:prstGeom prst="rect">
+            <a:avLst/>
+          </a:prstGeom>
+        </p:spPr>
+        <p:txBody>
+          <a:bodyPr vert="horz" lIns="91440" tIns="45720" rIns="91440" bIns="45720" rtlCol="0" anchor="ctr">
+            <a:normAutofit/>
+          </a:bodyPr>
+          <a:lstStyle>
+            <a:lvl1pPr algn="l" defTabSz="685800" rtl="0" eaLnBrk="1" latinLnBrk="0" hangingPunct="1">
+              <a:lnSpc>
+                <a:spcPct val="90000"/>
+              </a:lnSpc>
+              <a:spcBef>
+                <a:spcPct val="0"/>
+              </a:spcBef>
+              <a:buNone/>
+              <a:defRPr sz="3300" kern="1200">
+                <a:solidFill>
+                  <a:schemeClr val="tx1"/>
+                </a:solidFill>
+                <a:latin typeface="+mj-lt"/>
+                <a:ea typeface="+mj-ea"/>
+                <a:cs typeface="+mj-cs"/>
+              </a:defRPr>
+            </a:lvl1pPr>
+          </a:lstStyle>
+          <a:p>
+            <a:r>
+              <a:rPr lang="ru-RU" b="1" dirty="0" smtClean="0">
+                <a:solidFill>
+                  <a:schemeClr val="accent1"/>
+                </a:solidFill>
+              </a:rPr>
+              <a:t>Графическая оболочка</a:t>
+            </a:r>
+            <a:endParaRPr lang="ru-RU" b="1" dirty="0">
+              <a:solidFill>
+                <a:schemeClr val="accent1"/>
+              </a:solidFill>
+            </a:endParaRPr>
+          </a:p>
+        </p:txBody>
+      </p:sp>
+    </p:spTree>
+    <p:extLst>
+      <p:ext uri="{BB962C8B-B14F-4D97-AF65-F5344CB8AC3E}">
+        <p14:creationId xmlns:p14="http://schemas.microsoft.com/office/powerpoint/2010/main" val="3147499432"/>
       </p:ext>
     </p:extLst>
   </p:cSld>
